--- a/Course1/Course1_Images/Pics_Creation.pptx
+++ b/Course1/Course1_Images/Pics_Creation.pptx
@@ -4,8 +4,12 @@
   <p:sldMasterIdLst>
     <p:sldMasterId id="2147483648" r:id="rId1"/>
   </p:sldMasterIdLst>
+  <p:notesMasterIdLst>
+    <p:notesMasterId r:id="rId4"/>
+  </p:notesMasterIdLst>
   <p:sldIdLst>
     <p:sldId id="256" r:id="rId2"/>
+    <p:sldId id="365" r:id="rId3"/>
   </p:sldIdLst>
   <p:sldSz cx="12192000" cy="6858000"/>
   <p:notesSz cx="6858000" cy="9144000"/>
@@ -112,6 +116,4101 @@
 </p:presentation>
 </file>
 
+<file path=ppt/diagrams/colors1.xml><?xml version="1.0" encoding="utf-8"?>
+<dgm:colorsDef xmlns:dgm="http://schemas.openxmlformats.org/drawingml/2006/diagram" xmlns:a="http://schemas.openxmlformats.org/drawingml/2006/main" uniqueId="urn:microsoft.com/office/officeart/2005/8/colors/accent1_2">
+  <dgm:title val=""/>
+  <dgm:desc val=""/>
+  <dgm:catLst>
+    <dgm:cat type="accent1" pri="11200"/>
+  </dgm:catLst>
+  <dgm:styleLbl name="node0">
+    <dgm:fillClrLst meth="repeat">
+      <a:schemeClr val="accent1"/>
+    </dgm:fillClrLst>
+    <dgm:linClrLst meth="repeat">
+      <a:schemeClr val="lt1"/>
+    </dgm:linClrLst>
+    <dgm:effectClrLst/>
+    <dgm:txLinClrLst/>
+    <dgm:txFillClrLst/>
+    <dgm:txEffectClrLst/>
+  </dgm:styleLbl>
+  <dgm:styleLbl name="alignNode1">
+    <dgm:fillClrLst meth="repeat">
+      <a:schemeClr val="accent1"/>
+    </dgm:fillClrLst>
+    <dgm:linClrLst meth="repeat">
+      <a:schemeClr val="accent1"/>
+    </dgm:linClrLst>
+    <dgm:effectClrLst/>
+    <dgm:txLinClrLst/>
+    <dgm:txFillClrLst/>
+    <dgm:txEffectClrLst/>
+  </dgm:styleLbl>
+  <dgm:styleLbl name="node1">
+    <dgm:fillClrLst meth="repeat">
+      <a:schemeClr val="accent1"/>
+    </dgm:fillClrLst>
+    <dgm:linClrLst meth="repeat">
+      <a:schemeClr val="lt1"/>
+    </dgm:linClrLst>
+    <dgm:effectClrLst/>
+    <dgm:txLinClrLst/>
+    <dgm:txFillClrLst/>
+    <dgm:txEffectClrLst/>
+  </dgm:styleLbl>
+  <dgm:styleLbl name="lnNode1">
+    <dgm:fillClrLst meth="repeat">
+      <a:schemeClr val="accent1"/>
+    </dgm:fillClrLst>
+    <dgm:linClrLst meth="repeat">
+      <a:schemeClr val="lt1"/>
+    </dgm:linClrLst>
+    <dgm:effectClrLst/>
+    <dgm:txLinClrLst/>
+    <dgm:txFillClrLst/>
+    <dgm:txEffectClrLst/>
+  </dgm:styleLbl>
+  <dgm:styleLbl name="vennNode1">
+    <dgm:fillClrLst meth="repeat">
+      <a:schemeClr val="accent1">
+        <a:alpha val="50000"/>
+      </a:schemeClr>
+    </dgm:fillClrLst>
+    <dgm:linClrLst meth="repeat">
+      <a:schemeClr val="lt1"/>
+    </dgm:linClrLst>
+    <dgm:effectClrLst/>
+    <dgm:txLinClrLst/>
+    <dgm:txFillClrLst/>
+    <dgm:txEffectClrLst/>
+  </dgm:styleLbl>
+  <dgm:styleLbl name="node2">
+    <dgm:fillClrLst meth="repeat">
+      <a:schemeClr val="accent1"/>
+    </dgm:fillClrLst>
+    <dgm:linClrLst meth="repeat">
+      <a:schemeClr val="lt1"/>
+    </dgm:linClrLst>
+    <dgm:effectClrLst/>
+    <dgm:txLinClrLst/>
+    <dgm:txFillClrLst/>
+    <dgm:txEffectClrLst/>
+  </dgm:styleLbl>
+  <dgm:styleLbl name="node3">
+    <dgm:fillClrLst meth="repeat">
+      <a:schemeClr val="accent1"/>
+    </dgm:fillClrLst>
+    <dgm:linClrLst meth="repeat">
+      <a:schemeClr val="lt1"/>
+    </dgm:linClrLst>
+    <dgm:effectClrLst/>
+    <dgm:txLinClrLst/>
+    <dgm:txFillClrLst/>
+    <dgm:txEffectClrLst/>
+  </dgm:styleLbl>
+  <dgm:styleLbl name="node4">
+    <dgm:fillClrLst meth="repeat">
+      <a:schemeClr val="accent1"/>
+    </dgm:fillClrLst>
+    <dgm:linClrLst meth="repeat">
+      <a:schemeClr val="lt1"/>
+    </dgm:linClrLst>
+    <dgm:effectClrLst/>
+    <dgm:txLinClrLst/>
+    <dgm:txFillClrLst/>
+    <dgm:txEffectClrLst/>
+  </dgm:styleLbl>
+  <dgm:styleLbl name="fgImgPlace1">
+    <dgm:fillClrLst meth="repeat">
+      <a:schemeClr val="accent1">
+        <a:tint val="50000"/>
+      </a:schemeClr>
+    </dgm:fillClrLst>
+    <dgm:linClrLst meth="repeat">
+      <a:schemeClr val="lt1"/>
+    </dgm:linClrLst>
+    <dgm:effectClrLst/>
+    <dgm:txLinClrLst/>
+    <dgm:txFillClrLst meth="repeat">
+      <a:schemeClr val="lt1"/>
+    </dgm:txFillClrLst>
+    <dgm:txEffectClrLst/>
+  </dgm:styleLbl>
+  <dgm:styleLbl name="alignImgPlace1">
+    <dgm:fillClrLst meth="repeat">
+      <a:schemeClr val="accent1">
+        <a:tint val="50000"/>
+      </a:schemeClr>
+    </dgm:fillClrLst>
+    <dgm:linClrLst meth="repeat">
+      <a:schemeClr val="lt1"/>
+    </dgm:linClrLst>
+    <dgm:effectClrLst/>
+    <dgm:txLinClrLst/>
+    <dgm:txFillClrLst meth="repeat">
+      <a:schemeClr val="lt1"/>
+    </dgm:txFillClrLst>
+    <dgm:txEffectClrLst/>
+  </dgm:styleLbl>
+  <dgm:styleLbl name="bgImgPlace1">
+    <dgm:fillClrLst meth="repeat">
+      <a:schemeClr val="accent1">
+        <a:tint val="50000"/>
+      </a:schemeClr>
+    </dgm:fillClrLst>
+    <dgm:linClrLst meth="repeat">
+      <a:schemeClr val="lt1"/>
+    </dgm:linClrLst>
+    <dgm:effectClrLst/>
+    <dgm:txLinClrLst/>
+    <dgm:txFillClrLst meth="repeat">
+      <a:schemeClr val="lt1"/>
+    </dgm:txFillClrLst>
+    <dgm:txEffectClrLst/>
+  </dgm:styleLbl>
+  <dgm:styleLbl name="sibTrans2D1">
+    <dgm:fillClrLst meth="repeat">
+      <a:schemeClr val="accent1">
+        <a:tint val="60000"/>
+      </a:schemeClr>
+    </dgm:fillClrLst>
+    <dgm:linClrLst meth="repeat">
+      <a:schemeClr val="accent1">
+        <a:tint val="60000"/>
+      </a:schemeClr>
+    </dgm:linClrLst>
+    <dgm:effectClrLst/>
+    <dgm:txLinClrLst/>
+    <dgm:txFillClrLst/>
+    <dgm:txEffectClrLst/>
+  </dgm:styleLbl>
+  <dgm:styleLbl name="fgSibTrans2D1">
+    <dgm:fillClrLst meth="repeat">
+      <a:schemeClr val="accent1">
+        <a:tint val="60000"/>
+      </a:schemeClr>
+    </dgm:fillClrLst>
+    <dgm:linClrLst meth="repeat">
+      <a:schemeClr val="accent1">
+        <a:tint val="60000"/>
+      </a:schemeClr>
+    </dgm:linClrLst>
+    <dgm:effectClrLst/>
+    <dgm:txLinClrLst/>
+    <dgm:txFillClrLst/>
+    <dgm:txEffectClrLst/>
+  </dgm:styleLbl>
+  <dgm:styleLbl name="bgSibTrans2D1">
+    <dgm:fillClrLst meth="repeat">
+      <a:schemeClr val="accent1">
+        <a:tint val="60000"/>
+      </a:schemeClr>
+    </dgm:fillClrLst>
+    <dgm:linClrLst meth="repeat">
+      <a:schemeClr val="accent1">
+        <a:tint val="60000"/>
+      </a:schemeClr>
+    </dgm:linClrLst>
+    <dgm:effectClrLst/>
+    <dgm:txLinClrLst/>
+    <dgm:txFillClrLst/>
+    <dgm:txEffectClrLst/>
+  </dgm:styleLbl>
+  <dgm:styleLbl name="sibTrans1D1">
+    <dgm:fillClrLst meth="repeat">
+      <a:schemeClr val="accent1"/>
+    </dgm:fillClrLst>
+    <dgm:linClrLst meth="repeat">
+      <a:schemeClr val="accent1"/>
+    </dgm:linClrLst>
+    <dgm:effectClrLst/>
+    <dgm:txLinClrLst/>
+    <dgm:txFillClrLst meth="repeat">
+      <a:schemeClr val="tx1"/>
+    </dgm:txFillClrLst>
+    <dgm:txEffectClrLst/>
+  </dgm:styleLbl>
+  <dgm:styleLbl name="callout">
+    <dgm:fillClrLst meth="repeat">
+      <a:schemeClr val="accent1"/>
+    </dgm:fillClrLst>
+    <dgm:linClrLst meth="repeat">
+      <a:schemeClr val="accent1">
+        <a:tint val="50000"/>
+      </a:schemeClr>
+    </dgm:linClrLst>
+    <dgm:effectClrLst/>
+    <dgm:txLinClrLst/>
+    <dgm:txFillClrLst meth="repeat">
+      <a:schemeClr val="tx1"/>
+    </dgm:txFillClrLst>
+    <dgm:txEffectClrLst/>
+  </dgm:styleLbl>
+  <dgm:styleLbl name="asst0">
+    <dgm:fillClrLst meth="repeat">
+      <a:schemeClr val="accent1"/>
+    </dgm:fillClrLst>
+    <dgm:linClrLst meth="repeat">
+      <a:schemeClr val="lt1"/>
+    </dgm:linClrLst>
+    <dgm:effectClrLst/>
+    <dgm:txLinClrLst/>
+    <dgm:txFillClrLst/>
+    <dgm:txEffectClrLst/>
+  </dgm:styleLbl>
+  <dgm:styleLbl name="asst1">
+    <dgm:fillClrLst meth="repeat">
+      <a:schemeClr val="accent1"/>
+    </dgm:fillClrLst>
+    <dgm:linClrLst meth="repeat">
+      <a:schemeClr val="lt1"/>
+    </dgm:linClrLst>
+    <dgm:effectClrLst/>
+    <dgm:txLinClrLst/>
+    <dgm:txFillClrLst/>
+    <dgm:txEffectClrLst/>
+  </dgm:styleLbl>
+  <dgm:styleLbl name="asst2">
+    <dgm:fillClrLst meth="repeat">
+      <a:schemeClr val="accent1"/>
+    </dgm:fillClrLst>
+    <dgm:linClrLst meth="repeat">
+      <a:schemeClr val="lt1"/>
+    </dgm:linClrLst>
+    <dgm:effectClrLst/>
+    <dgm:txLinClrLst/>
+    <dgm:txFillClrLst/>
+    <dgm:txEffectClrLst/>
+  </dgm:styleLbl>
+  <dgm:styleLbl name="asst3">
+    <dgm:fillClrLst meth="repeat">
+      <a:schemeClr val="accent1"/>
+    </dgm:fillClrLst>
+    <dgm:linClrLst meth="repeat">
+      <a:schemeClr val="lt1"/>
+    </dgm:linClrLst>
+    <dgm:effectClrLst/>
+    <dgm:txLinClrLst/>
+    <dgm:txFillClrLst/>
+    <dgm:txEffectClrLst/>
+  </dgm:styleLbl>
+  <dgm:styleLbl name="asst4">
+    <dgm:fillClrLst meth="repeat">
+      <a:schemeClr val="accent1"/>
+    </dgm:fillClrLst>
+    <dgm:linClrLst meth="repeat">
+      <a:schemeClr val="lt1"/>
+    </dgm:linClrLst>
+    <dgm:effectClrLst/>
+    <dgm:txLinClrLst/>
+    <dgm:txFillClrLst/>
+    <dgm:txEffectClrLst/>
+  </dgm:styleLbl>
+  <dgm:styleLbl name="parChTrans2D1">
+    <dgm:fillClrLst meth="repeat">
+      <a:schemeClr val="accent1">
+        <a:tint val="60000"/>
+      </a:schemeClr>
+    </dgm:fillClrLst>
+    <dgm:linClrLst meth="repeat">
+      <a:schemeClr val="accent1">
+        <a:tint val="60000"/>
+      </a:schemeClr>
+    </dgm:linClrLst>
+    <dgm:effectClrLst/>
+    <dgm:txLinClrLst/>
+    <dgm:txFillClrLst meth="repeat">
+      <a:schemeClr val="lt1"/>
+    </dgm:txFillClrLst>
+    <dgm:txEffectClrLst/>
+  </dgm:styleLbl>
+  <dgm:styleLbl name="parChTrans2D2">
+    <dgm:fillClrLst meth="repeat">
+      <a:schemeClr val="accent1"/>
+    </dgm:fillClrLst>
+    <dgm:linClrLst meth="repeat">
+      <a:schemeClr val="accent1"/>
+    </dgm:linClrLst>
+    <dgm:effectClrLst/>
+    <dgm:txLinClrLst/>
+    <dgm:txFillClrLst meth="repeat">
+      <a:schemeClr val="lt1"/>
+    </dgm:txFillClrLst>
+    <dgm:txEffectClrLst/>
+  </dgm:styleLbl>
+  <dgm:styleLbl name="parChTrans2D3">
+    <dgm:fillClrLst meth="repeat">
+      <a:schemeClr val="accent1"/>
+    </dgm:fillClrLst>
+    <dgm:linClrLst meth="repeat">
+      <a:schemeClr val="accent1"/>
+    </dgm:linClrLst>
+    <dgm:effectClrLst/>
+    <dgm:txLinClrLst/>
+    <dgm:txFillClrLst meth="repeat">
+      <a:schemeClr val="lt1"/>
+    </dgm:txFillClrLst>
+    <dgm:txEffectClrLst/>
+  </dgm:styleLbl>
+  <dgm:styleLbl name="parChTrans2D4">
+    <dgm:fillClrLst meth="repeat">
+      <a:schemeClr val="accent1"/>
+    </dgm:fillClrLst>
+    <dgm:linClrLst meth="repeat">
+      <a:schemeClr val="accent1"/>
+    </dgm:linClrLst>
+    <dgm:effectClrLst/>
+    <dgm:txLinClrLst/>
+    <dgm:txFillClrLst meth="repeat">
+      <a:schemeClr val="lt1"/>
+    </dgm:txFillClrLst>
+    <dgm:txEffectClrLst/>
+  </dgm:styleLbl>
+  <dgm:styleLbl name="parChTrans1D1">
+    <dgm:fillClrLst meth="repeat">
+      <a:schemeClr val="accent1"/>
+    </dgm:fillClrLst>
+    <dgm:linClrLst meth="repeat">
+      <a:schemeClr val="accent1">
+        <a:shade val="60000"/>
+      </a:schemeClr>
+    </dgm:linClrLst>
+    <dgm:effectClrLst/>
+    <dgm:txLinClrLst/>
+    <dgm:txFillClrLst meth="repeat">
+      <a:schemeClr val="tx1"/>
+    </dgm:txFillClrLst>
+    <dgm:txEffectClrLst/>
+  </dgm:styleLbl>
+  <dgm:styleLbl name="parChTrans1D2">
+    <dgm:fillClrLst meth="repeat">
+      <a:schemeClr val="accent1"/>
+    </dgm:fillClrLst>
+    <dgm:linClrLst meth="repeat">
+      <a:schemeClr val="accent1">
+        <a:shade val="60000"/>
+      </a:schemeClr>
+    </dgm:linClrLst>
+    <dgm:effectClrLst/>
+    <dgm:txLinClrLst/>
+    <dgm:txFillClrLst meth="repeat">
+      <a:schemeClr val="tx1"/>
+    </dgm:txFillClrLst>
+    <dgm:txEffectClrLst/>
+  </dgm:styleLbl>
+  <dgm:styleLbl name="parChTrans1D3">
+    <dgm:fillClrLst meth="repeat">
+      <a:schemeClr val="accent1"/>
+    </dgm:fillClrLst>
+    <dgm:linClrLst meth="repeat">
+      <a:schemeClr val="accent1">
+        <a:shade val="80000"/>
+      </a:schemeClr>
+    </dgm:linClrLst>
+    <dgm:effectClrLst/>
+    <dgm:txLinClrLst/>
+    <dgm:txFillClrLst meth="repeat">
+      <a:schemeClr val="tx1"/>
+    </dgm:txFillClrLst>
+    <dgm:txEffectClrLst/>
+  </dgm:styleLbl>
+  <dgm:styleLbl name="parChTrans1D4">
+    <dgm:fillClrLst meth="repeat">
+      <a:schemeClr val="accent1"/>
+    </dgm:fillClrLst>
+    <dgm:linClrLst meth="repeat">
+      <a:schemeClr val="accent1">
+        <a:shade val="80000"/>
+      </a:schemeClr>
+    </dgm:linClrLst>
+    <dgm:effectClrLst/>
+    <dgm:txLinClrLst/>
+    <dgm:txFillClrLst meth="repeat">
+      <a:schemeClr val="tx1"/>
+    </dgm:txFillClrLst>
+    <dgm:txEffectClrLst/>
+  </dgm:styleLbl>
+  <dgm:styleLbl name="fgAcc1">
+    <dgm:fillClrLst meth="repeat">
+      <a:schemeClr val="lt1">
+        <a:alpha val="90000"/>
+      </a:schemeClr>
+    </dgm:fillClrLst>
+    <dgm:linClrLst meth="repeat">
+      <a:schemeClr val="accent1"/>
+    </dgm:linClrLst>
+    <dgm:effectClrLst/>
+    <dgm:txLinClrLst/>
+    <dgm:txFillClrLst meth="repeat">
+      <a:schemeClr val="dk1"/>
+    </dgm:txFillClrLst>
+    <dgm:txEffectClrLst/>
+  </dgm:styleLbl>
+  <dgm:styleLbl name="conFgAcc1">
+    <dgm:fillClrLst meth="repeat">
+      <a:schemeClr val="lt1">
+        <a:alpha val="90000"/>
+      </a:schemeClr>
+    </dgm:fillClrLst>
+    <dgm:linClrLst meth="repeat">
+      <a:schemeClr val="accent1"/>
+    </dgm:linClrLst>
+    <dgm:effectClrLst/>
+    <dgm:txLinClrLst/>
+    <dgm:txFillClrLst meth="repeat">
+      <a:schemeClr val="dk1"/>
+    </dgm:txFillClrLst>
+    <dgm:txEffectClrLst/>
+  </dgm:styleLbl>
+  <dgm:styleLbl name="alignAcc1">
+    <dgm:fillClrLst meth="repeat">
+      <a:schemeClr val="lt1">
+        <a:alpha val="90000"/>
+      </a:schemeClr>
+    </dgm:fillClrLst>
+    <dgm:linClrLst meth="repeat">
+      <a:schemeClr val="accent1"/>
+    </dgm:linClrLst>
+    <dgm:effectClrLst/>
+    <dgm:txLinClrLst/>
+    <dgm:txFillClrLst meth="repeat">
+      <a:schemeClr val="dk1"/>
+    </dgm:txFillClrLst>
+    <dgm:txEffectClrLst/>
+  </dgm:styleLbl>
+  <dgm:styleLbl name="trAlignAcc1">
+    <dgm:fillClrLst meth="repeat">
+      <a:schemeClr val="lt1">
+        <a:alpha val="40000"/>
+      </a:schemeClr>
+    </dgm:fillClrLst>
+    <dgm:linClrLst meth="repeat">
+      <a:schemeClr val="accent1"/>
+    </dgm:linClrLst>
+    <dgm:effectClrLst/>
+    <dgm:txLinClrLst/>
+    <dgm:txFillClrLst meth="repeat">
+      <a:schemeClr val="dk1"/>
+    </dgm:txFillClrLst>
+    <dgm:txEffectClrLst/>
+  </dgm:styleLbl>
+  <dgm:styleLbl name="bgAcc1">
+    <dgm:fillClrLst meth="repeat">
+      <a:schemeClr val="lt1">
+        <a:alpha val="90000"/>
+      </a:schemeClr>
+    </dgm:fillClrLst>
+    <dgm:linClrLst meth="repeat">
+      <a:schemeClr val="accent1"/>
+    </dgm:linClrLst>
+    <dgm:effectClrLst/>
+    <dgm:txLinClrLst/>
+    <dgm:txFillClrLst meth="repeat">
+      <a:schemeClr val="dk1"/>
+    </dgm:txFillClrLst>
+    <dgm:txEffectClrLst/>
+  </dgm:styleLbl>
+  <dgm:styleLbl name="solidFgAcc1">
+    <dgm:fillClrLst meth="repeat">
+      <a:schemeClr val="lt1"/>
+    </dgm:fillClrLst>
+    <dgm:linClrLst meth="repeat">
+      <a:schemeClr val="accent1"/>
+    </dgm:linClrLst>
+    <dgm:effectClrLst/>
+    <dgm:txLinClrLst/>
+    <dgm:txFillClrLst meth="repeat">
+      <a:schemeClr val="dk1"/>
+    </dgm:txFillClrLst>
+    <dgm:txEffectClrLst/>
+  </dgm:styleLbl>
+  <dgm:styleLbl name="solidAlignAcc1">
+    <dgm:fillClrLst meth="repeat">
+      <a:schemeClr val="lt1"/>
+    </dgm:fillClrLst>
+    <dgm:linClrLst meth="repeat">
+      <a:schemeClr val="accent1"/>
+    </dgm:linClrLst>
+    <dgm:effectClrLst/>
+    <dgm:txLinClrLst/>
+    <dgm:txFillClrLst meth="repeat">
+      <a:schemeClr val="dk1"/>
+    </dgm:txFillClrLst>
+    <dgm:txEffectClrLst/>
+  </dgm:styleLbl>
+  <dgm:styleLbl name="solidBgAcc1">
+    <dgm:fillClrLst meth="repeat">
+      <a:schemeClr val="lt1"/>
+    </dgm:fillClrLst>
+    <dgm:linClrLst meth="repeat">
+      <a:schemeClr val="accent1"/>
+    </dgm:linClrLst>
+    <dgm:effectClrLst/>
+    <dgm:txLinClrLst/>
+    <dgm:txFillClrLst meth="repeat">
+      <a:schemeClr val="dk1"/>
+    </dgm:txFillClrLst>
+    <dgm:txEffectClrLst/>
+  </dgm:styleLbl>
+  <dgm:styleLbl name="fgAccFollowNode1">
+    <dgm:fillClrLst meth="repeat">
+      <a:schemeClr val="accent1">
+        <a:alpha val="90000"/>
+        <a:tint val="40000"/>
+      </a:schemeClr>
+    </dgm:fillClrLst>
+    <dgm:linClrLst meth="repeat">
+      <a:schemeClr val="accent1">
+        <a:alpha val="90000"/>
+        <a:tint val="40000"/>
+      </a:schemeClr>
+    </dgm:linClrLst>
+    <dgm:effectClrLst/>
+    <dgm:txLinClrLst/>
+    <dgm:txFillClrLst meth="repeat">
+      <a:schemeClr val="dk1"/>
+    </dgm:txFillClrLst>
+    <dgm:txEffectClrLst/>
+  </dgm:styleLbl>
+  <dgm:styleLbl name="alignAccFollowNode1">
+    <dgm:fillClrLst meth="repeat">
+      <a:schemeClr val="accent1">
+        <a:alpha val="90000"/>
+        <a:tint val="40000"/>
+      </a:schemeClr>
+    </dgm:fillClrLst>
+    <dgm:linClrLst meth="repeat">
+      <a:schemeClr val="accent1">
+        <a:alpha val="90000"/>
+        <a:tint val="40000"/>
+      </a:schemeClr>
+    </dgm:linClrLst>
+    <dgm:effectClrLst/>
+    <dgm:txLinClrLst/>
+    <dgm:txFillClrLst meth="repeat">
+      <a:schemeClr val="dk1"/>
+    </dgm:txFillClrLst>
+    <dgm:txEffectClrLst/>
+  </dgm:styleLbl>
+  <dgm:styleLbl name="bgAccFollowNode1">
+    <dgm:fillClrLst meth="repeat">
+      <a:schemeClr val="accent1">
+        <a:alpha val="90000"/>
+        <a:tint val="40000"/>
+      </a:schemeClr>
+    </dgm:fillClrLst>
+    <dgm:linClrLst meth="repeat">
+      <a:schemeClr val="accent1">
+        <a:alpha val="90000"/>
+        <a:tint val="40000"/>
+      </a:schemeClr>
+    </dgm:linClrLst>
+    <dgm:effectClrLst/>
+    <dgm:txLinClrLst/>
+    <dgm:txFillClrLst meth="repeat">
+      <a:schemeClr val="dk1"/>
+    </dgm:txFillClrLst>
+    <dgm:txEffectClrLst/>
+  </dgm:styleLbl>
+  <dgm:styleLbl name="fgAcc0">
+    <dgm:fillClrLst meth="repeat">
+      <a:schemeClr val="lt1">
+        <a:alpha val="90000"/>
+      </a:schemeClr>
+    </dgm:fillClrLst>
+    <dgm:linClrLst meth="repeat">
+      <a:schemeClr val="accent1"/>
+    </dgm:linClrLst>
+    <dgm:effectClrLst/>
+    <dgm:txLinClrLst/>
+    <dgm:txFillClrLst meth="repeat">
+      <a:schemeClr val="dk1"/>
+    </dgm:txFillClrLst>
+    <dgm:txEffectClrLst/>
+  </dgm:styleLbl>
+  <dgm:styleLbl name="fgAcc2">
+    <dgm:fillClrLst meth="repeat">
+      <a:schemeClr val="lt1">
+        <a:alpha val="90000"/>
+      </a:schemeClr>
+    </dgm:fillClrLst>
+    <dgm:linClrLst meth="repeat">
+      <a:schemeClr val="accent1"/>
+    </dgm:linClrLst>
+    <dgm:effectClrLst/>
+    <dgm:txLinClrLst/>
+    <dgm:txFillClrLst meth="repeat">
+      <a:schemeClr val="dk1"/>
+    </dgm:txFillClrLst>
+    <dgm:txEffectClrLst/>
+  </dgm:styleLbl>
+  <dgm:styleLbl name="fgAcc3">
+    <dgm:fillClrLst meth="repeat">
+      <a:schemeClr val="lt1">
+        <a:alpha val="90000"/>
+      </a:schemeClr>
+    </dgm:fillClrLst>
+    <dgm:linClrLst meth="repeat">
+      <a:schemeClr val="accent1"/>
+    </dgm:linClrLst>
+    <dgm:effectClrLst/>
+    <dgm:txLinClrLst/>
+    <dgm:txFillClrLst meth="repeat">
+      <a:schemeClr val="dk1"/>
+    </dgm:txFillClrLst>
+    <dgm:txEffectClrLst/>
+  </dgm:styleLbl>
+  <dgm:styleLbl name="fgAcc4">
+    <dgm:fillClrLst meth="repeat">
+      <a:schemeClr val="lt1">
+        <a:alpha val="90000"/>
+      </a:schemeClr>
+    </dgm:fillClrLst>
+    <dgm:linClrLst meth="repeat">
+      <a:schemeClr val="accent1"/>
+    </dgm:linClrLst>
+    <dgm:effectClrLst/>
+    <dgm:txLinClrLst/>
+    <dgm:txFillClrLst meth="repeat">
+      <a:schemeClr val="dk1"/>
+    </dgm:txFillClrLst>
+    <dgm:txEffectClrLst/>
+  </dgm:styleLbl>
+  <dgm:styleLbl name="bgShp">
+    <dgm:fillClrLst meth="repeat">
+      <a:schemeClr val="accent1">
+        <a:tint val="40000"/>
+      </a:schemeClr>
+    </dgm:fillClrLst>
+    <dgm:linClrLst meth="repeat">
+      <a:schemeClr val="accent1"/>
+    </dgm:linClrLst>
+    <dgm:effectClrLst/>
+    <dgm:txLinClrLst/>
+    <dgm:txFillClrLst meth="repeat">
+      <a:schemeClr val="dk1"/>
+    </dgm:txFillClrLst>
+    <dgm:txEffectClrLst/>
+  </dgm:styleLbl>
+  <dgm:styleLbl name="dkBgShp">
+    <dgm:fillClrLst meth="repeat">
+      <a:schemeClr val="accent1">
+        <a:shade val="80000"/>
+      </a:schemeClr>
+    </dgm:fillClrLst>
+    <dgm:linClrLst meth="repeat">
+      <a:schemeClr val="accent1"/>
+    </dgm:linClrLst>
+    <dgm:effectClrLst/>
+    <dgm:txLinClrLst/>
+    <dgm:txFillClrLst meth="repeat">
+      <a:schemeClr val="lt1"/>
+    </dgm:txFillClrLst>
+    <dgm:txEffectClrLst/>
+  </dgm:styleLbl>
+  <dgm:styleLbl name="trBgShp">
+    <dgm:fillClrLst meth="repeat">
+      <a:schemeClr val="accent1">
+        <a:tint val="50000"/>
+        <a:alpha val="40000"/>
+      </a:schemeClr>
+    </dgm:fillClrLst>
+    <dgm:linClrLst meth="repeat">
+      <a:schemeClr val="accent1"/>
+    </dgm:linClrLst>
+    <dgm:effectClrLst/>
+    <dgm:txLinClrLst/>
+    <dgm:txFillClrLst meth="repeat">
+      <a:schemeClr val="lt1"/>
+    </dgm:txFillClrLst>
+    <dgm:txEffectClrLst/>
+  </dgm:styleLbl>
+  <dgm:styleLbl name="fgShp">
+    <dgm:fillClrLst meth="repeat">
+      <a:schemeClr val="accent1">
+        <a:tint val="60000"/>
+      </a:schemeClr>
+    </dgm:fillClrLst>
+    <dgm:linClrLst meth="repeat">
+      <a:schemeClr val="lt1"/>
+    </dgm:linClrLst>
+    <dgm:effectClrLst/>
+    <dgm:txLinClrLst/>
+    <dgm:txFillClrLst meth="repeat">
+      <a:schemeClr val="dk1"/>
+    </dgm:txFillClrLst>
+    <dgm:txEffectClrLst/>
+  </dgm:styleLbl>
+  <dgm:styleLbl name="revTx">
+    <dgm:fillClrLst meth="repeat">
+      <a:schemeClr val="lt1">
+        <a:alpha val="0"/>
+      </a:schemeClr>
+    </dgm:fillClrLst>
+    <dgm:linClrLst meth="repeat">
+      <a:schemeClr val="dk1">
+        <a:alpha val="0"/>
+      </a:schemeClr>
+    </dgm:linClrLst>
+    <dgm:effectClrLst/>
+    <dgm:txLinClrLst/>
+    <dgm:txFillClrLst meth="repeat">
+      <a:schemeClr val="tx1"/>
+    </dgm:txFillClrLst>
+    <dgm:txEffectClrLst/>
+  </dgm:styleLbl>
+</dgm:colorsDef>
+</file>
+
+<file path=ppt/diagrams/data1.xml><?xml version="1.0" encoding="utf-8"?>
+<dgm:dataModel xmlns:dgm="http://schemas.openxmlformats.org/drawingml/2006/diagram" xmlns:a="http://schemas.openxmlformats.org/drawingml/2006/main">
+  <dgm:ptLst>
+    <dgm:pt modelId="{7E1CBE51-A6E2-44A8-8CE3-00FB3397B824}" type="doc">
+      <dgm:prSet loTypeId="urn:microsoft.com/office/officeart/2005/8/layout/target1" loCatId="relationship" qsTypeId="urn:microsoft.com/office/officeart/2005/8/quickstyle/simple1" qsCatId="simple" csTypeId="urn:microsoft.com/office/officeart/2005/8/colors/accent1_2" csCatId="accent1" phldr="1"/>
+      <dgm:spPr/>
+    </dgm:pt>
+    <dgm:pt modelId="{66F3F465-2025-4F56-BBB6-E49CFE5CFEE1}">
+      <dgm:prSet phldrT="[Text]"/>
+      <dgm:spPr/>
+      <dgm:t>
+        <a:bodyPr/>
+        <a:lstStyle/>
+        <a:p>
+          <a:r>
+            <a:rPr lang="en-US" dirty="0"/>
+            <a:t> </a:t>
+          </a:r>
+        </a:p>
+      </dgm:t>
+    </dgm:pt>
+    <dgm:pt modelId="{054A36D5-CA43-41A0-B248-A1F02BECD515}" type="parTrans" cxnId="{7BF67A29-71FE-4423-A814-A26C78AF044C}">
+      <dgm:prSet/>
+      <dgm:spPr/>
+      <dgm:t>
+        <a:bodyPr/>
+        <a:lstStyle/>
+        <a:p>
+          <a:endParaRPr lang="en-US"/>
+        </a:p>
+      </dgm:t>
+    </dgm:pt>
+    <dgm:pt modelId="{812F63BA-9032-4E3B-9B8A-F71765A6750F}" type="sibTrans" cxnId="{7BF67A29-71FE-4423-A814-A26C78AF044C}">
+      <dgm:prSet/>
+      <dgm:spPr/>
+      <dgm:t>
+        <a:bodyPr/>
+        <a:lstStyle/>
+        <a:p>
+          <a:endParaRPr lang="en-US"/>
+        </a:p>
+      </dgm:t>
+    </dgm:pt>
+    <dgm:pt modelId="{2317ABB6-0AE5-487B-9B2B-30B0174D8C5F}">
+      <dgm:prSet phldrT="[Text]"/>
+      <dgm:spPr/>
+      <dgm:t>
+        <a:bodyPr/>
+        <a:lstStyle/>
+        <a:p>
+          <a:r>
+            <a:rPr lang="en-US" dirty="0"/>
+            <a:t> </a:t>
+          </a:r>
+        </a:p>
+      </dgm:t>
+    </dgm:pt>
+    <dgm:pt modelId="{DF08CBBB-3E08-4C32-BAFE-E36E8DEBB69E}" type="parTrans" cxnId="{C69AC8DE-F776-424C-B042-DF90E413A31E}">
+      <dgm:prSet/>
+      <dgm:spPr/>
+      <dgm:t>
+        <a:bodyPr/>
+        <a:lstStyle/>
+        <a:p>
+          <a:endParaRPr lang="en-US"/>
+        </a:p>
+      </dgm:t>
+    </dgm:pt>
+    <dgm:pt modelId="{B9145907-EEC7-4F69-8C43-921B05C54F18}" type="sibTrans" cxnId="{C69AC8DE-F776-424C-B042-DF90E413A31E}">
+      <dgm:prSet/>
+      <dgm:spPr/>
+      <dgm:t>
+        <a:bodyPr/>
+        <a:lstStyle/>
+        <a:p>
+          <a:endParaRPr lang="en-US"/>
+        </a:p>
+      </dgm:t>
+    </dgm:pt>
+    <dgm:pt modelId="{FCAEB2A2-C58E-45A3-9C36-471824A85297}">
+      <dgm:prSet phldrT="[Text]"/>
+      <dgm:spPr/>
+      <dgm:t>
+        <a:bodyPr/>
+        <a:lstStyle/>
+        <a:p>
+          <a:r>
+            <a:rPr lang="en-US" dirty="0"/>
+            <a:t> </a:t>
+          </a:r>
+        </a:p>
+      </dgm:t>
+    </dgm:pt>
+    <dgm:pt modelId="{01F79801-BE7E-417E-A3D9-D01081E60C25}" type="parTrans" cxnId="{006ECCD3-1C32-4A0F-B811-DFD194A1DF90}">
+      <dgm:prSet/>
+      <dgm:spPr/>
+      <dgm:t>
+        <a:bodyPr/>
+        <a:lstStyle/>
+        <a:p>
+          <a:endParaRPr lang="en-US"/>
+        </a:p>
+      </dgm:t>
+    </dgm:pt>
+    <dgm:pt modelId="{9F90AD30-07E3-4189-8F72-69B25185F66F}" type="sibTrans" cxnId="{006ECCD3-1C32-4A0F-B811-DFD194A1DF90}">
+      <dgm:prSet/>
+      <dgm:spPr/>
+      <dgm:t>
+        <a:bodyPr/>
+        <a:lstStyle/>
+        <a:p>
+          <a:endParaRPr lang="en-US"/>
+        </a:p>
+      </dgm:t>
+    </dgm:pt>
+    <dgm:pt modelId="{736004F9-3D5C-4384-BE14-ECCC501E599A}" type="pres">
+      <dgm:prSet presAssocID="{7E1CBE51-A6E2-44A8-8CE3-00FB3397B824}" presName="composite" presStyleCnt="0">
+        <dgm:presLayoutVars>
+          <dgm:chMax val="5"/>
+          <dgm:dir/>
+          <dgm:resizeHandles val="exact"/>
+        </dgm:presLayoutVars>
+      </dgm:prSet>
+      <dgm:spPr/>
+    </dgm:pt>
+    <dgm:pt modelId="{5638178E-7A26-4153-B776-82E674DF3F86}" type="pres">
+      <dgm:prSet presAssocID="{66F3F465-2025-4F56-BBB6-E49CFE5CFEE1}" presName="circle1" presStyleLbl="lnNode1" presStyleIdx="0" presStyleCnt="3"/>
+      <dgm:spPr>
+        <a:solidFill>
+          <a:schemeClr val="accent2"/>
+        </a:solidFill>
+      </dgm:spPr>
+    </dgm:pt>
+    <dgm:pt modelId="{E777867F-8BAA-41E4-BEE9-EFDB78E25746}" type="pres">
+      <dgm:prSet presAssocID="{66F3F465-2025-4F56-BBB6-E49CFE5CFEE1}" presName="text1" presStyleLbl="revTx" presStyleIdx="0" presStyleCnt="3">
+        <dgm:presLayoutVars>
+          <dgm:bulletEnabled val="1"/>
+        </dgm:presLayoutVars>
+      </dgm:prSet>
+      <dgm:spPr/>
+    </dgm:pt>
+    <dgm:pt modelId="{52F90CD2-5FE5-43B4-AF1E-239F1D77EFF6}" type="pres">
+      <dgm:prSet presAssocID="{66F3F465-2025-4F56-BBB6-E49CFE5CFEE1}" presName="line1" presStyleLbl="callout" presStyleIdx="0" presStyleCnt="6"/>
+      <dgm:spPr/>
+    </dgm:pt>
+    <dgm:pt modelId="{AAFF6B6F-DF3E-4094-A3A5-0BB7D02CBEA5}" type="pres">
+      <dgm:prSet presAssocID="{66F3F465-2025-4F56-BBB6-E49CFE5CFEE1}" presName="d1" presStyleLbl="callout" presStyleIdx="1" presStyleCnt="6"/>
+      <dgm:spPr/>
+    </dgm:pt>
+    <dgm:pt modelId="{2D4209E1-0AC7-4B2C-82BB-F68470961E7B}" type="pres">
+      <dgm:prSet presAssocID="{2317ABB6-0AE5-487B-9B2B-30B0174D8C5F}" presName="circle2" presStyleLbl="lnNode1" presStyleIdx="1" presStyleCnt="3"/>
+      <dgm:spPr>
+        <a:solidFill>
+          <a:schemeClr val="accent4"/>
+        </a:solidFill>
+      </dgm:spPr>
+    </dgm:pt>
+    <dgm:pt modelId="{44B1D500-2F91-4A46-A9BA-05CC2DBB29A1}" type="pres">
+      <dgm:prSet presAssocID="{2317ABB6-0AE5-487B-9B2B-30B0174D8C5F}" presName="text2" presStyleLbl="revTx" presStyleIdx="1" presStyleCnt="3">
+        <dgm:presLayoutVars>
+          <dgm:bulletEnabled val="1"/>
+        </dgm:presLayoutVars>
+      </dgm:prSet>
+      <dgm:spPr/>
+    </dgm:pt>
+    <dgm:pt modelId="{8870D067-79F8-4EDB-91E7-F37970471528}" type="pres">
+      <dgm:prSet presAssocID="{2317ABB6-0AE5-487B-9B2B-30B0174D8C5F}" presName="line2" presStyleLbl="callout" presStyleIdx="2" presStyleCnt="6"/>
+      <dgm:spPr/>
+    </dgm:pt>
+    <dgm:pt modelId="{AC91C961-C901-40EB-B760-9F2F59B17F9E}" type="pres">
+      <dgm:prSet presAssocID="{2317ABB6-0AE5-487B-9B2B-30B0174D8C5F}" presName="d2" presStyleLbl="callout" presStyleIdx="3" presStyleCnt="6"/>
+      <dgm:spPr/>
+    </dgm:pt>
+    <dgm:pt modelId="{93EA3471-4246-4293-9B96-765D90EB19B4}" type="pres">
+      <dgm:prSet presAssocID="{FCAEB2A2-C58E-45A3-9C36-471824A85297}" presName="circle3" presStyleLbl="lnNode1" presStyleIdx="2" presStyleCnt="3"/>
+      <dgm:spPr>
+        <a:solidFill>
+          <a:schemeClr val="accent5"/>
+        </a:solidFill>
+      </dgm:spPr>
+    </dgm:pt>
+    <dgm:pt modelId="{34F09039-4CE0-4114-9A63-C80E8D79FA18}" type="pres">
+      <dgm:prSet presAssocID="{FCAEB2A2-C58E-45A3-9C36-471824A85297}" presName="text3" presStyleLbl="revTx" presStyleIdx="2" presStyleCnt="3">
+        <dgm:presLayoutVars>
+          <dgm:bulletEnabled val="1"/>
+        </dgm:presLayoutVars>
+      </dgm:prSet>
+      <dgm:spPr/>
+    </dgm:pt>
+    <dgm:pt modelId="{BF44292F-87B6-44F6-8E02-8370C2778DCC}" type="pres">
+      <dgm:prSet presAssocID="{FCAEB2A2-C58E-45A3-9C36-471824A85297}" presName="line3" presStyleLbl="callout" presStyleIdx="4" presStyleCnt="6"/>
+      <dgm:spPr/>
+    </dgm:pt>
+    <dgm:pt modelId="{D8AE558D-70A6-4FBD-9596-BF8ADDB56192}" type="pres">
+      <dgm:prSet presAssocID="{FCAEB2A2-C58E-45A3-9C36-471824A85297}" presName="d3" presStyleLbl="callout" presStyleIdx="5" presStyleCnt="6"/>
+      <dgm:spPr/>
+    </dgm:pt>
+  </dgm:ptLst>
+  <dgm:cxnLst>
+    <dgm:cxn modelId="{C7448D21-3DC9-47A9-8165-A8AF8B4EAB03}" type="presOf" srcId="{FCAEB2A2-C58E-45A3-9C36-471824A85297}" destId="{34F09039-4CE0-4114-9A63-C80E8D79FA18}" srcOrd="0" destOrd="0" presId="urn:microsoft.com/office/officeart/2005/8/layout/target1"/>
+    <dgm:cxn modelId="{7BF67A29-71FE-4423-A814-A26C78AF044C}" srcId="{7E1CBE51-A6E2-44A8-8CE3-00FB3397B824}" destId="{66F3F465-2025-4F56-BBB6-E49CFE5CFEE1}" srcOrd="0" destOrd="0" parTransId="{054A36D5-CA43-41A0-B248-A1F02BECD515}" sibTransId="{812F63BA-9032-4E3B-9B8A-F71765A6750F}"/>
+    <dgm:cxn modelId="{7456C7AE-088D-45B0-9699-8FB5F4E3491C}" type="presOf" srcId="{2317ABB6-0AE5-487B-9B2B-30B0174D8C5F}" destId="{44B1D500-2F91-4A46-A9BA-05CC2DBB29A1}" srcOrd="0" destOrd="0" presId="urn:microsoft.com/office/officeart/2005/8/layout/target1"/>
+    <dgm:cxn modelId="{9C3AF8B6-CB3C-4635-AAFD-038475CB0120}" type="presOf" srcId="{7E1CBE51-A6E2-44A8-8CE3-00FB3397B824}" destId="{736004F9-3D5C-4384-BE14-ECCC501E599A}" srcOrd="0" destOrd="0" presId="urn:microsoft.com/office/officeart/2005/8/layout/target1"/>
+    <dgm:cxn modelId="{006ECCD3-1C32-4A0F-B811-DFD194A1DF90}" srcId="{7E1CBE51-A6E2-44A8-8CE3-00FB3397B824}" destId="{FCAEB2A2-C58E-45A3-9C36-471824A85297}" srcOrd="2" destOrd="0" parTransId="{01F79801-BE7E-417E-A3D9-D01081E60C25}" sibTransId="{9F90AD30-07E3-4189-8F72-69B25185F66F}"/>
+    <dgm:cxn modelId="{C69AC8DE-F776-424C-B042-DF90E413A31E}" srcId="{7E1CBE51-A6E2-44A8-8CE3-00FB3397B824}" destId="{2317ABB6-0AE5-487B-9B2B-30B0174D8C5F}" srcOrd="1" destOrd="0" parTransId="{DF08CBBB-3E08-4C32-BAFE-E36E8DEBB69E}" sibTransId="{B9145907-EEC7-4F69-8C43-921B05C54F18}"/>
+    <dgm:cxn modelId="{0434EAF6-5EA5-4957-8819-C532D72800A2}" type="presOf" srcId="{66F3F465-2025-4F56-BBB6-E49CFE5CFEE1}" destId="{E777867F-8BAA-41E4-BEE9-EFDB78E25746}" srcOrd="0" destOrd="0" presId="urn:microsoft.com/office/officeart/2005/8/layout/target1"/>
+    <dgm:cxn modelId="{48A603B2-9024-4511-8177-F979C5CFC14A}" type="presParOf" srcId="{736004F9-3D5C-4384-BE14-ECCC501E599A}" destId="{5638178E-7A26-4153-B776-82E674DF3F86}" srcOrd="0" destOrd="0" presId="urn:microsoft.com/office/officeart/2005/8/layout/target1"/>
+    <dgm:cxn modelId="{31300834-BEB7-4EC5-9FA3-0C348FA5A07B}" type="presParOf" srcId="{736004F9-3D5C-4384-BE14-ECCC501E599A}" destId="{E777867F-8BAA-41E4-BEE9-EFDB78E25746}" srcOrd="1" destOrd="0" presId="urn:microsoft.com/office/officeart/2005/8/layout/target1"/>
+    <dgm:cxn modelId="{A83E407E-61A8-4E4C-9549-557437FF3C4E}" type="presParOf" srcId="{736004F9-3D5C-4384-BE14-ECCC501E599A}" destId="{52F90CD2-5FE5-43B4-AF1E-239F1D77EFF6}" srcOrd="2" destOrd="0" presId="urn:microsoft.com/office/officeart/2005/8/layout/target1"/>
+    <dgm:cxn modelId="{978A981E-1F4D-4AFE-ACE0-3D2EFF2592C1}" type="presParOf" srcId="{736004F9-3D5C-4384-BE14-ECCC501E599A}" destId="{AAFF6B6F-DF3E-4094-A3A5-0BB7D02CBEA5}" srcOrd="3" destOrd="0" presId="urn:microsoft.com/office/officeart/2005/8/layout/target1"/>
+    <dgm:cxn modelId="{8C3A82C6-ACD9-4717-8A5B-4F9C9444A4A1}" type="presParOf" srcId="{736004F9-3D5C-4384-BE14-ECCC501E599A}" destId="{2D4209E1-0AC7-4B2C-82BB-F68470961E7B}" srcOrd="4" destOrd="0" presId="urn:microsoft.com/office/officeart/2005/8/layout/target1"/>
+    <dgm:cxn modelId="{1F9B8016-D3D6-46CA-8126-AF3FE98BB660}" type="presParOf" srcId="{736004F9-3D5C-4384-BE14-ECCC501E599A}" destId="{44B1D500-2F91-4A46-A9BA-05CC2DBB29A1}" srcOrd="5" destOrd="0" presId="urn:microsoft.com/office/officeart/2005/8/layout/target1"/>
+    <dgm:cxn modelId="{8094EBC0-C3F7-4E82-966C-A41889AF052B}" type="presParOf" srcId="{736004F9-3D5C-4384-BE14-ECCC501E599A}" destId="{8870D067-79F8-4EDB-91E7-F37970471528}" srcOrd="6" destOrd="0" presId="urn:microsoft.com/office/officeart/2005/8/layout/target1"/>
+    <dgm:cxn modelId="{5E54AB1F-6DE2-4436-A9A4-321C371A6E04}" type="presParOf" srcId="{736004F9-3D5C-4384-BE14-ECCC501E599A}" destId="{AC91C961-C901-40EB-B760-9F2F59B17F9E}" srcOrd="7" destOrd="0" presId="urn:microsoft.com/office/officeart/2005/8/layout/target1"/>
+    <dgm:cxn modelId="{380DDCAB-CE26-4DF6-938C-E225E434C818}" type="presParOf" srcId="{736004F9-3D5C-4384-BE14-ECCC501E599A}" destId="{93EA3471-4246-4293-9B96-765D90EB19B4}" srcOrd="8" destOrd="0" presId="urn:microsoft.com/office/officeart/2005/8/layout/target1"/>
+    <dgm:cxn modelId="{06C66CE1-8C3D-4D4D-8749-8D05E9F55479}" type="presParOf" srcId="{736004F9-3D5C-4384-BE14-ECCC501E599A}" destId="{34F09039-4CE0-4114-9A63-C80E8D79FA18}" srcOrd="9" destOrd="0" presId="urn:microsoft.com/office/officeart/2005/8/layout/target1"/>
+    <dgm:cxn modelId="{3AC450B2-7503-4FF9-BFA0-EA11331DB1E5}" type="presParOf" srcId="{736004F9-3D5C-4384-BE14-ECCC501E599A}" destId="{BF44292F-87B6-44F6-8E02-8370C2778DCC}" srcOrd="10" destOrd="0" presId="urn:microsoft.com/office/officeart/2005/8/layout/target1"/>
+    <dgm:cxn modelId="{7998480F-43DE-49CC-A160-A168FACDD2F3}" type="presParOf" srcId="{736004F9-3D5C-4384-BE14-ECCC501E599A}" destId="{D8AE558D-70A6-4FBD-9596-BF8ADDB56192}" srcOrd="11" destOrd="0" presId="urn:microsoft.com/office/officeart/2005/8/layout/target1"/>
+  </dgm:cxnLst>
+  <dgm:bg/>
+  <dgm:whole/>
+  <dgm:extLst>
+    <a:ext uri="http://schemas.microsoft.com/office/drawing/2008/diagram">
+      <dsp:dataModelExt xmlns:dsp="http://schemas.microsoft.com/office/drawing/2008/diagram" relId="rId9" minVer="http://schemas.openxmlformats.org/drawingml/2006/diagram"/>
+    </a:ext>
+  </dgm:extLst>
+</dgm:dataModel>
+</file>
+
+<file path=ppt/diagrams/drawing1.xml><?xml version="1.0" encoding="utf-8"?>
+<dsp:drawing xmlns:dgm="http://schemas.openxmlformats.org/drawingml/2006/diagram" xmlns:dsp="http://schemas.microsoft.com/office/drawing/2008/diagram" xmlns:a="http://schemas.openxmlformats.org/drawingml/2006/main">
+  <dsp:spTree>
+    <dsp:nvGrpSpPr>
+      <dsp:cNvPr id="0" name=""/>
+      <dsp:cNvGrpSpPr/>
+    </dsp:nvGrpSpPr>
+    <dsp:grpSpPr/>
+    <dsp:sp modelId="{93EA3471-4246-4293-9B96-765D90EB19B4}">
+      <dsp:nvSpPr>
+        <dsp:cNvPr id="0" name=""/>
+        <dsp:cNvSpPr/>
+      </dsp:nvSpPr>
+      <dsp:spPr>
+        <a:xfrm>
+          <a:off x="508000" y="1015999"/>
+          <a:ext cx="3048000" cy="3048000"/>
+        </a:xfrm>
+        <a:prstGeom prst="ellipse">
+          <a:avLst/>
+        </a:prstGeom>
+        <a:solidFill>
+          <a:schemeClr val="accent5"/>
+        </a:solidFill>
+        <a:ln w="12700" cap="flat" cmpd="sng" algn="ctr">
+          <a:solidFill>
+            <a:schemeClr val="lt1">
+              <a:hueOff val="0"/>
+              <a:satOff val="0"/>
+              <a:lumOff val="0"/>
+              <a:alphaOff val="0"/>
+            </a:schemeClr>
+          </a:solidFill>
+          <a:prstDash val="solid"/>
+          <a:miter lim="800000"/>
+        </a:ln>
+        <a:effectLst/>
+      </dsp:spPr>
+      <dsp:style>
+        <a:lnRef idx="2">
+          <a:scrgbClr r="0" g="0" b="0"/>
+        </a:lnRef>
+        <a:fillRef idx="1">
+          <a:scrgbClr r="0" g="0" b="0"/>
+        </a:fillRef>
+        <a:effectRef idx="0">
+          <a:scrgbClr r="0" g="0" b="0"/>
+        </a:effectRef>
+        <a:fontRef idx="minor">
+          <a:schemeClr val="lt1"/>
+        </a:fontRef>
+      </dsp:style>
+    </dsp:sp>
+    <dsp:sp modelId="{2D4209E1-0AC7-4B2C-82BB-F68470961E7B}">
+      <dsp:nvSpPr>
+        <dsp:cNvPr id="0" name=""/>
+        <dsp:cNvSpPr/>
+      </dsp:nvSpPr>
+      <dsp:spPr>
+        <a:xfrm>
+          <a:off x="1117600" y="1625599"/>
+          <a:ext cx="1828800" cy="1828800"/>
+        </a:xfrm>
+        <a:prstGeom prst="ellipse">
+          <a:avLst/>
+        </a:prstGeom>
+        <a:solidFill>
+          <a:schemeClr val="accent4"/>
+        </a:solidFill>
+        <a:ln w="12700" cap="flat" cmpd="sng" algn="ctr">
+          <a:solidFill>
+            <a:schemeClr val="lt1">
+              <a:hueOff val="0"/>
+              <a:satOff val="0"/>
+              <a:lumOff val="0"/>
+              <a:alphaOff val="0"/>
+            </a:schemeClr>
+          </a:solidFill>
+          <a:prstDash val="solid"/>
+          <a:miter lim="800000"/>
+        </a:ln>
+        <a:effectLst/>
+      </dsp:spPr>
+      <dsp:style>
+        <a:lnRef idx="2">
+          <a:scrgbClr r="0" g="0" b="0"/>
+        </a:lnRef>
+        <a:fillRef idx="1">
+          <a:scrgbClr r="0" g="0" b="0"/>
+        </a:fillRef>
+        <a:effectRef idx="0">
+          <a:scrgbClr r="0" g="0" b="0"/>
+        </a:effectRef>
+        <a:fontRef idx="minor">
+          <a:schemeClr val="lt1"/>
+        </a:fontRef>
+      </dsp:style>
+    </dsp:sp>
+    <dsp:sp modelId="{5638178E-7A26-4153-B776-82E674DF3F86}">
+      <dsp:nvSpPr>
+        <dsp:cNvPr id="0" name=""/>
+        <dsp:cNvSpPr/>
+      </dsp:nvSpPr>
+      <dsp:spPr>
+        <a:xfrm>
+          <a:off x="1727200" y="2235200"/>
+          <a:ext cx="609600" cy="609600"/>
+        </a:xfrm>
+        <a:prstGeom prst="ellipse">
+          <a:avLst/>
+        </a:prstGeom>
+        <a:solidFill>
+          <a:schemeClr val="accent2"/>
+        </a:solidFill>
+        <a:ln w="12700" cap="flat" cmpd="sng" algn="ctr">
+          <a:solidFill>
+            <a:schemeClr val="lt1">
+              <a:hueOff val="0"/>
+              <a:satOff val="0"/>
+              <a:lumOff val="0"/>
+              <a:alphaOff val="0"/>
+            </a:schemeClr>
+          </a:solidFill>
+          <a:prstDash val="solid"/>
+          <a:miter lim="800000"/>
+        </a:ln>
+        <a:effectLst/>
+      </dsp:spPr>
+      <dsp:style>
+        <a:lnRef idx="2">
+          <a:scrgbClr r="0" g="0" b="0"/>
+        </a:lnRef>
+        <a:fillRef idx="1">
+          <a:scrgbClr r="0" g="0" b="0"/>
+        </a:fillRef>
+        <a:effectRef idx="0">
+          <a:scrgbClr r="0" g="0" b="0"/>
+        </a:effectRef>
+        <a:fontRef idx="minor">
+          <a:schemeClr val="lt1"/>
+        </a:fontRef>
+      </dsp:style>
+    </dsp:sp>
+    <dsp:sp modelId="{E777867F-8BAA-41E4-BEE9-EFDB78E25746}">
+      <dsp:nvSpPr>
+        <dsp:cNvPr id="0" name=""/>
+        <dsp:cNvSpPr/>
+      </dsp:nvSpPr>
+      <dsp:spPr>
+        <a:xfrm>
+          <a:off x="4064000" y="0"/>
+          <a:ext cx="1524000" cy="889000"/>
+        </a:xfrm>
+        <a:prstGeom prst="rect">
+          <a:avLst/>
+        </a:prstGeom>
+        <a:noFill/>
+        <a:ln>
+          <a:noFill/>
+        </a:ln>
+        <a:effectLst/>
+      </dsp:spPr>
+      <dsp:style>
+        <a:lnRef idx="0">
+          <a:scrgbClr r="0" g="0" b="0"/>
+        </a:lnRef>
+        <a:fillRef idx="0">
+          <a:scrgbClr r="0" g="0" b="0"/>
+        </a:fillRef>
+        <a:effectRef idx="0">
+          <a:scrgbClr r="0" g="0" b="0"/>
+        </a:effectRef>
+        <a:fontRef idx="minor"/>
+      </dsp:style>
+      <dsp:txBody>
+        <a:bodyPr spcFirstLastPara="0" vert="horz" wrap="square" lIns="376936" tIns="67310" rIns="67310" bIns="67310" numCol="1" spcCol="1270" anchor="ctr" anchorCtr="0">
+          <a:noAutofit/>
+        </a:bodyPr>
+        <a:lstStyle/>
+        <a:p>
+          <a:pPr marL="0" lvl="0" indent="0" algn="l" defTabSz="2355850">
+            <a:lnSpc>
+              <a:spcPct val="90000"/>
+            </a:lnSpc>
+            <a:spcBef>
+              <a:spcPct val="0"/>
+            </a:spcBef>
+            <a:spcAft>
+              <a:spcPct val="35000"/>
+            </a:spcAft>
+            <a:buNone/>
+          </a:pPr>
+          <a:r>
+            <a:rPr lang="en-US" sz="5300" kern="1200" dirty="0"/>
+            <a:t> </a:t>
+          </a:r>
+        </a:p>
+      </dsp:txBody>
+      <dsp:txXfrm>
+        <a:off x="4064000" y="0"/>
+        <a:ext cx="1524000" cy="889000"/>
+      </dsp:txXfrm>
+    </dsp:sp>
+    <dsp:sp modelId="{52F90CD2-5FE5-43B4-AF1E-239F1D77EFF6}">
+      <dsp:nvSpPr>
+        <dsp:cNvPr id="0" name=""/>
+        <dsp:cNvSpPr/>
+      </dsp:nvSpPr>
+      <dsp:spPr>
+        <a:xfrm>
+          <a:off x="3683000" y="444499"/>
+          <a:ext cx="381000" cy="0"/>
+        </a:xfrm>
+        <a:prstGeom prst="line">
+          <a:avLst/>
+        </a:prstGeom>
+        <a:solidFill>
+          <a:schemeClr val="accent1">
+            <a:hueOff val="0"/>
+            <a:satOff val="0"/>
+            <a:lumOff val="0"/>
+            <a:alphaOff val="0"/>
+          </a:schemeClr>
+        </a:solidFill>
+        <a:ln w="12700" cap="flat" cmpd="sng" algn="ctr">
+          <a:solidFill>
+            <a:schemeClr val="accent1">
+              <a:tint val="50000"/>
+              <a:hueOff val="0"/>
+              <a:satOff val="0"/>
+              <a:lumOff val="0"/>
+              <a:alphaOff val="0"/>
+            </a:schemeClr>
+          </a:solidFill>
+          <a:prstDash val="solid"/>
+          <a:miter lim="800000"/>
+        </a:ln>
+        <a:effectLst/>
+      </dsp:spPr>
+      <dsp:style>
+        <a:lnRef idx="2">
+          <a:scrgbClr r="0" g="0" b="0"/>
+        </a:lnRef>
+        <a:fillRef idx="1">
+          <a:scrgbClr r="0" g="0" b="0"/>
+        </a:fillRef>
+        <a:effectRef idx="0">
+          <a:scrgbClr r="0" g="0" b="0"/>
+        </a:effectRef>
+        <a:fontRef idx="minor"/>
+      </dsp:style>
+    </dsp:sp>
+    <dsp:sp modelId="{AAFF6B6F-DF3E-4094-A3A5-0BB7D02CBEA5}">
+      <dsp:nvSpPr>
+        <dsp:cNvPr id="0" name=""/>
+        <dsp:cNvSpPr/>
+      </dsp:nvSpPr>
+      <dsp:spPr>
+        <a:xfrm rot="5400000">
+          <a:off x="1809242" y="667766"/>
+          <a:ext cx="2094991" cy="1649476"/>
+        </a:xfrm>
+        <a:prstGeom prst="line">
+          <a:avLst/>
+        </a:prstGeom>
+        <a:solidFill>
+          <a:schemeClr val="accent1">
+            <a:hueOff val="0"/>
+            <a:satOff val="0"/>
+            <a:lumOff val="0"/>
+            <a:alphaOff val="0"/>
+          </a:schemeClr>
+        </a:solidFill>
+        <a:ln w="12700" cap="flat" cmpd="sng" algn="ctr">
+          <a:solidFill>
+            <a:schemeClr val="accent1">
+              <a:tint val="50000"/>
+              <a:hueOff val="0"/>
+              <a:satOff val="0"/>
+              <a:lumOff val="0"/>
+              <a:alphaOff val="0"/>
+            </a:schemeClr>
+          </a:solidFill>
+          <a:prstDash val="solid"/>
+          <a:miter lim="800000"/>
+        </a:ln>
+        <a:effectLst/>
+      </dsp:spPr>
+      <dsp:style>
+        <a:lnRef idx="2">
+          <a:scrgbClr r="0" g="0" b="0"/>
+        </a:lnRef>
+        <a:fillRef idx="1">
+          <a:scrgbClr r="0" g="0" b="0"/>
+        </a:fillRef>
+        <a:effectRef idx="0">
+          <a:scrgbClr r="0" g="0" b="0"/>
+        </a:effectRef>
+        <a:fontRef idx="minor"/>
+      </dsp:style>
+    </dsp:sp>
+    <dsp:sp modelId="{44B1D500-2F91-4A46-A9BA-05CC2DBB29A1}">
+      <dsp:nvSpPr>
+        <dsp:cNvPr id="0" name=""/>
+        <dsp:cNvSpPr/>
+      </dsp:nvSpPr>
+      <dsp:spPr>
+        <a:xfrm>
+          <a:off x="4064000" y="888999"/>
+          <a:ext cx="1524000" cy="889000"/>
+        </a:xfrm>
+        <a:prstGeom prst="rect">
+          <a:avLst/>
+        </a:prstGeom>
+        <a:noFill/>
+        <a:ln>
+          <a:noFill/>
+        </a:ln>
+        <a:effectLst/>
+      </dsp:spPr>
+      <dsp:style>
+        <a:lnRef idx="0">
+          <a:scrgbClr r="0" g="0" b="0"/>
+        </a:lnRef>
+        <a:fillRef idx="0">
+          <a:scrgbClr r="0" g="0" b="0"/>
+        </a:fillRef>
+        <a:effectRef idx="0">
+          <a:scrgbClr r="0" g="0" b="0"/>
+        </a:effectRef>
+        <a:fontRef idx="minor"/>
+      </dsp:style>
+      <dsp:txBody>
+        <a:bodyPr spcFirstLastPara="0" vert="horz" wrap="square" lIns="376936" tIns="67310" rIns="67310" bIns="67310" numCol="1" spcCol="1270" anchor="ctr" anchorCtr="0">
+          <a:noAutofit/>
+        </a:bodyPr>
+        <a:lstStyle/>
+        <a:p>
+          <a:pPr marL="0" lvl="0" indent="0" algn="l" defTabSz="2355850">
+            <a:lnSpc>
+              <a:spcPct val="90000"/>
+            </a:lnSpc>
+            <a:spcBef>
+              <a:spcPct val="0"/>
+            </a:spcBef>
+            <a:spcAft>
+              <a:spcPct val="35000"/>
+            </a:spcAft>
+            <a:buNone/>
+          </a:pPr>
+          <a:r>
+            <a:rPr lang="en-US" sz="5300" kern="1200" dirty="0"/>
+            <a:t> </a:t>
+          </a:r>
+        </a:p>
+      </dsp:txBody>
+      <dsp:txXfrm>
+        <a:off x="4064000" y="888999"/>
+        <a:ext cx="1524000" cy="889000"/>
+      </dsp:txXfrm>
+    </dsp:sp>
+    <dsp:sp modelId="{8870D067-79F8-4EDB-91E7-F37970471528}">
+      <dsp:nvSpPr>
+        <dsp:cNvPr id="0" name=""/>
+        <dsp:cNvSpPr/>
+      </dsp:nvSpPr>
+      <dsp:spPr>
+        <a:xfrm>
+          <a:off x="3683000" y="1333499"/>
+          <a:ext cx="381000" cy="0"/>
+        </a:xfrm>
+        <a:prstGeom prst="line">
+          <a:avLst/>
+        </a:prstGeom>
+        <a:solidFill>
+          <a:schemeClr val="accent1">
+            <a:hueOff val="0"/>
+            <a:satOff val="0"/>
+            <a:lumOff val="0"/>
+            <a:alphaOff val="0"/>
+          </a:schemeClr>
+        </a:solidFill>
+        <a:ln w="12700" cap="flat" cmpd="sng" algn="ctr">
+          <a:solidFill>
+            <a:schemeClr val="accent1">
+              <a:tint val="50000"/>
+              <a:hueOff val="0"/>
+              <a:satOff val="0"/>
+              <a:lumOff val="0"/>
+              <a:alphaOff val="0"/>
+            </a:schemeClr>
+          </a:solidFill>
+          <a:prstDash val="solid"/>
+          <a:miter lim="800000"/>
+        </a:ln>
+        <a:effectLst/>
+      </dsp:spPr>
+      <dsp:style>
+        <a:lnRef idx="2">
+          <a:scrgbClr r="0" g="0" b="0"/>
+        </a:lnRef>
+        <a:fillRef idx="1">
+          <a:scrgbClr r="0" g="0" b="0"/>
+        </a:fillRef>
+        <a:effectRef idx="0">
+          <a:scrgbClr r="0" g="0" b="0"/>
+        </a:effectRef>
+        <a:fontRef idx="minor"/>
+      </dsp:style>
+    </dsp:sp>
+    <dsp:sp modelId="{AC91C961-C901-40EB-B760-9F2F59B17F9E}">
+      <dsp:nvSpPr>
+        <dsp:cNvPr id="0" name=""/>
+        <dsp:cNvSpPr/>
+      </dsp:nvSpPr>
+      <dsp:spPr>
+        <a:xfrm rot="5400000">
+          <a:off x="2258923" y="1542897"/>
+          <a:ext cx="1632508" cy="1212596"/>
+        </a:xfrm>
+        <a:prstGeom prst="line">
+          <a:avLst/>
+        </a:prstGeom>
+        <a:solidFill>
+          <a:schemeClr val="accent1">
+            <a:hueOff val="0"/>
+            <a:satOff val="0"/>
+            <a:lumOff val="0"/>
+            <a:alphaOff val="0"/>
+          </a:schemeClr>
+        </a:solidFill>
+        <a:ln w="12700" cap="flat" cmpd="sng" algn="ctr">
+          <a:solidFill>
+            <a:schemeClr val="accent1">
+              <a:tint val="50000"/>
+              <a:hueOff val="0"/>
+              <a:satOff val="0"/>
+              <a:lumOff val="0"/>
+              <a:alphaOff val="0"/>
+            </a:schemeClr>
+          </a:solidFill>
+          <a:prstDash val="solid"/>
+          <a:miter lim="800000"/>
+        </a:ln>
+        <a:effectLst/>
+      </dsp:spPr>
+      <dsp:style>
+        <a:lnRef idx="2">
+          <a:scrgbClr r="0" g="0" b="0"/>
+        </a:lnRef>
+        <a:fillRef idx="1">
+          <a:scrgbClr r="0" g="0" b="0"/>
+        </a:fillRef>
+        <a:effectRef idx="0">
+          <a:scrgbClr r="0" g="0" b="0"/>
+        </a:effectRef>
+        <a:fontRef idx="minor"/>
+      </dsp:style>
+    </dsp:sp>
+    <dsp:sp modelId="{34F09039-4CE0-4114-9A63-C80E8D79FA18}">
+      <dsp:nvSpPr>
+        <dsp:cNvPr id="0" name=""/>
+        <dsp:cNvSpPr/>
+      </dsp:nvSpPr>
+      <dsp:spPr>
+        <a:xfrm>
+          <a:off x="4064000" y="1777999"/>
+          <a:ext cx="1524000" cy="889000"/>
+        </a:xfrm>
+        <a:prstGeom prst="rect">
+          <a:avLst/>
+        </a:prstGeom>
+        <a:noFill/>
+        <a:ln>
+          <a:noFill/>
+        </a:ln>
+        <a:effectLst/>
+      </dsp:spPr>
+      <dsp:style>
+        <a:lnRef idx="0">
+          <a:scrgbClr r="0" g="0" b="0"/>
+        </a:lnRef>
+        <a:fillRef idx="0">
+          <a:scrgbClr r="0" g="0" b="0"/>
+        </a:fillRef>
+        <a:effectRef idx="0">
+          <a:scrgbClr r="0" g="0" b="0"/>
+        </a:effectRef>
+        <a:fontRef idx="minor"/>
+      </dsp:style>
+      <dsp:txBody>
+        <a:bodyPr spcFirstLastPara="0" vert="horz" wrap="square" lIns="376936" tIns="67310" rIns="67310" bIns="67310" numCol="1" spcCol="1270" anchor="ctr" anchorCtr="0">
+          <a:noAutofit/>
+        </a:bodyPr>
+        <a:lstStyle/>
+        <a:p>
+          <a:pPr marL="0" lvl="0" indent="0" algn="l" defTabSz="2355850">
+            <a:lnSpc>
+              <a:spcPct val="90000"/>
+            </a:lnSpc>
+            <a:spcBef>
+              <a:spcPct val="0"/>
+            </a:spcBef>
+            <a:spcAft>
+              <a:spcPct val="35000"/>
+            </a:spcAft>
+            <a:buNone/>
+          </a:pPr>
+          <a:r>
+            <a:rPr lang="en-US" sz="5300" kern="1200" dirty="0"/>
+            <a:t> </a:t>
+          </a:r>
+        </a:p>
+      </dsp:txBody>
+      <dsp:txXfrm>
+        <a:off x="4064000" y="1777999"/>
+        <a:ext cx="1524000" cy="889000"/>
+      </dsp:txXfrm>
+    </dsp:sp>
+    <dsp:sp modelId="{BF44292F-87B6-44F6-8E02-8370C2778DCC}">
+      <dsp:nvSpPr>
+        <dsp:cNvPr id="0" name=""/>
+        <dsp:cNvSpPr/>
+      </dsp:nvSpPr>
+      <dsp:spPr>
+        <a:xfrm>
+          <a:off x="3683000" y="2222499"/>
+          <a:ext cx="381000" cy="0"/>
+        </a:xfrm>
+        <a:prstGeom prst="line">
+          <a:avLst/>
+        </a:prstGeom>
+        <a:solidFill>
+          <a:schemeClr val="accent1">
+            <a:hueOff val="0"/>
+            <a:satOff val="0"/>
+            <a:lumOff val="0"/>
+            <a:alphaOff val="0"/>
+          </a:schemeClr>
+        </a:solidFill>
+        <a:ln w="12700" cap="flat" cmpd="sng" algn="ctr">
+          <a:solidFill>
+            <a:schemeClr val="accent1">
+              <a:tint val="50000"/>
+              <a:hueOff val="0"/>
+              <a:satOff val="0"/>
+              <a:lumOff val="0"/>
+              <a:alphaOff val="0"/>
+            </a:schemeClr>
+          </a:solidFill>
+          <a:prstDash val="solid"/>
+          <a:miter lim="800000"/>
+        </a:ln>
+        <a:effectLst/>
+      </dsp:spPr>
+      <dsp:style>
+        <a:lnRef idx="2">
+          <a:scrgbClr r="0" g="0" b="0"/>
+        </a:lnRef>
+        <a:fillRef idx="1">
+          <a:scrgbClr r="0" g="0" b="0"/>
+        </a:fillRef>
+        <a:effectRef idx="0">
+          <a:scrgbClr r="0" g="0" b="0"/>
+        </a:effectRef>
+        <a:fontRef idx="minor"/>
+      </dsp:style>
+    </dsp:sp>
+    <dsp:sp modelId="{D8AE558D-70A6-4FBD-9596-BF8ADDB56192}">
+      <dsp:nvSpPr>
+        <dsp:cNvPr id="0" name=""/>
+        <dsp:cNvSpPr/>
+      </dsp:nvSpPr>
+      <dsp:spPr>
+        <a:xfrm rot="5400000">
+          <a:off x="2709164" y="2417317"/>
+          <a:ext cx="1166368" cy="775716"/>
+        </a:xfrm>
+        <a:prstGeom prst="line">
+          <a:avLst/>
+        </a:prstGeom>
+        <a:solidFill>
+          <a:schemeClr val="accent1">
+            <a:hueOff val="0"/>
+            <a:satOff val="0"/>
+            <a:lumOff val="0"/>
+            <a:alphaOff val="0"/>
+          </a:schemeClr>
+        </a:solidFill>
+        <a:ln w="12700" cap="flat" cmpd="sng" algn="ctr">
+          <a:solidFill>
+            <a:schemeClr val="accent1">
+              <a:tint val="50000"/>
+              <a:hueOff val="0"/>
+              <a:satOff val="0"/>
+              <a:lumOff val="0"/>
+              <a:alphaOff val="0"/>
+            </a:schemeClr>
+          </a:solidFill>
+          <a:prstDash val="solid"/>
+          <a:miter lim="800000"/>
+        </a:ln>
+        <a:effectLst/>
+      </dsp:spPr>
+      <dsp:style>
+        <a:lnRef idx="2">
+          <a:scrgbClr r="0" g="0" b="0"/>
+        </a:lnRef>
+        <a:fillRef idx="1">
+          <a:scrgbClr r="0" g="0" b="0"/>
+        </a:fillRef>
+        <a:effectRef idx="0">
+          <a:scrgbClr r="0" g="0" b="0"/>
+        </a:effectRef>
+        <a:fontRef idx="minor"/>
+      </dsp:style>
+    </dsp:sp>
+  </dsp:spTree>
+</dsp:drawing>
+</file>
+
+<file path=ppt/diagrams/layout1.xml><?xml version="1.0" encoding="utf-8"?>
+<dgm:layoutDef xmlns:dgm="http://schemas.openxmlformats.org/drawingml/2006/diagram" xmlns:a="http://schemas.openxmlformats.org/drawingml/2006/main" uniqueId="urn:microsoft.com/office/officeart/2005/8/layout/target1">
+  <dgm:title val=""/>
+  <dgm:desc val=""/>
+  <dgm:catLst>
+    <dgm:cat type="relationship" pri="25000"/>
+    <dgm:cat type="convert" pri="20000"/>
+  </dgm:catLst>
+  <dgm:sampData useDef="1">
+    <dgm:dataModel>
+      <dgm:ptLst/>
+      <dgm:bg/>
+      <dgm:whole/>
+    </dgm:dataModel>
+  </dgm:sampData>
+  <dgm:styleData>
+    <dgm:dataModel>
+      <dgm:ptLst>
+        <dgm:pt modelId="0" type="doc"/>
+        <dgm:pt modelId="1"/>
+        <dgm:pt modelId="2"/>
+      </dgm:ptLst>
+      <dgm:cxnLst>
+        <dgm:cxn modelId="3" srcId="0" destId="1" srcOrd="0" destOrd="0"/>
+        <dgm:cxn modelId="4" srcId="0" destId="2" srcOrd="1" destOrd="0"/>
+      </dgm:cxnLst>
+      <dgm:bg/>
+      <dgm:whole/>
+    </dgm:dataModel>
+  </dgm:styleData>
+  <dgm:clrData>
+    <dgm:dataModel>
+      <dgm:ptLst>
+        <dgm:pt modelId="0" type="doc"/>
+        <dgm:pt modelId="1"/>
+        <dgm:pt modelId="2"/>
+        <dgm:pt modelId="3"/>
+        <dgm:pt modelId="4"/>
+      </dgm:ptLst>
+      <dgm:cxnLst>
+        <dgm:cxn modelId="5" srcId="0" destId="1" srcOrd="0" destOrd="0"/>
+        <dgm:cxn modelId="6" srcId="0" destId="2" srcOrd="1" destOrd="0"/>
+        <dgm:cxn modelId="7" srcId="0" destId="3" srcOrd="2" destOrd="0"/>
+        <dgm:cxn modelId="8" srcId="0" destId="4" srcOrd="3" destOrd="0"/>
+      </dgm:cxnLst>
+      <dgm:bg/>
+      <dgm:whole/>
+    </dgm:dataModel>
+  </dgm:clrData>
+  <dgm:layoutNode name="composite">
+    <dgm:varLst>
+      <dgm:chMax val="5"/>
+      <dgm:dir/>
+      <dgm:resizeHandles val="exact"/>
+    </dgm:varLst>
+    <dgm:alg type="composite">
+      <dgm:param type="ar" val="1.25"/>
+    </dgm:alg>
+    <dgm:shape xmlns:r="http://schemas.openxmlformats.org/officeDocument/2006/relationships" r:blip="">
+      <dgm:adjLst/>
+    </dgm:shape>
+    <dgm:presOf/>
+    <dgm:choose name="Name0">
+      <dgm:if name="Name1" func="var" arg="dir" op="equ" val="norm">
+        <dgm:choose name="Name2">
+          <dgm:if name="Name3" axis="ch" ptType="node" func="cnt" op="equ" val="0">
+            <dgm:constrLst/>
+          </dgm:if>
+          <dgm:if name="Name4" axis="ch" ptType="node" func="cnt" op="equ" val="1">
+            <dgm:constrLst>
+              <dgm:constr type="primFontSz" for="des" ptType="node" op="equ" val="65"/>
+              <dgm:constr type="w" for="ch" forName="circle1" refType="w" fact="0.6"/>
+              <dgm:constr type="h" for="ch" forName="circle1" refType="w" refFor="ch" refForName="circle1"/>
+              <dgm:constr type="ctrX" for="ch" forName="circle1" refType="w" fact="0.3"/>
+              <dgm:constr type="ctrY" for="ch" forName="circle1" refType="h" fact="0.625"/>
+              <dgm:constr type="w" for="ch" forName="text1" refType="w" fact="0.3"/>
+              <dgm:constr type="h" for="ch" forName="text1" refType="h" fact="0.3125"/>
+              <dgm:constr type="r" for="ch" forName="text1" refType="w"/>
+              <dgm:constr type="t" for="ch" forName="text1"/>
+              <dgm:constr type="l" for="ch" forName="line1" refType="w" fact="0.625"/>
+              <dgm:constr type="ctrY" for="ch" forName="line1" refType="ctrY" refFor="ch" refForName="text1"/>
+              <dgm:constr type="r" for="ch" forName="line1" refType="l" refFor="ch" refForName="text1"/>
+              <dgm:constr type="h" for="ch" forName="line1"/>
+              <dgm:constr type="l" for="ch" forName="d1" refType="w" fact="0.3"/>
+              <dgm:constr type="b" for="ch" forName="d1" refType="h" fact="0.625"/>
+              <dgm:constr type="w" for="ch" forName="d1" refType="w" fact="0.32475"/>
+              <dgm:constr type="h" for="ch" forName="d1" refType="h" fact="0.469"/>
+            </dgm:constrLst>
+          </dgm:if>
+          <dgm:if name="Name5" axis="ch" ptType="node" func="cnt" op="equ" val="2">
+            <dgm:constrLst>
+              <dgm:constr type="primFontSz" for="des" ptType="node" op="equ" val="65"/>
+              <dgm:constr type="w" for="ch" forName="circle1" refType="w" fact="0.2"/>
+              <dgm:constr type="h" for="ch" forName="circle1" refType="w" refFor="ch" refForName="circle1"/>
+              <dgm:constr type="ctrX" for="ch" forName="circle1" refType="w" fact="0.3"/>
+              <dgm:constr type="ctrY" for="ch" forName="circle1" refType="h" fact="0.625"/>
+              <dgm:constr type="w" for="ch" forName="text1" refType="w" fact="0.3"/>
+              <dgm:constr type="h" for="ch" forName="text1" refType="h" fact="0.3125"/>
+              <dgm:constr type="r" for="ch" forName="text1" refType="w"/>
+              <dgm:constr type="t" for="ch" forName="text1"/>
+              <dgm:constr type="l" for="ch" forName="line1" refType="w" fact="0.625"/>
+              <dgm:constr type="ctrY" for="ch" forName="line1" refType="ctrY" refFor="ch" refForName="text1"/>
+              <dgm:constr type="w" for="ch" forName="line1" refType="w" fact="0.075"/>
+              <dgm:constr type="h" for="ch" forName="line1"/>
+              <dgm:constr type="l" for="ch" forName="d1" refType="w" fact="0.3"/>
+              <dgm:constr type="b" for="ch" forName="d1" refType="h" fact="0.625"/>
+              <dgm:constr type="w" for="ch" forName="d1" refType="w" fact="0.32475"/>
+              <dgm:constr type="h" for="ch" forName="d1" refType="h" fact="0.469"/>
+              <dgm:constr type="w" for="ch" forName="circle2" refType="w" fact="0.6"/>
+              <dgm:constr type="h" for="ch" forName="circle2" refType="w" refFor="ch" refForName="circle2"/>
+              <dgm:constr type="ctrX" for="ch" forName="circle2" refType="w" fact="0.3"/>
+              <dgm:constr type="ctrY" for="ch" forName="circle2" refType="h" fact="0.625"/>
+              <dgm:constr type="w" for="ch" forName="text2" refType="w" fact="0.3"/>
+              <dgm:constr type="h" for="ch" forName="text2" refType="h" fact="0.3125"/>
+              <dgm:constr type="r" for="ch" forName="text2" refType="w"/>
+              <dgm:constr type="t" for="ch" forName="text2" refType="b" refFor="ch" refForName="text1"/>
+              <dgm:constr type="l" for="ch" forName="line2" refType="w" fact="0.625"/>
+              <dgm:constr type="ctrY" for="ch" forName="line2" refType="ctrY" refFor="ch" refForName="text2"/>
+              <dgm:constr type="w" for="ch" forName="line2" refType="w" fact="0.075"/>
+              <dgm:constr type="h" for="ch" forName="line2"/>
+              <dgm:constr type="l" for="ch" forName="d2" refType="w" fact="0.44325"/>
+              <dgm:constr type="b" for="ch" forName="d2" refType="h" fact="0.7975"/>
+              <dgm:constr type="w" for="ch" forName="d2" refType="w" fact="0.1815"/>
+              <dgm:constr type="h" for="ch" forName="d2" refType="h" fact="0.3283"/>
+            </dgm:constrLst>
+          </dgm:if>
+          <dgm:if name="Name6" axis="ch" ptType="node" func="cnt" op="equ" val="3">
+            <dgm:constrLst>
+              <dgm:constr type="primFontSz" for="des" ptType="node" op="equ" val="65"/>
+              <dgm:constr type="w" for="ch" forName="circle1" refType="w" fact="0.12"/>
+              <dgm:constr type="h" for="ch" forName="circle1" refType="w" refFor="ch" refForName="circle1"/>
+              <dgm:constr type="ctrX" for="ch" forName="circle1" refType="w" fact="0.3"/>
+              <dgm:constr type="ctrY" for="ch" forName="circle1" refType="h" fact="0.625"/>
+              <dgm:constr type="w" for="ch" forName="text1" refType="w" fact="0.3"/>
+              <dgm:constr type="h" for="ch" forName="text1" refType="h" fact="0.21875"/>
+              <dgm:constr type="r" for="ch" forName="text1" refType="w"/>
+              <dgm:constr type="t" for="ch" forName="text1"/>
+              <dgm:constr type="l" for="ch" forName="line1" refType="w" fact="0.625"/>
+              <dgm:constr type="ctrY" for="ch" forName="line1" refType="ctrY" refFor="ch" refForName="text1"/>
+              <dgm:constr type="w" for="ch" forName="line1" refType="w" fact="0.075"/>
+              <dgm:constr type="h" for="ch" forName="line1"/>
+              <dgm:constr type="l" for="ch" forName="d1" refType="w" fact="0.3"/>
+              <dgm:constr type="b" for="ch" forName="d1" refType="h" fact="0.625"/>
+              <dgm:constr type="w" for="ch" forName="d1" refType="w" fact="0.3247"/>
+              <dgm:constr type="h" for="ch" forName="d1" refType="h" fact="0.5155"/>
+              <dgm:constr type="w" for="ch" forName="circle2" refType="w" fact="0.36"/>
+              <dgm:constr type="h" for="ch" forName="circle2" refType="w" refFor="ch" refForName="circle2"/>
+              <dgm:constr type="ctrX" for="ch" forName="circle2" refType="w" fact="0.3"/>
+              <dgm:constr type="ctrY" for="ch" forName="circle2" refType="h" fact="0.625"/>
+              <dgm:constr type="w" for="ch" forName="text2" refType="w" fact="0.3"/>
+              <dgm:constr type="h" for="ch" forName="text2" refType="h" fact="0.21875"/>
+              <dgm:constr type="r" for="ch" forName="text2" refType="w"/>
+              <dgm:constr type="t" for="ch" forName="text2" refType="b" refFor="ch" refForName="text1"/>
+              <dgm:constr type="l" for="ch" forName="line2" refType="w" fact="0.625"/>
+              <dgm:constr type="ctrY" for="ch" forName="line2" refType="ctrY" refFor="ch" refForName="text2"/>
+              <dgm:constr type="w" for="ch" forName="line2" refType="w" fact="0.075"/>
+              <dgm:constr type="h" for="ch" forName="line2"/>
+              <dgm:constr type="l" for="ch" forName="d2" refType="w" fact="0.386"/>
+              <dgm:constr type="b" for="ch" forName="d2" refType="h" fact="0.72969"/>
+              <dgm:constr type="w" for="ch" forName="d2" refType="w" fact="0.2387"/>
+              <dgm:constr type="h" for="ch" forName="d2" refType="h" fact="0.4017"/>
+              <dgm:constr type="w" for="ch" forName="circle3" refType="w" fact="0.6"/>
+              <dgm:constr type="h" for="ch" forName="circle3" refType="w" refFor="ch" refForName="circle3"/>
+              <dgm:constr type="ctrX" for="ch" forName="circle3" refType="ctrX" refFor="ch" refForName="circle1"/>
+              <dgm:constr type="ctrY" for="ch" forName="circle3" refType="ctrY" refFor="ch" refForName="circle1"/>
+              <dgm:constr type="w" for="ch" forName="text3" refType="w" fact="0.3"/>
+              <dgm:constr type="h" for="ch" forName="text3" refType="h" fact="0.21875"/>
+              <dgm:constr type="r" for="ch" forName="text3" refType="w"/>
+              <dgm:constr type="t" for="ch" forName="text3" refType="b" refFor="ch" refForName="text2"/>
+              <dgm:constr type="l" for="ch" forName="line3" refType="w" fact="0.625"/>
+              <dgm:constr type="ctrY" for="ch" forName="line3" refType="ctrY" refFor="ch" refForName="text3"/>
+              <dgm:constr type="w" for="ch" forName="line3" refType="w" fact="0.075"/>
+              <dgm:constr type="h" for="ch" forName="line3"/>
+              <dgm:constr type="l" for="ch" forName="d3" refType="w" fact="0.47175"/>
+              <dgm:constr type="b" for="ch" forName="d3" refType="h" fact="0.83375"/>
+              <dgm:constr type="w" for="ch" forName="d3" refType="w" fact="0.1527"/>
+              <dgm:constr type="h" for="ch" forName="d3" refType="h" fact="0.287"/>
+            </dgm:constrLst>
+          </dgm:if>
+          <dgm:if name="Name7" axis="ch" ptType="node" func="cnt" op="equ" val="4">
+            <dgm:constrLst>
+              <dgm:constr type="primFontSz" for="des" ptType="node" op="equ" val="65"/>
+              <dgm:constr type="w" for="ch" forName="circle1" refType="w" fact="0.0857"/>
+              <dgm:constr type="h" for="ch" forName="circle1" refType="w" refFor="ch" refForName="circle1"/>
+              <dgm:constr type="ctrX" for="ch" forName="circle1" refType="w" fact="0.3"/>
+              <dgm:constr type="ctrY" for="ch" forName="circle1" refType="h" fact="0.625"/>
+              <dgm:constr type="w" for="ch" forName="text1" refType="w" fact="0.3"/>
+              <dgm:constr type="h" for="ch" forName="text1" refType="h" fact="0.17938"/>
+              <dgm:constr type="r" for="ch" forName="text1" refType="w"/>
+              <dgm:constr type="t" for="ch" forName="text1"/>
+              <dgm:constr type="l" for="ch" forName="line1" refType="w" fact="0.625"/>
+              <dgm:constr type="ctrY" for="ch" forName="line1" refType="ctrY" refFor="ch" refForName="text1"/>
+              <dgm:constr type="w" for="ch" forName="line1" refType="w" fact="0.075"/>
+              <dgm:constr type="h" for="ch" forName="line1"/>
+              <dgm:constr type="l" for="ch" forName="d1" refType="w" fact="0.295"/>
+              <dgm:constr type="b" for="ch" forName="d1" refType="h" fact="0.62"/>
+              <dgm:constr type="w" for="ch" forName="d1" refType="w" fact="0.33"/>
+              <dgm:constr type="h" for="ch" forName="d1" refType="h" fact="0.53"/>
+              <dgm:constr type="w" for="ch" forName="circle2" refType="w" fact="0.2571"/>
+              <dgm:constr type="h" for="ch" forName="circle2" refType="w" refFor="ch" refForName="circle2"/>
+              <dgm:constr type="ctrX" for="ch" forName="circle2" refType="w" fact="0.3"/>
+              <dgm:constr type="ctrY" for="ch" forName="circle2" refType="h" fact="0.625"/>
+              <dgm:constr type="w" for="ch" forName="text2" refType="w" fact="0.3"/>
+              <dgm:constr type="h" for="ch" forName="text2" refType="h" fact="0.17938"/>
+              <dgm:constr type="r" for="ch" forName="text2" refType="w"/>
+              <dgm:constr type="t" for="ch" forName="text2" refType="b" refFor="ch" refForName="text1"/>
+              <dgm:constr type="l" for="ch" forName="line2" refType="w" fact="0.625"/>
+              <dgm:constr type="ctrY" for="ch" forName="line2" refType="ctrY" refFor="ch" refForName="text2"/>
+              <dgm:constr type="w" for="ch" forName="line2" refType="w" fact="0.075"/>
+              <dgm:constr type="h" for="ch" forName="line2"/>
+              <dgm:constr type="l" for="ch" forName="d2" refType="w" fact="0.36625"/>
+              <dgm:constr type="b" for="ch" forName="d2" refType="h" fact="0.70438"/>
+              <dgm:constr type="w" for="ch" forName="d2" refType="w" fact="0.2585"/>
+              <dgm:constr type="h" for="ch" forName="d2" refType="h" fact="0.43525"/>
+              <dgm:constr type="w" for="ch" forName="circle3" refType="w" fact="0.4285"/>
+              <dgm:constr type="h" for="ch" forName="circle3" refType="w" refFor="ch" refForName="circle3"/>
+              <dgm:constr type="ctrX" for="ch" forName="circle3" refType="ctrX" refFor="ch" refForName="circle1"/>
+              <dgm:constr type="ctrY" for="ch" forName="circle3" refType="ctrY" refFor="ch" refForName="circle1"/>
+              <dgm:constr type="w" for="ch" forName="text3" refType="w" fact="0.3"/>
+              <dgm:constr type="h" for="ch" forName="text3" refType="h" fact="0.17938"/>
+              <dgm:constr type="r" for="ch" forName="text3" refType="w"/>
+              <dgm:constr type="t" for="ch" forName="text3" refType="b" refFor="ch" refForName="text2"/>
+              <dgm:constr type="l" for="ch" forName="line3" refType="w" fact="0.625"/>
+              <dgm:constr type="ctrY" for="ch" forName="line3" refType="ctrY" refFor="ch" refForName="text3"/>
+              <dgm:constr type="w" for="ch" forName="line3" refType="w" fact="0.075"/>
+              <dgm:constr type="h" for="ch" forName="line3"/>
+              <dgm:constr type="l" for="ch" forName="d3" refType="w" fact="0.4255"/>
+              <dgm:constr type="b" for="ch" forName="d3" refType="h" fact="0.78031"/>
+              <dgm:constr type="w" for="ch" forName="d3" refType="w" fact="0.1995"/>
+              <dgm:constr type="h" for="ch" forName="d3" refType="h" fact="0.332"/>
+              <dgm:constr type="w" for="ch" forName="circle4" refType="w" fact="0.6"/>
+              <dgm:constr type="h" for="ch" forName="circle4" refType="w" refFor="ch" refForName="circle4"/>
+              <dgm:constr type="ctrX" for="ch" forName="circle4" refType="ctrX" refFor="ch" refForName="circle1"/>
+              <dgm:constr type="ctrY" for="ch" forName="circle4" refType="ctrY" refFor="ch" refForName="circle1"/>
+              <dgm:constr type="w" for="ch" forName="text4" refType="w" fact="0.3"/>
+              <dgm:constr type="h" for="ch" forName="text4" refType="h" fact="0.17938"/>
+              <dgm:constr type="r" for="ch" forName="text4" refType="w"/>
+              <dgm:constr type="t" for="ch" forName="text4" refType="b" refFor="ch" refForName="text3"/>
+              <dgm:constr type="l" for="ch" forName="line4" refType="w" fact="0.625"/>
+              <dgm:constr type="ctrY" for="ch" forName="line4" refType="ctrY" refFor="ch" refForName="text4"/>
+              <dgm:constr type="w" for="ch" forName="line4" refType="w" fact="0.075"/>
+              <dgm:constr type="h" for="ch" forName="line4"/>
+              <dgm:constr type="l" for="ch" forName="d4" refType="w" fact="0.48525"/>
+              <dgm:constr type="b" for="ch" forName="d4" refType="h" fact="0.85594"/>
+              <dgm:constr type="w" for="ch" forName="d4" refType="w" fact="0.1394"/>
+              <dgm:constr type="h" for="ch" forName="d4" refType="h" fact="0.2282"/>
+            </dgm:constrLst>
+          </dgm:if>
+          <dgm:if name="Name8" axis="ch" ptType="node" func="cnt" op="gte" val="5">
+            <dgm:constrLst>
+              <dgm:constr type="primFontSz" for="des" ptType="node" op="equ" val="65"/>
+              <dgm:constr type="w" for="ch" forName="circle1" refType="w" fact="0.0667"/>
+              <dgm:constr type="h" for="ch" forName="circle1" refType="w" refFor="ch" refForName="circle1"/>
+              <dgm:constr type="ctrX" for="ch" forName="circle1" refType="w" fact="0.3"/>
+              <dgm:constr type="ctrY" for="ch" forName="circle1" refType="h" fact="0.625"/>
+              <dgm:constr type="w" for="ch" forName="text1" refType="w" fact="0.3"/>
+              <dgm:constr type="h" for="ch" forName="text1" refType="h" fact="0.1324"/>
+              <dgm:constr type="r" for="ch" forName="text1" refType="w"/>
+              <dgm:constr type="ctrY" for="ch" forName="text1" refType="h" fact="0.13"/>
+              <dgm:constr type="l" for="ch" forName="line1" refType="w" fact="0.625"/>
+              <dgm:constr type="ctrY" for="ch" forName="line1" refType="ctrY" refFor="ch" refForName="text1"/>
+              <dgm:constr type="w" for="ch" forName="line1" refType="w" fact="0.075"/>
+              <dgm:constr type="h" for="ch" forName="line1"/>
+              <dgm:constr type="l" for="ch" forName="d1" refType="w" fact="0.3"/>
+              <dgm:constr type="b" for="ch" forName="d1" refType="h" fact="0.625"/>
+              <dgm:constr type="w" for="ch" forName="d1" refType="w" fact="0.3245"/>
+              <dgm:constr type="h" for="ch" forName="d1" refType="h" fact="0.495"/>
+              <dgm:constr type="w" for="ch" forName="circle2" refType="w" fact="0.2"/>
+              <dgm:constr type="h" for="ch" forName="circle2" refType="w" refFor="ch" refForName="circle2"/>
+              <dgm:constr type="ctrX" for="ch" forName="circle2" refType="w" fact="0.3"/>
+              <dgm:constr type="ctrY" for="ch" forName="circle2" refType="h" fact="0.625"/>
+              <dgm:constr type="w" for="ch" forName="text2" refType="w" fact="0.3"/>
+              <dgm:constr type="h" for="ch" forName="text2" refType="h" fact="0.1324"/>
+              <dgm:constr type="r" for="ch" forName="text2" refType="w"/>
+              <dgm:constr type="ctrY" for="ch" forName="text2" refType="h" fact="0.27"/>
+              <dgm:constr type="l" for="ch" forName="line2" refType="w" fact="0.625"/>
+              <dgm:constr type="ctrY" for="ch" forName="line2" refType="ctrY" refFor="ch" refForName="text2"/>
+              <dgm:constr type="w" for="ch" forName="line2" refType="w" fact="0.075"/>
+              <dgm:constr type="h" for="ch" forName="line2"/>
+              <dgm:constr type="l" for="ch" forName="d2" refType="w" fact="0.3498"/>
+              <dgm:constr type="b" for="ch" forName="d2" refType="h" fact="0.682"/>
+              <dgm:constr type="w" for="ch" forName="d2" refType="w" fact="0.275"/>
+              <dgm:constr type="h" for="ch" forName="d2" refType="h" fact="0.41215"/>
+              <dgm:constr type="w" for="ch" forName="circle3" refType="w" fact="0.3334"/>
+              <dgm:constr type="h" for="ch" forName="circle3" refType="w" refFor="ch" refForName="circle3"/>
+              <dgm:constr type="ctrX" for="ch" forName="circle3" refType="ctrX" refFor="ch" refForName="circle1"/>
+              <dgm:constr type="ctrY" for="ch" forName="circle3" refType="ctrY" refFor="ch" refForName="circle1"/>
+              <dgm:constr type="w" for="ch" forName="text3" refType="w" fact="0.3"/>
+              <dgm:constr type="h" for="ch" forName="text3" refType="h" fact="0.1324"/>
+              <dgm:constr type="r" for="ch" forName="text3" refType="w"/>
+              <dgm:constr type="ctrY" for="ch" forName="text3" refType="h" fact="0.41"/>
+              <dgm:constr type="l" for="ch" forName="line3" refType="w" fact="0.625"/>
+              <dgm:constr type="ctrY" for="ch" forName="line3" refType="ctrY" refFor="ch" refForName="text3"/>
+              <dgm:constr type="w" for="ch" forName="line3" refType="w" fact="0.075"/>
+              <dgm:constr type="h" for="ch" forName="line3"/>
+              <dgm:constr type="l" for="ch" forName="d3" refType="w" fact="0.394"/>
+              <dgm:constr type="b" for="ch" forName="d3" refType="h" fact="0.735"/>
+              <dgm:constr type="w" for="ch" forName="d3" refType="w" fact="0.231"/>
+              <dgm:constr type="h" for="ch" forName="d3" refType="h" fact="0.325"/>
+              <dgm:constr type="w" for="ch" forName="circle4" refType="w" fact="0.4667"/>
+              <dgm:constr type="h" for="ch" forName="circle4" refType="w" refFor="ch" refForName="circle4"/>
+              <dgm:constr type="ctrX" for="ch" forName="circle4" refType="ctrX" refFor="ch" refForName="circle1"/>
+              <dgm:constr type="ctrY" for="ch" forName="circle4" refType="ctrY" refFor="ch" refForName="circle1"/>
+              <dgm:constr type="w" for="ch" forName="text4" refType="w" fact="0.3"/>
+              <dgm:constr type="h" for="ch" forName="text4" refType="h" fact="0.1324"/>
+              <dgm:constr type="r" for="ch" forName="text4" refType="w"/>
+              <dgm:constr type="ctrY" for="ch" forName="text4" refType="h" fact="0.547"/>
+              <dgm:constr type="l" for="ch" forName="line4" refType="w" fact="0.625"/>
+              <dgm:constr type="ctrY" for="ch" forName="line4" refType="ctrY" refFor="ch" refForName="text4"/>
+              <dgm:constr type="w" for="ch" forName="line4" refType="w" fact="0.075"/>
+              <dgm:constr type="h" for="ch" forName="line4"/>
+              <dgm:constr type="l" for="ch" forName="d4" refType="w" fact="0.446"/>
+              <dgm:constr type="b" for="ch" forName="d4" refType="h" fact="0.795"/>
+              <dgm:constr type="w" for="ch" forName="d4" refType="w" fact="0.179"/>
+              <dgm:constr type="h" for="ch" forName="d4" refType="h" fact="0.248"/>
+              <dgm:constr type="w" for="ch" forName="circle5" refType="w" fact="0.6"/>
+              <dgm:constr type="h" for="ch" forName="circle5" refType="w" refFor="ch" refForName="circle5"/>
+              <dgm:constr type="ctrX" for="ch" forName="circle5" refType="ctrX" refFor="ch" refForName="circle1"/>
+              <dgm:constr type="ctrY" for="ch" forName="circle5" refType="ctrY" refFor="ch" refForName="circle1"/>
+              <dgm:constr type="w" for="ch" forName="text5" refType="w" fact="0.3"/>
+              <dgm:constr type="h" for="ch" forName="text5" refType="h" fact="0.1324"/>
+              <dgm:constr type="r" for="ch" forName="text5" refType="w"/>
+              <dgm:constr type="ctrY" for="ch" forName="text5" refType="h" fact="0.68"/>
+              <dgm:constr type="l" for="ch" forName="line5" refType="w" fact="0.625"/>
+              <dgm:constr type="ctrY" for="ch" forName="line5" refType="ctrY" refFor="ch" refForName="text5"/>
+              <dgm:constr type="w" for="ch" forName="line5" refType="w" fact="0.075"/>
+              <dgm:constr type="h" for="ch" forName="line5"/>
+              <dgm:constr type="l" for="ch" forName="d5" refType="w" fact="0.495"/>
+              <dgm:constr type="b" for="ch" forName="d5" refType="h" fact="0.855"/>
+              <dgm:constr type="w" for="ch" forName="d5" refType="w" fact="0.13"/>
+              <dgm:constr type="h" for="ch" forName="d5" refType="h" fact="0.175"/>
+            </dgm:constrLst>
+          </dgm:if>
+          <dgm:else name="Name9"/>
+        </dgm:choose>
+      </dgm:if>
+      <dgm:else name="Name10">
+        <dgm:choose name="Name11">
+          <dgm:if name="Name12" axis="ch" ptType="node" func="cnt" op="equ" val="0">
+            <dgm:constrLst/>
+          </dgm:if>
+          <dgm:if name="Name13" axis="ch" ptType="node" func="cnt" op="equ" val="1">
+            <dgm:constrLst>
+              <dgm:constr type="primFontSz" for="des" ptType="node" op="equ" val="65"/>
+              <dgm:constr type="w" for="ch" forName="circle1" refType="w" fact="0.6"/>
+              <dgm:constr type="h" for="ch" forName="circle1" refType="w" refFor="ch" refForName="circle1"/>
+              <dgm:constr type="ctrX" for="ch" forName="circle1" refType="w" fact="0.7"/>
+              <dgm:constr type="ctrY" for="ch" forName="circle1" refType="h" fact="0.625"/>
+              <dgm:constr type="w" for="ch" forName="text1" refType="w" fact="0.3"/>
+              <dgm:constr type="h" for="ch" forName="text1" refType="h" fact="0.3125"/>
+              <dgm:constr type="l" for="ch" forName="text1"/>
+              <dgm:constr type="t" for="ch" forName="text1"/>
+              <dgm:constr type="l" for="ch" forName="line1" refType="r" refFor="ch" refForName="text1"/>
+              <dgm:constr type="ctrY" for="ch" forName="line1" refType="ctrY" refFor="ch" refForName="text1"/>
+              <dgm:constr type="r" for="ch" forName="line1" refType="w" fact="0.375"/>
+              <dgm:constr type="h" for="ch" forName="line1"/>
+              <dgm:constr type="r" for="ch" forName="d1" refType="w" fact="0.7"/>
+              <dgm:constr type="b" for="ch" forName="d1" refType="h" fact="0.625"/>
+              <dgm:constr type="w" for="ch" forName="d1" refType="w" fact="0.32475"/>
+              <dgm:constr type="h" for="ch" forName="d1" refType="h" fact="0.469"/>
+            </dgm:constrLst>
+          </dgm:if>
+          <dgm:if name="Name14" axis="ch" ptType="node" func="cnt" op="equ" val="2">
+            <dgm:constrLst>
+              <dgm:constr type="primFontSz" for="des" ptType="node" op="equ" val="65"/>
+              <dgm:constr type="w" for="ch" forName="circle1" refType="w" fact="0.2"/>
+              <dgm:constr type="h" for="ch" forName="circle1" refType="w" refFor="ch" refForName="circle1"/>
+              <dgm:constr type="ctrX" for="ch" forName="circle1" refType="w" fact="0.7"/>
+              <dgm:constr type="ctrY" for="ch" forName="circle1" refType="h" fact="0.625"/>
+              <dgm:constr type="w" for="ch" forName="text1" refType="w" fact="0.3"/>
+              <dgm:constr type="h" for="ch" forName="text1" refType="h" fact="0.3125"/>
+              <dgm:constr type="l" for="ch" forName="text1"/>
+              <dgm:constr type="t" for="ch" forName="text1"/>
+              <dgm:constr type="l" for="ch" forName="line1" refType="r" refFor="ch" refForName="text1"/>
+              <dgm:constr type="ctrY" for="ch" forName="line1" refType="ctrY" refFor="ch" refForName="text1"/>
+              <dgm:constr type="r" for="ch" forName="line1" refType="w" fact="0.375"/>
+              <dgm:constr type="h" for="ch" forName="line1"/>
+              <dgm:constr type="r" for="ch" forName="d1" refType="w" fact="0.7"/>
+              <dgm:constr type="b" for="ch" forName="d1" refType="h" fact="0.625"/>
+              <dgm:constr type="w" for="ch" forName="d1" refType="w" fact="0.32475"/>
+              <dgm:constr type="h" for="ch" forName="d1" refType="h" fact="0.469"/>
+              <dgm:constr type="w" for="ch" forName="circle2" refType="w" fact="0.6"/>
+              <dgm:constr type="h" for="ch" forName="circle2" refType="w" refFor="ch" refForName="circle2"/>
+              <dgm:constr type="ctrX" for="ch" forName="circle2" refType="w" fact="0.7"/>
+              <dgm:constr type="ctrY" for="ch" forName="circle2" refType="h" fact="0.625"/>
+              <dgm:constr type="w" for="ch" forName="text2" refType="w" fact="0.3"/>
+              <dgm:constr type="h" for="ch" forName="text2" refType="h" fact="0.3125"/>
+              <dgm:constr type="l" for="ch" forName="text2"/>
+              <dgm:constr type="t" for="ch" forName="text2" refType="b" refFor="ch" refForName="text1"/>
+              <dgm:constr type="l" for="ch" forName="line2" refType="r" refFor="ch" refForName="text2"/>
+              <dgm:constr type="ctrY" for="ch" forName="line2" refType="ctrY" refFor="ch" refForName="text2"/>
+              <dgm:constr type="r" for="ch" forName="line2" refType="w" fact="0.375"/>
+              <dgm:constr type="h" for="ch" forName="line2"/>
+              <dgm:constr type="r" for="ch" forName="d2" refType="w" fact="0.55675"/>
+              <dgm:constr type="b" for="ch" forName="d2" refType="h" fact="0.7975"/>
+              <dgm:constr type="w" for="ch" forName="d2" refType="w" fact="0.1815"/>
+              <dgm:constr type="h" for="ch" forName="d2" refType="h" fact="0.3283"/>
+            </dgm:constrLst>
+          </dgm:if>
+          <dgm:if name="Name15" axis="ch" ptType="node" func="cnt" op="equ" val="3">
+            <dgm:constrLst>
+              <dgm:constr type="primFontSz" for="des" ptType="node" op="equ" val="65"/>
+              <dgm:constr type="w" for="ch" forName="circle1" refType="w" fact="0.12"/>
+              <dgm:constr type="h" for="ch" forName="circle1" refType="w" refFor="ch" refForName="circle1"/>
+              <dgm:constr type="ctrX" for="ch" forName="circle1" refType="w" fact="0.7"/>
+              <dgm:constr type="ctrY" for="ch" forName="circle1" refType="h" fact="0.625"/>
+              <dgm:constr type="w" for="ch" forName="text1" refType="w" fact="0.3"/>
+              <dgm:constr type="h" for="ch" forName="text1" refType="h" fact="0.21875"/>
+              <dgm:constr type="l" for="ch" forName="text1"/>
+              <dgm:constr type="t" for="ch" forName="text1"/>
+              <dgm:constr type="l" for="ch" forName="line1" refType="r" refFor="ch" refForName="text1"/>
+              <dgm:constr type="ctrY" for="ch" forName="line1" refType="ctrY" refFor="ch" refForName="text1"/>
+              <dgm:constr type="r" for="ch" forName="line1" refType="w" fact="0.375"/>
+              <dgm:constr type="h" for="ch" forName="line1"/>
+              <dgm:constr type="r" for="ch" forName="d1" refType="w" fact="0.7"/>
+              <dgm:constr type="b" for="ch" forName="d1" refType="h" fact="0.625"/>
+              <dgm:constr type="w" for="ch" forName="d1" refType="w" fact="0.3247"/>
+              <dgm:constr type="h" for="ch" forName="d1" refType="h" fact="0.5155"/>
+              <dgm:constr type="w" for="ch" forName="circle2" refType="w" fact="0.36"/>
+              <dgm:constr type="h" for="ch" forName="circle2" refType="w" refFor="ch" refForName="circle2"/>
+              <dgm:constr type="ctrX" for="ch" forName="circle2" refType="w" fact="0.7"/>
+              <dgm:constr type="ctrY" for="ch" forName="circle2" refType="h" fact="0.625"/>
+              <dgm:constr type="w" for="ch" forName="text2" refType="w" fact="0.3"/>
+              <dgm:constr type="h" for="ch" forName="text2" refType="h" fact="0.21875"/>
+              <dgm:constr type="l" for="ch" forName="text2"/>
+              <dgm:constr type="t" for="ch" forName="text2" refType="b" refFor="ch" refForName="text1"/>
+              <dgm:constr type="l" for="ch" forName="line2" refType="r" refFor="ch" refForName="text2"/>
+              <dgm:constr type="ctrY" for="ch" forName="line2" refType="ctrY" refFor="ch" refForName="text2"/>
+              <dgm:constr type="r" for="ch" forName="line2" refType="w" fact="0.375"/>
+              <dgm:constr type="h" for="ch" forName="line2"/>
+              <dgm:constr type="r" for="ch" forName="d2" refType="w" fact="0.614"/>
+              <dgm:constr type="b" for="ch" forName="d2" refType="h" fact="0.72969"/>
+              <dgm:constr type="w" for="ch" forName="d2" refType="w" fact="0.2387"/>
+              <dgm:constr type="h" for="ch" forName="d2" refType="h" fact="0.4017"/>
+              <dgm:constr type="w" for="ch" forName="circle3" refType="w" fact="0.6"/>
+              <dgm:constr type="h" for="ch" forName="circle3" refType="w" refFor="ch" refForName="circle3"/>
+              <dgm:constr type="ctrX" for="ch" forName="circle3" refType="ctrX" refFor="ch" refForName="circle1"/>
+              <dgm:constr type="ctrY" for="ch" forName="circle3" refType="ctrY" refFor="ch" refForName="circle1"/>
+              <dgm:constr type="w" for="ch" forName="text3" refType="w" fact="0.3"/>
+              <dgm:constr type="h" for="ch" forName="text3" refType="h" fact="0.21875"/>
+              <dgm:constr type="l" for="ch" forName="text3"/>
+              <dgm:constr type="t" for="ch" forName="text3" refType="b" refFor="ch" refForName="text2"/>
+              <dgm:constr type="l" for="ch" forName="line3" refType="r" refFor="ch" refForName="text3"/>
+              <dgm:constr type="ctrY" for="ch" forName="line3" refType="ctrY" refFor="ch" refForName="text3"/>
+              <dgm:constr type="r" for="ch" forName="line3" refType="w" fact="0.375"/>
+              <dgm:constr type="h" for="ch" forName="line3"/>
+              <dgm:constr type="r" for="ch" forName="d3" refType="w" fact="0.52825"/>
+              <dgm:constr type="b" for="ch" forName="d3" refType="h" fact="0.83375"/>
+              <dgm:constr type="w" for="ch" forName="d3" refType="w" fact="0.1527"/>
+              <dgm:constr type="h" for="ch" forName="d3" refType="h" fact="0.287"/>
+            </dgm:constrLst>
+          </dgm:if>
+          <dgm:if name="Name16" axis="ch" ptType="node" func="cnt" op="equ" val="4">
+            <dgm:constrLst>
+              <dgm:constr type="primFontSz" for="des" ptType="node" op="equ" val="65"/>
+              <dgm:constr type="w" for="ch" forName="circle1" refType="w" fact="0.0857"/>
+              <dgm:constr type="h" for="ch" forName="circle1" refType="w" refFor="ch" refForName="circle1"/>
+              <dgm:constr type="ctrX" for="ch" forName="circle1" refType="w" fact="0.7"/>
+              <dgm:constr type="ctrY" for="ch" forName="circle1" refType="h" fact="0.625"/>
+              <dgm:constr type="w" for="ch" forName="text1" refType="w" fact="0.3"/>
+              <dgm:constr type="h" for="ch" forName="text1" refType="h" fact="0.17938"/>
+              <dgm:constr type="l" for="ch" forName="text1"/>
+              <dgm:constr type="t" for="ch" forName="text1"/>
+              <dgm:constr type="l" for="ch" forName="line1" refType="r" refFor="ch" refForName="text1"/>
+              <dgm:constr type="ctrY" for="ch" forName="line1" refType="ctrY" refFor="ch" refForName="text1"/>
+              <dgm:constr type="r" for="ch" forName="line1" refType="w" fact="0.375"/>
+              <dgm:constr type="h" for="ch" forName="line1"/>
+              <dgm:constr type="r" for="ch" forName="d1" refType="w" fact="0.705"/>
+              <dgm:constr type="b" for="ch" forName="d1" refType="h" fact="0.62"/>
+              <dgm:constr type="w" for="ch" forName="d1" refType="w" fact="0.33"/>
+              <dgm:constr type="h" for="ch" forName="d1" refType="h" fact="0.53"/>
+              <dgm:constr type="w" for="ch" forName="circle2" refType="w" fact="0.2571"/>
+              <dgm:constr type="h" for="ch" forName="circle2" refType="w" refFor="ch" refForName="circle2"/>
+              <dgm:constr type="ctrX" for="ch" forName="circle2" refType="w" fact="0.7"/>
+              <dgm:constr type="ctrY" for="ch" forName="circle2" refType="h" fact="0.625"/>
+              <dgm:constr type="w" for="ch" forName="text2" refType="w" fact="0.3"/>
+              <dgm:constr type="h" for="ch" forName="text2" refType="h" fact="0.17938"/>
+              <dgm:constr type="l" for="ch" forName="text2"/>
+              <dgm:constr type="t" for="ch" forName="text2" refType="b" refFor="ch" refForName="text1"/>
+              <dgm:constr type="l" for="ch" forName="line2" refType="r" refFor="ch" refForName="text2"/>
+              <dgm:constr type="ctrY" for="ch" forName="line2" refType="ctrY" refFor="ch" refForName="text2"/>
+              <dgm:constr type="r" for="ch" forName="line2" refType="w" fact="0.375"/>
+              <dgm:constr type="h" for="ch" forName="line2"/>
+              <dgm:constr type="r" for="ch" forName="d2" refType="w" fact="0.63375"/>
+              <dgm:constr type="b" for="ch" forName="d2" refType="h" fact="0.70438"/>
+              <dgm:constr type="w" for="ch" forName="d2" refType="w" fact="0.2585"/>
+              <dgm:constr type="h" for="ch" forName="d2" refType="h" fact="0.43525"/>
+              <dgm:constr type="w" for="ch" forName="circle3" refType="w" fact="0.4285"/>
+              <dgm:constr type="h" for="ch" forName="circle3" refType="w" refFor="ch" refForName="circle3"/>
+              <dgm:constr type="ctrX" for="ch" forName="circle3" refType="ctrX" refFor="ch" refForName="circle1"/>
+              <dgm:constr type="ctrY" for="ch" forName="circle3" refType="ctrY" refFor="ch" refForName="circle1"/>
+              <dgm:constr type="w" for="ch" forName="text3" refType="w" fact="0.3"/>
+              <dgm:constr type="h" for="ch" forName="text3" refType="h" fact="0.17938"/>
+              <dgm:constr type="l" for="ch" forName="text3"/>
+              <dgm:constr type="t" for="ch" forName="text3" refType="b" refFor="ch" refForName="text2"/>
+              <dgm:constr type="l" for="ch" forName="line3" refType="r" refFor="ch" refForName="text3"/>
+              <dgm:constr type="ctrY" for="ch" forName="line3" refType="ctrY" refFor="ch" refForName="text3"/>
+              <dgm:constr type="r" for="ch" forName="line3" refType="w" fact="0.375"/>
+              <dgm:constr type="h" for="ch" forName="line3"/>
+              <dgm:constr type="r" for="ch" forName="d3" refType="w" fact="0.5745"/>
+              <dgm:constr type="b" for="ch" forName="d3" refType="h" fact="0.78031"/>
+              <dgm:constr type="w" for="ch" forName="d3" refType="w" fact="0.1995"/>
+              <dgm:constr type="h" for="ch" forName="d3" refType="h" fact="0.332"/>
+              <dgm:constr type="w" for="ch" forName="circle4" refType="w" fact="0.6"/>
+              <dgm:constr type="h" for="ch" forName="circle4" refType="w" refFor="ch" refForName="circle4"/>
+              <dgm:constr type="ctrX" for="ch" forName="circle4" refType="ctrX" refFor="ch" refForName="circle1"/>
+              <dgm:constr type="ctrY" for="ch" forName="circle4" refType="ctrY" refFor="ch" refForName="circle1"/>
+              <dgm:constr type="w" for="ch" forName="text4" refType="w" fact="0.3"/>
+              <dgm:constr type="h" for="ch" forName="text4" refType="h" fact="0.17938"/>
+              <dgm:constr type="l" for="ch" forName="text4"/>
+              <dgm:constr type="t" for="ch" forName="text4" refType="b" refFor="ch" refForName="text3"/>
+              <dgm:constr type="l" for="ch" forName="line4" refType="r" refFor="ch" refForName="text4"/>
+              <dgm:constr type="ctrY" for="ch" forName="line4" refType="ctrY" refFor="ch" refForName="text4"/>
+              <dgm:constr type="r" for="ch" forName="line4" refType="w" fact="0.375"/>
+              <dgm:constr type="h" for="ch" forName="line4"/>
+              <dgm:constr type="r" for="ch" forName="d4" refType="w" fact="0.51475"/>
+              <dgm:constr type="b" for="ch" forName="d4" refType="h" fact="0.85594"/>
+              <dgm:constr type="w" for="ch" forName="d4" refType="w" fact="0.1394"/>
+              <dgm:constr type="h" for="ch" forName="d4" refType="h" fact="0.2282"/>
+            </dgm:constrLst>
+          </dgm:if>
+          <dgm:if name="Name17" axis="ch" ptType="node" func="cnt" op="gte" val="5">
+            <dgm:constrLst>
+              <dgm:constr type="primFontSz" for="des" ptType="node" op="equ" val="65"/>
+              <dgm:constr type="w" for="ch" forName="circle1" refType="w" fact="0.0667"/>
+              <dgm:constr type="h" for="ch" forName="circle1" refType="w" refFor="ch" refForName="circle1"/>
+              <dgm:constr type="ctrX" for="ch" forName="circle1" refType="w" fact="0.7"/>
+              <dgm:constr type="ctrY" for="ch" forName="circle1" refType="h" fact="0.625"/>
+              <dgm:constr type="w" for="ch" forName="text1" refType="w" fact="0.3"/>
+              <dgm:constr type="h" for="ch" forName="text1" refType="h" fact="0.1324"/>
+              <dgm:constr type="l" for="ch" forName="text1"/>
+              <dgm:constr type="ctrY" for="ch" forName="text1" refType="h" fact="0.13"/>
+              <dgm:constr type="l" for="ch" forName="line1" refType="r" refFor="ch" refForName="text1"/>
+              <dgm:constr type="ctrY" for="ch" forName="line1" refType="ctrY" refFor="ch" refForName="text1"/>
+              <dgm:constr type="r" for="ch" forName="line1" refType="w" fact="0.375"/>
+              <dgm:constr type="h" for="ch" forName="line1"/>
+              <dgm:constr type="r" for="ch" forName="d1" refType="w" fact="0.7"/>
+              <dgm:constr type="b" for="ch" forName="d1" refType="h" fact="0.625"/>
+              <dgm:constr type="w" for="ch" forName="d1" refType="w" fact="0.3245"/>
+              <dgm:constr type="h" for="ch" forName="d1" refType="h" fact="0.495"/>
+              <dgm:constr type="w" for="ch" forName="circle2" refType="w" fact="0.2"/>
+              <dgm:constr type="h" for="ch" forName="circle2" refType="w" refFor="ch" refForName="circle2"/>
+              <dgm:constr type="ctrX" for="ch" forName="circle2" refType="w" fact="0.7"/>
+              <dgm:constr type="ctrY" for="ch" forName="circle2" refType="h" fact="0.625"/>
+              <dgm:constr type="w" for="ch" forName="text2" refType="w" fact="0.3"/>
+              <dgm:constr type="h" for="ch" forName="text2" refType="h" fact="0.1324"/>
+              <dgm:constr type="l" for="ch" forName="text2"/>
+              <dgm:constr type="ctrY" for="ch" forName="text2" refType="h" fact="0.27"/>
+              <dgm:constr type="l" for="ch" forName="line2" refType="r" refFor="ch" refForName="text2"/>
+              <dgm:constr type="ctrY" for="ch" forName="line2" refType="ctrY" refFor="ch" refForName="text2"/>
+              <dgm:constr type="r" for="ch" forName="line2" refType="w" fact="0.375"/>
+              <dgm:constr type="h" for="ch" forName="line2"/>
+              <dgm:constr type="r" for="ch" forName="d2" refType="w" fact="0.6502"/>
+              <dgm:constr type="b" for="ch" forName="d2" refType="h" fact="0.682"/>
+              <dgm:constr type="w" for="ch" forName="d2" refType="w" fact="0.275"/>
+              <dgm:constr type="h" for="ch" forName="d2" refType="h" fact="0.41215"/>
+              <dgm:constr type="w" for="ch" forName="circle3" refType="w" fact="0.3334"/>
+              <dgm:constr type="h" for="ch" forName="circle3" refType="w" refFor="ch" refForName="circle3"/>
+              <dgm:constr type="ctrX" for="ch" forName="circle3" refType="ctrX" refFor="ch" refForName="circle1"/>
+              <dgm:constr type="ctrY" for="ch" forName="circle3" refType="ctrY" refFor="ch" refForName="circle1"/>
+              <dgm:constr type="w" for="ch" forName="text3" refType="w" fact="0.3"/>
+              <dgm:constr type="h" for="ch" forName="text3" refType="h" fact="0.1324"/>
+              <dgm:constr type="l" for="ch" forName="text3"/>
+              <dgm:constr type="ctrY" for="ch" forName="text3" refType="h" fact="0.41"/>
+              <dgm:constr type="l" for="ch" forName="line3" refType="r" refFor="ch" refForName="text3"/>
+              <dgm:constr type="ctrY" for="ch" forName="line3" refType="ctrY" refFor="ch" refForName="text3"/>
+              <dgm:constr type="r" for="ch" forName="line3" refType="w" fact="0.375"/>
+              <dgm:constr type="h" for="ch" forName="line3"/>
+              <dgm:constr type="r" for="ch" forName="d3" refType="w" fact="0.606"/>
+              <dgm:constr type="b" for="ch" forName="d3" refType="h" fact="0.735"/>
+              <dgm:constr type="w" for="ch" forName="d3" refType="w" fact="0.231"/>
+              <dgm:constr type="h" for="ch" forName="d3" refType="h" fact="0.325"/>
+              <dgm:constr type="w" for="ch" forName="circle4" refType="w" fact="0.4667"/>
+              <dgm:constr type="h" for="ch" forName="circle4" refType="w" refFor="ch" refForName="circle4"/>
+              <dgm:constr type="ctrX" for="ch" forName="circle4" refType="ctrX" refFor="ch" refForName="circle1"/>
+              <dgm:constr type="ctrY" for="ch" forName="circle4" refType="ctrY" refFor="ch" refForName="circle1"/>
+              <dgm:constr type="w" for="ch" forName="text4" refType="w" fact="0.3"/>
+              <dgm:constr type="h" for="ch" forName="text4" refType="h" fact="0.1324"/>
+              <dgm:constr type="l" for="ch" forName="text4"/>
+              <dgm:constr type="ctrY" for="ch" forName="text4" refType="h" fact="0.547"/>
+              <dgm:constr type="l" for="ch" forName="line4" refType="r" refFor="ch" refForName="text4"/>
+              <dgm:constr type="ctrY" for="ch" forName="line4" refType="ctrY" refFor="ch" refForName="text4"/>
+              <dgm:constr type="r" for="ch" forName="line4" refType="w" fact="0.375"/>
+              <dgm:constr type="h" for="ch" forName="line4"/>
+              <dgm:constr type="r" for="ch" forName="d4" refType="w" fact="0.554"/>
+              <dgm:constr type="b" for="ch" forName="d4" refType="h" fact="0.795"/>
+              <dgm:constr type="w" for="ch" forName="d4" refType="w" fact="0.179"/>
+              <dgm:constr type="h" for="ch" forName="d4" refType="h" fact="0.248"/>
+              <dgm:constr type="w" for="ch" forName="circle5" refType="w" fact="0.6"/>
+              <dgm:constr type="h" for="ch" forName="circle5" refType="w" refFor="ch" refForName="circle5"/>
+              <dgm:constr type="ctrX" for="ch" forName="circle5" refType="ctrX" refFor="ch" refForName="circle1"/>
+              <dgm:constr type="ctrY" for="ch" forName="circle5" refType="ctrY" refFor="ch" refForName="circle1"/>
+              <dgm:constr type="w" for="ch" forName="text5" refType="w" fact="0.3"/>
+              <dgm:constr type="h" for="ch" forName="text5" refType="h" fact="0.1324"/>
+              <dgm:constr type="l" for="ch" forName="text5"/>
+              <dgm:constr type="ctrY" for="ch" forName="text5" refType="h" fact="0.68"/>
+              <dgm:constr type="l" for="ch" forName="line5" refType="r" refFor="ch" refForName="text5"/>
+              <dgm:constr type="ctrY" for="ch" forName="line5" refType="ctrY" refFor="ch" refForName="text5"/>
+              <dgm:constr type="r" for="ch" forName="line5" refType="w" fact="0.375"/>
+              <dgm:constr type="h" for="ch" forName="line5"/>
+              <dgm:constr type="r" for="ch" forName="d5" refType="w" fact="0.505"/>
+              <dgm:constr type="b" for="ch" forName="d5" refType="h" fact="0.855"/>
+              <dgm:constr type="w" for="ch" forName="d5" refType="w" fact="0.13"/>
+              <dgm:constr type="h" for="ch" forName="d5" refType="h" fact="0.175"/>
+            </dgm:constrLst>
+          </dgm:if>
+          <dgm:else name="Name18"/>
+        </dgm:choose>
+      </dgm:else>
+    </dgm:choose>
+    <dgm:ruleLst/>
+    <dgm:forEach name="Name19" axis="ch" ptType="node" cnt="1">
+      <dgm:layoutNode name="circle1" styleLbl="lnNode1">
+        <dgm:alg type="sp"/>
+        <dgm:shape xmlns:r="http://schemas.openxmlformats.org/officeDocument/2006/relationships" type="ellipse" r:blip="">
+          <dgm:adjLst/>
+        </dgm:shape>
+        <dgm:presOf/>
+        <dgm:constrLst/>
+        <dgm:ruleLst/>
+      </dgm:layoutNode>
+      <dgm:layoutNode name="text1" styleLbl="revTx">
+        <dgm:varLst>
+          <dgm:bulletEnabled val="1"/>
+        </dgm:varLst>
+        <dgm:choose name="Name20">
+          <dgm:if name="Name21" func="var" arg="dir" op="equ" val="norm">
+            <dgm:choose name="Name22">
+              <dgm:if name="Name23" axis="root des" ptType="all node" func="maxDepth" op="gt" val="1">
+                <dgm:alg type="tx">
+                  <dgm:param type="parTxLTRAlign" val="l"/>
+                  <dgm:param type="parTxRTLAlign" val="r"/>
+                </dgm:alg>
+              </dgm:if>
+              <dgm:else name="Name24">
+                <dgm:alg type="tx">
+                  <dgm:param type="parTxLTRAlign" val="l"/>
+                  <dgm:param type="parTxRTLAlign" val="l"/>
+                </dgm:alg>
+              </dgm:else>
+            </dgm:choose>
+          </dgm:if>
+          <dgm:else name="Name25">
+            <dgm:choose name="Name26">
+              <dgm:if name="Name27" axis="root des" ptType="all node" func="maxDepth" op="gt" val="1">
+                <dgm:alg type="tx">
+                  <dgm:param type="parTxLTRAlign" val="l"/>
+                  <dgm:param type="parTxRTLAlign" val="r"/>
+                </dgm:alg>
+              </dgm:if>
+              <dgm:else name="Name28">
+                <dgm:alg type="tx">
+                  <dgm:param type="parTxLTRAlign" val="r"/>
+                  <dgm:param type="parTxRTLAlign" val="r"/>
+                </dgm:alg>
+              </dgm:else>
+            </dgm:choose>
+          </dgm:else>
+        </dgm:choose>
+        <dgm:shape xmlns:r="http://schemas.openxmlformats.org/officeDocument/2006/relationships" type="rect" r:blip="">
+          <dgm:adjLst/>
+        </dgm:shape>
+        <dgm:presOf axis="desOrSelf" ptType="node"/>
+        <dgm:choose name="Name29">
+          <dgm:if name="Name30" func="var" arg="dir" op="equ" val="norm">
+            <dgm:constrLst>
+              <dgm:constr type="tMarg" refType="primFontSz" fact="0.1"/>
+              <dgm:constr type="bMarg" refType="primFontSz" fact="0.1"/>
+              <dgm:constr type="rMarg" refType="primFontSz" fact="0.1"/>
+            </dgm:constrLst>
+          </dgm:if>
+          <dgm:else name="Name31">
+            <dgm:constrLst>
+              <dgm:constr type="tMarg" refType="primFontSz" fact="0.1"/>
+              <dgm:constr type="bMarg" refType="primFontSz" fact="0.1"/>
+              <dgm:constr type="lMarg" refType="primFontSz" fact="0.1"/>
+            </dgm:constrLst>
+          </dgm:else>
+        </dgm:choose>
+        <dgm:ruleLst>
+          <dgm:rule type="primFontSz" val="5" fact="NaN" max="NaN"/>
+        </dgm:ruleLst>
+      </dgm:layoutNode>
+      <dgm:layoutNode name="line1" styleLbl="callout">
+        <dgm:alg type="sp"/>
+        <dgm:shape xmlns:r="http://schemas.openxmlformats.org/officeDocument/2006/relationships" type="line" r:blip="">
+          <dgm:adjLst/>
+        </dgm:shape>
+        <dgm:presOf/>
+        <dgm:constrLst/>
+        <dgm:ruleLst/>
+      </dgm:layoutNode>
+      <dgm:layoutNode name="d1" styleLbl="callout">
+        <dgm:alg type="sp"/>
+        <dgm:choose name="Name32">
+          <dgm:if name="Name33" func="var" arg="dir" op="equ" val="norm">
+            <dgm:shape xmlns:r="http://schemas.openxmlformats.org/officeDocument/2006/relationships" rot="90" type="line" r:blip="">
+              <dgm:adjLst/>
+            </dgm:shape>
+          </dgm:if>
+          <dgm:else name="Name34">
+            <dgm:shape xmlns:r="http://schemas.openxmlformats.org/officeDocument/2006/relationships" rot="180" type="line" r:blip="">
+              <dgm:adjLst/>
+            </dgm:shape>
+          </dgm:else>
+        </dgm:choose>
+        <dgm:presOf/>
+        <dgm:constrLst/>
+        <dgm:ruleLst/>
+      </dgm:layoutNode>
+    </dgm:forEach>
+    <dgm:forEach name="Name35" axis="ch" ptType="node" st="2" cnt="1">
+      <dgm:layoutNode name="circle2" styleLbl="lnNode1">
+        <dgm:alg type="sp"/>
+        <dgm:shape xmlns:r="http://schemas.openxmlformats.org/officeDocument/2006/relationships" type="ellipse" r:blip="" zOrderOff="-5">
+          <dgm:adjLst/>
+        </dgm:shape>
+        <dgm:presOf/>
+        <dgm:constrLst/>
+        <dgm:ruleLst/>
+      </dgm:layoutNode>
+      <dgm:layoutNode name="text2" styleLbl="revTx">
+        <dgm:varLst>
+          <dgm:bulletEnabled val="1"/>
+        </dgm:varLst>
+        <dgm:choose name="Name36">
+          <dgm:if name="Name37" func="var" arg="dir" op="equ" val="norm">
+            <dgm:choose name="Name38">
+              <dgm:if name="Name39" axis="root des" ptType="all node" func="maxDepth" op="gt" val="1">
+                <dgm:alg type="tx">
+                  <dgm:param type="parTxLTRAlign" val="l"/>
+                  <dgm:param type="parTxRTLAlign" val="r"/>
+                </dgm:alg>
+              </dgm:if>
+              <dgm:else name="Name40">
+                <dgm:alg type="tx">
+                  <dgm:param type="parTxLTRAlign" val="l"/>
+                  <dgm:param type="parTxRTLAlign" val="l"/>
+                </dgm:alg>
+              </dgm:else>
+            </dgm:choose>
+          </dgm:if>
+          <dgm:else name="Name41">
+            <dgm:choose name="Name42">
+              <dgm:if name="Name43" axis="root des" ptType="all node" func="maxDepth" op="gt" val="1">
+                <dgm:alg type="tx">
+                  <dgm:param type="parTxLTRAlign" val="l"/>
+                  <dgm:param type="parTxRTLAlign" val="r"/>
+                </dgm:alg>
+              </dgm:if>
+              <dgm:else name="Name44">
+                <dgm:alg type="tx">
+                  <dgm:param type="parTxLTRAlign" val="r"/>
+                  <dgm:param type="parTxRTLAlign" val="r"/>
+                </dgm:alg>
+              </dgm:else>
+            </dgm:choose>
+          </dgm:else>
+        </dgm:choose>
+        <dgm:shape xmlns:r="http://schemas.openxmlformats.org/officeDocument/2006/relationships" type="rect" r:blip="">
+          <dgm:adjLst/>
+        </dgm:shape>
+        <dgm:presOf axis="desOrSelf" ptType="node"/>
+        <dgm:choose name="Name45">
+          <dgm:if name="Name46" func="var" arg="dir" op="equ" val="norm">
+            <dgm:constrLst>
+              <dgm:constr type="tMarg" refType="primFontSz" fact="0.1"/>
+              <dgm:constr type="bMarg" refType="primFontSz" fact="0.1"/>
+              <dgm:constr type="rMarg" refType="primFontSz" fact="0.1"/>
+            </dgm:constrLst>
+          </dgm:if>
+          <dgm:else name="Name47">
+            <dgm:constrLst>
+              <dgm:constr type="tMarg" refType="primFontSz" fact="0.1"/>
+              <dgm:constr type="bMarg" refType="primFontSz" fact="0.1"/>
+              <dgm:constr type="lMarg" refType="primFontSz" fact="0.1"/>
+            </dgm:constrLst>
+          </dgm:else>
+        </dgm:choose>
+        <dgm:ruleLst>
+          <dgm:rule type="primFontSz" val="5" fact="NaN" max="NaN"/>
+        </dgm:ruleLst>
+      </dgm:layoutNode>
+      <dgm:layoutNode name="line2" styleLbl="callout">
+        <dgm:alg type="sp"/>
+        <dgm:shape xmlns:r="http://schemas.openxmlformats.org/officeDocument/2006/relationships" type="line" r:blip="">
+          <dgm:adjLst/>
+        </dgm:shape>
+        <dgm:presOf/>
+        <dgm:constrLst/>
+        <dgm:ruleLst/>
+      </dgm:layoutNode>
+      <dgm:layoutNode name="d2" styleLbl="callout">
+        <dgm:alg type="sp"/>
+        <dgm:choose name="Name48">
+          <dgm:if name="Name49" func="var" arg="dir" op="equ" val="norm">
+            <dgm:shape xmlns:r="http://schemas.openxmlformats.org/officeDocument/2006/relationships" rot="90" type="line" r:blip="">
+              <dgm:adjLst/>
+            </dgm:shape>
+          </dgm:if>
+          <dgm:else name="Name50">
+            <dgm:shape xmlns:r="http://schemas.openxmlformats.org/officeDocument/2006/relationships" rot="180" type="line" r:blip="">
+              <dgm:adjLst/>
+            </dgm:shape>
+          </dgm:else>
+        </dgm:choose>
+        <dgm:presOf/>
+        <dgm:constrLst/>
+        <dgm:ruleLst/>
+      </dgm:layoutNode>
+    </dgm:forEach>
+    <dgm:forEach name="Name51" axis="ch" ptType="node" st="3" cnt="1">
+      <dgm:layoutNode name="circle3" styleLbl="lnNode1">
+        <dgm:alg type="sp"/>
+        <dgm:shape xmlns:r="http://schemas.openxmlformats.org/officeDocument/2006/relationships" type="ellipse" r:blip="" zOrderOff="-10">
+          <dgm:adjLst/>
+        </dgm:shape>
+        <dgm:presOf/>
+        <dgm:constrLst/>
+        <dgm:ruleLst/>
+      </dgm:layoutNode>
+      <dgm:layoutNode name="text3" styleLbl="revTx">
+        <dgm:varLst>
+          <dgm:bulletEnabled val="1"/>
+        </dgm:varLst>
+        <dgm:choose name="Name52">
+          <dgm:if name="Name53" func="var" arg="dir" op="equ" val="norm">
+            <dgm:choose name="Name54">
+              <dgm:if name="Name55" axis="root des" ptType="all node" func="maxDepth" op="gt" val="1">
+                <dgm:alg type="tx">
+                  <dgm:param type="parTxLTRAlign" val="l"/>
+                  <dgm:param type="parTxRTLAlign" val="r"/>
+                </dgm:alg>
+              </dgm:if>
+              <dgm:else name="Name56">
+                <dgm:alg type="tx">
+                  <dgm:param type="parTxLTRAlign" val="l"/>
+                  <dgm:param type="parTxRTLAlign" val="l"/>
+                </dgm:alg>
+              </dgm:else>
+            </dgm:choose>
+          </dgm:if>
+          <dgm:else name="Name57">
+            <dgm:choose name="Name58">
+              <dgm:if name="Name59" axis="root des" ptType="all node" func="maxDepth" op="gt" val="1">
+                <dgm:alg type="tx">
+                  <dgm:param type="parTxLTRAlign" val="l"/>
+                  <dgm:param type="parTxRTLAlign" val="r"/>
+                </dgm:alg>
+              </dgm:if>
+              <dgm:else name="Name60">
+                <dgm:alg type="tx">
+                  <dgm:param type="parTxLTRAlign" val="r"/>
+                  <dgm:param type="parTxRTLAlign" val="r"/>
+                </dgm:alg>
+              </dgm:else>
+            </dgm:choose>
+          </dgm:else>
+        </dgm:choose>
+        <dgm:shape xmlns:r="http://schemas.openxmlformats.org/officeDocument/2006/relationships" type="rect" r:blip="">
+          <dgm:adjLst/>
+        </dgm:shape>
+        <dgm:presOf axis="desOrSelf" ptType="node"/>
+        <dgm:choose name="Name61">
+          <dgm:if name="Name62" func="var" arg="dir" op="equ" val="norm">
+            <dgm:constrLst>
+              <dgm:constr type="tMarg" refType="primFontSz" fact="0.1"/>
+              <dgm:constr type="bMarg" refType="primFontSz" fact="0.1"/>
+              <dgm:constr type="rMarg" refType="primFontSz" fact="0.1"/>
+            </dgm:constrLst>
+          </dgm:if>
+          <dgm:else name="Name63">
+            <dgm:constrLst>
+              <dgm:constr type="tMarg" refType="primFontSz" fact="0.1"/>
+              <dgm:constr type="bMarg" refType="primFontSz" fact="0.1"/>
+              <dgm:constr type="lMarg" refType="primFontSz" fact="0.1"/>
+            </dgm:constrLst>
+          </dgm:else>
+        </dgm:choose>
+        <dgm:ruleLst>
+          <dgm:rule type="primFontSz" val="5" fact="NaN" max="NaN"/>
+        </dgm:ruleLst>
+      </dgm:layoutNode>
+      <dgm:layoutNode name="line3" styleLbl="callout">
+        <dgm:alg type="sp"/>
+        <dgm:shape xmlns:r="http://schemas.openxmlformats.org/officeDocument/2006/relationships" type="line" r:blip="">
+          <dgm:adjLst/>
+        </dgm:shape>
+        <dgm:presOf/>
+        <dgm:constrLst/>
+        <dgm:ruleLst/>
+      </dgm:layoutNode>
+      <dgm:layoutNode name="d3" styleLbl="callout">
+        <dgm:alg type="sp"/>
+        <dgm:choose name="Name64">
+          <dgm:if name="Name65" func="var" arg="dir" op="equ" val="norm">
+            <dgm:shape xmlns:r="http://schemas.openxmlformats.org/officeDocument/2006/relationships" rot="90" type="line" r:blip="">
+              <dgm:adjLst/>
+            </dgm:shape>
+          </dgm:if>
+          <dgm:else name="Name66">
+            <dgm:shape xmlns:r="http://schemas.openxmlformats.org/officeDocument/2006/relationships" rot="180" type="line" r:blip="">
+              <dgm:adjLst/>
+            </dgm:shape>
+          </dgm:else>
+        </dgm:choose>
+        <dgm:presOf/>
+        <dgm:constrLst/>
+        <dgm:ruleLst/>
+      </dgm:layoutNode>
+    </dgm:forEach>
+    <dgm:forEach name="Name67" axis="ch" ptType="node" st="4" cnt="1">
+      <dgm:layoutNode name="circle4" styleLbl="lnNode1">
+        <dgm:alg type="sp"/>
+        <dgm:shape xmlns:r="http://schemas.openxmlformats.org/officeDocument/2006/relationships" type="ellipse" r:blip="" zOrderOff="-15">
+          <dgm:adjLst/>
+        </dgm:shape>
+        <dgm:presOf/>
+        <dgm:constrLst/>
+        <dgm:ruleLst/>
+      </dgm:layoutNode>
+      <dgm:layoutNode name="text4" styleLbl="revTx">
+        <dgm:varLst>
+          <dgm:bulletEnabled val="1"/>
+        </dgm:varLst>
+        <dgm:choose name="Name68">
+          <dgm:if name="Name69" func="var" arg="dir" op="equ" val="norm">
+            <dgm:choose name="Name70">
+              <dgm:if name="Name71" axis="root des" ptType="all node" func="maxDepth" op="gt" val="1">
+                <dgm:alg type="tx">
+                  <dgm:param type="parTxLTRAlign" val="l"/>
+                  <dgm:param type="parTxRTLAlign" val="r"/>
+                </dgm:alg>
+              </dgm:if>
+              <dgm:else name="Name72">
+                <dgm:alg type="tx">
+                  <dgm:param type="parTxLTRAlign" val="l"/>
+                  <dgm:param type="parTxRTLAlign" val="l"/>
+                </dgm:alg>
+              </dgm:else>
+            </dgm:choose>
+          </dgm:if>
+          <dgm:else name="Name73">
+            <dgm:choose name="Name74">
+              <dgm:if name="Name75" axis="root des" ptType="all node" func="maxDepth" op="gt" val="1">
+                <dgm:alg type="tx">
+                  <dgm:param type="parTxLTRAlign" val="l"/>
+                  <dgm:param type="parTxRTLAlign" val="r"/>
+                </dgm:alg>
+              </dgm:if>
+              <dgm:else name="Name76">
+                <dgm:alg type="tx">
+                  <dgm:param type="parTxLTRAlign" val="r"/>
+                  <dgm:param type="parTxRTLAlign" val="r"/>
+                </dgm:alg>
+              </dgm:else>
+            </dgm:choose>
+          </dgm:else>
+        </dgm:choose>
+        <dgm:shape xmlns:r="http://schemas.openxmlformats.org/officeDocument/2006/relationships" type="rect" r:blip="">
+          <dgm:adjLst/>
+        </dgm:shape>
+        <dgm:presOf axis="desOrSelf" ptType="node"/>
+        <dgm:choose name="Name77">
+          <dgm:if name="Name78" func="var" arg="dir" op="equ" val="norm">
+            <dgm:constrLst>
+              <dgm:constr type="tMarg" refType="primFontSz" fact="0.1"/>
+              <dgm:constr type="bMarg" refType="primFontSz" fact="0.1"/>
+              <dgm:constr type="rMarg" refType="primFontSz" fact="0.1"/>
+            </dgm:constrLst>
+          </dgm:if>
+          <dgm:else name="Name79">
+            <dgm:constrLst>
+              <dgm:constr type="tMarg" refType="primFontSz" fact="0.1"/>
+              <dgm:constr type="bMarg" refType="primFontSz" fact="0.1"/>
+              <dgm:constr type="lMarg" refType="primFontSz" fact="0.1"/>
+            </dgm:constrLst>
+          </dgm:else>
+        </dgm:choose>
+        <dgm:ruleLst>
+          <dgm:rule type="primFontSz" val="5" fact="NaN" max="NaN"/>
+        </dgm:ruleLst>
+      </dgm:layoutNode>
+      <dgm:layoutNode name="line4" styleLbl="callout">
+        <dgm:alg type="sp"/>
+        <dgm:shape xmlns:r="http://schemas.openxmlformats.org/officeDocument/2006/relationships" type="line" r:blip="">
+          <dgm:adjLst/>
+        </dgm:shape>
+        <dgm:presOf/>
+        <dgm:constrLst/>
+        <dgm:ruleLst/>
+      </dgm:layoutNode>
+      <dgm:layoutNode name="d4" styleLbl="callout">
+        <dgm:alg type="sp"/>
+        <dgm:choose name="Name80">
+          <dgm:if name="Name81" func="var" arg="dir" op="equ" val="norm">
+            <dgm:shape xmlns:r="http://schemas.openxmlformats.org/officeDocument/2006/relationships" rot="90" type="line" r:blip="">
+              <dgm:adjLst/>
+            </dgm:shape>
+          </dgm:if>
+          <dgm:else name="Name82">
+            <dgm:shape xmlns:r="http://schemas.openxmlformats.org/officeDocument/2006/relationships" rot="180" type="line" r:blip="">
+              <dgm:adjLst/>
+            </dgm:shape>
+          </dgm:else>
+        </dgm:choose>
+        <dgm:presOf/>
+        <dgm:constrLst/>
+        <dgm:ruleLst/>
+      </dgm:layoutNode>
+    </dgm:forEach>
+    <dgm:forEach name="Name83" axis="ch" ptType="node" st="5" cnt="1">
+      <dgm:layoutNode name="circle5" styleLbl="lnNode1">
+        <dgm:alg type="sp"/>
+        <dgm:shape xmlns:r="http://schemas.openxmlformats.org/officeDocument/2006/relationships" type="ellipse" r:blip="" zOrderOff="-20">
+          <dgm:adjLst/>
+        </dgm:shape>
+        <dgm:presOf/>
+        <dgm:constrLst/>
+        <dgm:ruleLst/>
+      </dgm:layoutNode>
+      <dgm:layoutNode name="text5" styleLbl="revTx">
+        <dgm:varLst>
+          <dgm:bulletEnabled val="1"/>
+        </dgm:varLst>
+        <dgm:choose name="Name84">
+          <dgm:if name="Name85" func="var" arg="dir" op="equ" val="norm">
+            <dgm:choose name="Name86">
+              <dgm:if name="Name87" axis="root des" ptType="all node" func="maxDepth" op="gt" val="1">
+                <dgm:alg type="tx">
+                  <dgm:param type="parTxLTRAlign" val="l"/>
+                  <dgm:param type="parTxRTLAlign" val="r"/>
+                </dgm:alg>
+              </dgm:if>
+              <dgm:else name="Name88">
+                <dgm:alg type="tx">
+                  <dgm:param type="parTxLTRAlign" val="l"/>
+                  <dgm:param type="parTxRTLAlign" val="l"/>
+                </dgm:alg>
+              </dgm:else>
+            </dgm:choose>
+          </dgm:if>
+          <dgm:else name="Name89">
+            <dgm:choose name="Name90">
+              <dgm:if name="Name91" axis="root des" ptType="all node" func="maxDepth" op="gt" val="1">
+                <dgm:alg type="tx">
+                  <dgm:param type="parTxLTRAlign" val="l"/>
+                  <dgm:param type="parTxRTLAlign" val="r"/>
+                </dgm:alg>
+              </dgm:if>
+              <dgm:else name="Name92">
+                <dgm:alg type="tx">
+                  <dgm:param type="parTxLTRAlign" val="r"/>
+                  <dgm:param type="parTxRTLAlign" val="r"/>
+                </dgm:alg>
+              </dgm:else>
+            </dgm:choose>
+          </dgm:else>
+        </dgm:choose>
+        <dgm:shape xmlns:r="http://schemas.openxmlformats.org/officeDocument/2006/relationships" type="rect" r:blip="">
+          <dgm:adjLst/>
+        </dgm:shape>
+        <dgm:presOf axis="desOrSelf" ptType="node"/>
+        <dgm:choose name="Name93">
+          <dgm:if name="Name94" func="var" arg="dir" op="equ" val="norm">
+            <dgm:constrLst>
+              <dgm:constr type="tMarg" refType="primFontSz" fact="0.1"/>
+              <dgm:constr type="bMarg" refType="primFontSz" fact="0.1"/>
+              <dgm:constr type="rMarg" refType="primFontSz" fact="0.1"/>
+            </dgm:constrLst>
+          </dgm:if>
+          <dgm:else name="Name95">
+            <dgm:constrLst>
+              <dgm:constr type="tMarg" refType="primFontSz" fact="0.1"/>
+              <dgm:constr type="bMarg" refType="primFontSz" fact="0.1"/>
+              <dgm:constr type="lMarg" refType="primFontSz" fact="0.1"/>
+            </dgm:constrLst>
+          </dgm:else>
+        </dgm:choose>
+        <dgm:ruleLst>
+          <dgm:rule type="primFontSz" val="5" fact="NaN" max="NaN"/>
+        </dgm:ruleLst>
+      </dgm:layoutNode>
+      <dgm:layoutNode name="line5" styleLbl="callout">
+        <dgm:alg type="sp"/>
+        <dgm:shape xmlns:r="http://schemas.openxmlformats.org/officeDocument/2006/relationships" type="line" r:blip="">
+          <dgm:adjLst/>
+        </dgm:shape>
+        <dgm:presOf/>
+        <dgm:constrLst/>
+        <dgm:ruleLst/>
+      </dgm:layoutNode>
+      <dgm:layoutNode name="d5" styleLbl="callout">
+        <dgm:alg type="sp"/>
+        <dgm:choose name="Name96">
+          <dgm:if name="Name97" func="var" arg="dir" op="equ" val="norm">
+            <dgm:shape xmlns:r="http://schemas.openxmlformats.org/officeDocument/2006/relationships" rot="90" type="line" r:blip="">
+              <dgm:adjLst/>
+            </dgm:shape>
+          </dgm:if>
+          <dgm:else name="Name98">
+            <dgm:shape xmlns:r="http://schemas.openxmlformats.org/officeDocument/2006/relationships" rot="180" type="line" r:blip="">
+              <dgm:adjLst/>
+            </dgm:shape>
+          </dgm:else>
+        </dgm:choose>
+        <dgm:presOf/>
+        <dgm:constrLst/>
+        <dgm:ruleLst/>
+      </dgm:layoutNode>
+    </dgm:forEach>
+  </dgm:layoutNode>
+</dgm:layoutDef>
+</file>
+
+<file path=ppt/diagrams/quickStyle1.xml><?xml version="1.0" encoding="utf-8"?>
+<dgm:styleDef xmlns:dgm="http://schemas.openxmlformats.org/drawingml/2006/diagram" xmlns:a="http://schemas.openxmlformats.org/drawingml/2006/main" uniqueId="urn:microsoft.com/office/officeart/2005/8/quickstyle/simple1">
+  <dgm:title val=""/>
+  <dgm:desc val=""/>
+  <dgm:catLst>
+    <dgm:cat type="simple" pri="10100"/>
+  </dgm:catLst>
+  <dgm:scene3d>
+    <a:camera prst="orthographicFront"/>
+    <a:lightRig rig="threePt" dir="t"/>
+  </dgm:scene3d>
+  <dgm:styleLbl name="node0">
+    <dgm:scene3d>
+      <a:camera prst="orthographicFront"/>
+      <a:lightRig rig="threePt" dir="t"/>
+    </dgm:scene3d>
+    <dgm:sp3d/>
+    <dgm:txPr/>
+    <dgm:style>
+      <a:lnRef idx="2">
+        <a:scrgbClr r="0" g="0" b="0"/>
+      </a:lnRef>
+      <a:fillRef idx="1">
+        <a:scrgbClr r="0" g="0" b="0"/>
+      </a:fillRef>
+      <a:effectRef idx="0">
+        <a:scrgbClr r="0" g="0" b="0"/>
+      </a:effectRef>
+      <a:fontRef idx="minor">
+        <a:schemeClr val="lt1"/>
+      </a:fontRef>
+    </dgm:style>
+  </dgm:styleLbl>
+  <dgm:styleLbl name="lnNode1">
+    <dgm:scene3d>
+      <a:camera prst="orthographicFront"/>
+      <a:lightRig rig="threePt" dir="t"/>
+    </dgm:scene3d>
+    <dgm:sp3d/>
+    <dgm:txPr/>
+    <dgm:style>
+      <a:lnRef idx="2">
+        <a:scrgbClr r="0" g="0" b="0"/>
+      </a:lnRef>
+      <a:fillRef idx="1">
+        <a:scrgbClr r="0" g="0" b="0"/>
+      </a:fillRef>
+      <a:effectRef idx="0">
+        <a:scrgbClr r="0" g="0" b="0"/>
+      </a:effectRef>
+      <a:fontRef idx="minor">
+        <a:schemeClr val="lt1"/>
+      </a:fontRef>
+    </dgm:style>
+  </dgm:styleLbl>
+  <dgm:styleLbl name="vennNode1">
+    <dgm:scene3d>
+      <a:camera prst="orthographicFront"/>
+      <a:lightRig rig="threePt" dir="t"/>
+    </dgm:scene3d>
+    <dgm:sp3d/>
+    <dgm:txPr/>
+    <dgm:style>
+      <a:lnRef idx="2">
+        <a:scrgbClr r="0" g="0" b="0"/>
+      </a:lnRef>
+      <a:fillRef idx="1">
+        <a:scrgbClr r="0" g="0" b="0"/>
+      </a:fillRef>
+      <a:effectRef idx="0">
+        <a:scrgbClr r="0" g="0" b="0"/>
+      </a:effectRef>
+      <a:fontRef idx="minor">
+        <a:schemeClr val="tx1"/>
+      </a:fontRef>
+    </dgm:style>
+  </dgm:styleLbl>
+  <dgm:styleLbl name="alignNode1">
+    <dgm:scene3d>
+      <a:camera prst="orthographicFront"/>
+      <a:lightRig rig="threePt" dir="t"/>
+    </dgm:scene3d>
+    <dgm:sp3d/>
+    <dgm:txPr/>
+    <dgm:style>
+      <a:lnRef idx="2">
+        <a:scrgbClr r="0" g="0" b="0"/>
+      </a:lnRef>
+      <a:fillRef idx="1">
+        <a:scrgbClr r="0" g="0" b="0"/>
+      </a:fillRef>
+      <a:effectRef idx="0">
+        <a:scrgbClr r="0" g="0" b="0"/>
+      </a:effectRef>
+      <a:fontRef idx="minor">
+        <a:schemeClr val="lt1"/>
+      </a:fontRef>
+    </dgm:style>
+  </dgm:styleLbl>
+  <dgm:styleLbl name="node1">
+    <dgm:scene3d>
+      <a:camera prst="orthographicFront"/>
+      <a:lightRig rig="threePt" dir="t"/>
+    </dgm:scene3d>
+    <dgm:sp3d/>
+    <dgm:txPr/>
+    <dgm:style>
+      <a:lnRef idx="2">
+        <a:scrgbClr r="0" g="0" b="0"/>
+      </a:lnRef>
+      <a:fillRef idx="1">
+        <a:scrgbClr r="0" g="0" b="0"/>
+      </a:fillRef>
+      <a:effectRef idx="0">
+        <a:scrgbClr r="0" g="0" b="0"/>
+      </a:effectRef>
+      <a:fontRef idx="minor">
+        <a:schemeClr val="lt1"/>
+      </a:fontRef>
+    </dgm:style>
+  </dgm:styleLbl>
+  <dgm:styleLbl name="node2">
+    <dgm:scene3d>
+      <a:camera prst="orthographicFront"/>
+      <a:lightRig rig="threePt" dir="t"/>
+    </dgm:scene3d>
+    <dgm:sp3d/>
+    <dgm:txPr/>
+    <dgm:style>
+      <a:lnRef idx="2">
+        <a:scrgbClr r="0" g="0" b="0"/>
+      </a:lnRef>
+      <a:fillRef idx="1">
+        <a:scrgbClr r="0" g="0" b="0"/>
+      </a:fillRef>
+      <a:effectRef idx="0">
+        <a:scrgbClr r="0" g="0" b="0"/>
+      </a:effectRef>
+      <a:fontRef idx="minor">
+        <a:schemeClr val="lt1"/>
+      </a:fontRef>
+    </dgm:style>
+  </dgm:styleLbl>
+  <dgm:styleLbl name="node3">
+    <dgm:scene3d>
+      <a:camera prst="orthographicFront"/>
+      <a:lightRig rig="threePt" dir="t"/>
+    </dgm:scene3d>
+    <dgm:sp3d/>
+    <dgm:txPr/>
+    <dgm:style>
+      <a:lnRef idx="2">
+        <a:scrgbClr r="0" g="0" b="0"/>
+      </a:lnRef>
+      <a:fillRef idx="1">
+        <a:scrgbClr r="0" g="0" b="0"/>
+      </a:fillRef>
+      <a:effectRef idx="0">
+        <a:scrgbClr r="0" g="0" b="0"/>
+      </a:effectRef>
+      <a:fontRef idx="minor">
+        <a:schemeClr val="lt1"/>
+      </a:fontRef>
+    </dgm:style>
+  </dgm:styleLbl>
+  <dgm:styleLbl name="node4">
+    <dgm:scene3d>
+      <a:camera prst="orthographicFront"/>
+      <a:lightRig rig="threePt" dir="t"/>
+    </dgm:scene3d>
+    <dgm:sp3d/>
+    <dgm:txPr/>
+    <dgm:style>
+      <a:lnRef idx="2">
+        <a:scrgbClr r="0" g="0" b="0"/>
+      </a:lnRef>
+      <a:fillRef idx="1">
+        <a:scrgbClr r="0" g="0" b="0"/>
+      </a:fillRef>
+      <a:effectRef idx="0">
+        <a:scrgbClr r="0" g="0" b="0"/>
+      </a:effectRef>
+      <a:fontRef idx="minor">
+        <a:schemeClr val="lt1"/>
+      </a:fontRef>
+    </dgm:style>
+  </dgm:styleLbl>
+  <dgm:styleLbl name="fgImgPlace1">
+    <dgm:scene3d>
+      <a:camera prst="orthographicFront"/>
+      <a:lightRig rig="threePt" dir="t"/>
+    </dgm:scene3d>
+    <dgm:sp3d/>
+    <dgm:txPr/>
+    <dgm:style>
+      <a:lnRef idx="2">
+        <a:scrgbClr r="0" g="0" b="0"/>
+      </a:lnRef>
+      <a:fillRef idx="1">
+        <a:scrgbClr r="0" g="0" b="0"/>
+      </a:fillRef>
+      <a:effectRef idx="0">
+        <a:scrgbClr r="0" g="0" b="0"/>
+      </a:effectRef>
+      <a:fontRef idx="minor"/>
+    </dgm:style>
+  </dgm:styleLbl>
+  <dgm:styleLbl name="alignImgPlace1">
+    <dgm:scene3d>
+      <a:camera prst="orthographicFront"/>
+      <a:lightRig rig="threePt" dir="t"/>
+    </dgm:scene3d>
+    <dgm:sp3d/>
+    <dgm:txPr/>
+    <dgm:style>
+      <a:lnRef idx="2">
+        <a:scrgbClr r="0" g="0" b="0"/>
+      </a:lnRef>
+      <a:fillRef idx="1">
+        <a:scrgbClr r="0" g="0" b="0"/>
+      </a:fillRef>
+      <a:effectRef idx="0">
+        <a:scrgbClr r="0" g="0" b="0"/>
+      </a:effectRef>
+      <a:fontRef idx="minor"/>
+    </dgm:style>
+  </dgm:styleLbl>
+  <dgm:styleLbl name="bgImgPlace1">
+    <dgm:scene3d>
+      <a:camera prst="orthographicFront"/>
+      <a:lightRig rig="threePt" dir="t"/>
+    </dgm:scene3d>
+    <dgm:sp3d/>
+    <dgm:txPr/>
+    <dgm:style>
+      <a:lnRef idx="2">
+        <a:scrgbClr r="0" g="0" b="0"/>
+      </a:lnRef>
+      <a:fillRef idx="1">
+        <a:scrgbClr r="0" g="0" b="0"/>
+      </a:fillRef>
+      <a:effectRef idx="0">
+        <a:scrgbClr r="0" g="0" b="0"/>
+      </a:effectRef>
+      <a:fontRef idx="minor"/>
+    </dgm:style>
+  </dgm:styleLbl>
+  <dgm:styleLbl name="sibTrans2D1">
+    <dgm:scene3d>
+      <a:camera prst="orthographicFront"/>
+      <a:lightRig rig="threePt" dir="t"/>
+    </dgm:scene3d>
+    <dgm:sp3d/>
+    <dgm:txPr/>
+    <dgm:style>
+      <a:lnRef idx="0">
+        <a:scrgbClr r="0" g="0" b="0"/>
+      </a:lnRef>
+      <a:fillRef idx="1">
+        <a:scrgbClr r="0" g="0" b="0"/>
+      </a:fillRef>
+      <a:effectRef idx="0">
+        <a:scrgbClr r="0" g="0" b="0"/>
+      </a:effectRef>
+      <a:fontRef idx="minor">
+        <a:schemeClr val="lt1"/>
+      </a:fontRef>
+    </dgm:style>
+  </dgm:styleLbl>
+  <dgm:styleLbl name="fgSibTrans2D1">
+    <dgm:scene3d>
+      <a:camera prst="orthographicFront"/>
+      <a:lightRig rig="threePt" dir="t"/>
+    </dgm:scene3d>
+    <dgm:sp3d/>
+    <dgm:txPr/>
+    <dgm:style>
+      <a:lnRef idx="0">
+        <a:scrgbClr r="0" g="0" b="0"/>
+      </a:lnRef>
+      <a:fillRef idx="1">
+        <a:scrgbClr r="0" g="0" b="0"/>
+      </a:fillRef>
+      <a:effectRef idx="0">
+        <a:scrgbClr r="0" g="0" b="0"/>
+      </a:effectRef>
+      <a:fontRef idx="minor">
+        <a:schemeClr val="lt1"/>
+      </a:fontRef>
+    </dgm:style>
+  </dgm:styleLbl>
+  <dgm:styleLbl name="bgSibTrans2D1">
+    <dgm:scene3d>
+      <a:camera prst="orthographicFront"/>
+      <a:lightRig rig="threePt" dir="t"/>
+    </dgm:scene3d>
+    <dgm:sp3d/>
+    <dgm:txPr/>
+    <dgm:style>
+      <a:lnRef idx="0">
+        <a:scrgbClr r="0" g="0" b="0"/>
+      </a:lnRef>
+      <a:fillRef idx="1">
+        <a:scrgbClr r="0" g="0" b="0"/>
+      </a:fillRef>
+      <a:effectRef idx="0">
+        <a:scrgbClr r="0" g="0" b="0"/>
+      </a:effectRef>
+      <a:fontRef idx="minor">
+        <a:schemeClr val="lt1"/>
+      </a:fontRef>
+    </dgm:style>
+  </dgm:styleLbl>
+  <dgm:styleLbl name="sibTrans1D1">
+    <dgm:scene3d>
+      <a:camera prst="orthographicFront"/>
+      <a:lightRig rig="threePt" dir="t"/>
+    </dgm:scene3d>
+    <dgm:sp3d/>
+    <dgm:txPr/>
+    <dgm:style>
+      <a:lnRef idx="1">
+        <a:scrgbClr r="0" g="0" b="0"/>
+      </a:lnRef>
+      <a:fillRef idx="0">
+        <a:scrgbClr r="0" g="0" b="0"/>
+      </a:fillRef>
+      <a:effectRef idx="0">
+        <a:scrgbClr r="0" g="0" b="0"/>
+      </a:effectRef>
+      <a:fontRef idx="minor"/>
+    </dgm:style>
+  </dgm:styleLbl>
+  <dgm:styleLbl name="callout">
+    <dgm:scene3d>
+      <a:camera prst="orthographicFront"/>
+      <a:lightRig rig="threePt" dir="t"/>
+    </dgm:scene3d>
+    <dgm:sp3d/>
+    <dgm:txPr/>
+    <dgm:style>
+      <a:lnRef idx="2">
+        <a:scrgbClr r="0" g="0" b="0"/>
+      </a:lnRef>
+      <a:fillRef idx="1">
+        <a:scrgbClr r="0" g="0" b="0"/>
+      </a:fillRef>
+      <a:effectRef idx="0">
+        <a:scrgbClr r="0" g="0" b="0"/>
+      </a:effectRef>
+      <a:fontRef idx="minor"/>
+    </dgm:style>
+  </dgm:styleLbl>
+  <dgm:styleLbl name="asst0">
+    <dgm:scene3d>
+      <a:camera prst="orthographicFront"/>
+      <a:lightRig rig="threePt" dir="t"/>
+    </dgm:scene3d>
+    <dgm:sp3d/>
+    <dgm:txPr/>
+    <dgm:style>
+      <a:lnRef idx="2">
+        <a:scrgbClr r="0" g="0" b="0"/>
+      </a:lnRef>
+      <a:fillRef idx="1">
+        <a:scrgbClr r="0" g="0" b="0"/>
+      </a:fillRef>
+      <a:effectRef idx="0">
+        <a:scrgbClr r="0" g="0" b="0"/>
+      </a:effectRef>
+      <a:fontRef idx="minor">
+        <a:schemeClr val="lt1"/>
+      </a:fontRef>
+    </dgm:style>
+  </dgm:styleLbl>
+  <dgm:styleLbl name="asst1">
+    <dgm:scene3d>
+      <a:camera prst="orthographicFront"/>
+      <a:lightRig rig="threePt" dir="t"/>
+    </dgm:scene3d>
+    <dgm:sp3d/>
+    <dgm:txPr/>
+    <dgm:style>
+      <a:lnRef idx="2">
+        <a:scrgbClr r="0" g="0" b="0"/>
+      </a:lnRef>
+      <a:fillRef idx="1">
+        <a:scrgbClr r="0" g="0" b="0"/>
+      </a:fillRef>
+      <a:effectRef idx="0">
+        <a:scrgbClr r="0" g="0" b="0"/>
+      </a:effectRef>
+      <a:fontRef idx="minor">
+        <a:schemeClr val="lt1"/>
+      </a:fontRef>
+    </dgm:style>
+  </dgm:styleLbl>
+  <dgm:styleLbl name="asst2">
+    <dgm:scene3d>
+      <a:camera prst="orthographicFront"/>
+      <a:lightRig rig="threePt" dir="t"/>
+    </dgm:scene3d>
+    <dgm:sp3d/>
+    <dgm:txPr/>
+    <dgm:style>
+      <a:lnRef idx="2">
+        <a:scrgbClr r="0" g="0" b="0"/>
+      </a:lnRef>
+      <a:fillRef idx="1">
+        <a:scrgbClr r="0" g="0" b="0"/>
+      </a:fillRef>
+      <a:effectRef idx="0">
+        <a:scrgbClr r="0" g="0" b="0"/>
+      </a:effectRef>
+      <a:fontRef idx="minor">
+        <a:schemeClr val="lt1"/>
+      </a:fontRef>
+    </dgm:style>
+  </dgm:styleLbl>
+  <dgm:styleLbl name="asst3">
+    <dgm:scene3d>
+      <a:camera prst="orthographicFront"/>
+      <a:lightRig rig="threePt" dir="t"/>
+    </dgm:scene3d>
+    <dgm:sp3d/>
+    <dgm:txPr/>
+    <dgm:style>
+      <a:lnRef idx="2">
+        <a:scrgbClr r="0" g="0" b="0"/>
+      </a:lnRef>
+      <a:fillRef idx="1">
+        <a:scrgbClr r="0" g="0" b="0"/>
+      </a:fillRef>
+      <a:effectRef idx="0">
+        <a:scrgbClr r="0" g="0" b="0"/>
+      </a:effectRef>
+      <a:fontRef idx="minor">
+        <a:schemeClr val="lt1"/>
+      </a:fontRef>
+    </dgm:style>
+  </dgm:styleLbl>
+  <dgm:styleLbl name="asst4">
+    <dgm:scene3d>
+      <a:camera prst="orthographicFront"/>
+      <a:lightRig rig="threePt" dir="t"/>
+    </dgm:scene3d>
+    <dgm:sp3d/>
+    <dgm:txPr/>
+    <dgm:style>
+      <a:lnRef idx="2">
+        <a:scrgbClr r="0" g="0" b="0"/>
+      </a:lnRef>
+      <a:fillRef idx="1">
+        <a:scrgbClr r="0" g="0" b="0"/>
+      </a:fillRef>
+      <a:effectRef idx="0">
+        <a:scrgbClr r="0" g="0" b="0"/>
+      </a:effectRef>
+      <a:fontRef idx="minor">
+        <a:schemeClr val="lt1"/>
+      </a:fontRef>
+    </dgm:style>
+  </dgm:styleLbl>
+  <dgm:styleLbl name="parChTrans2D1">
+    <dgm:scene3d>
+      <a:camera prst="orthographicFront"/>
+      <a:lightRig rig="threePt" dir="t"/>
+    </dgm:scene3d>
+    <dgm:sp3d/>
+    <dgm:txPr/>
+    <dgm:style>
+      <a:lnRef idx="2">
+        <a:scrgbClr r="0" g="0" b="0"/>
+      </a:lnRef>
+      <a:fillRef idx="1">
+        <a:scrgbClr r="0" g="0" b="0"/>
+      </a:fillRef>
+      <a:effectRef idx="0">
+        <a:scrgbClr r="0" g="0" b="0"/>
+      </a:effectRef>
+      <a:fontRef idx="minor">
+        <a:schemeClr val="lt1"/>
+      </a:fontRef>
+    </dgm:style>
+  </dgm:styleLbl>
+  <dgm:styleLbl name="parChTrans2D2">
+    <dgm:scene3d>
+      <a:camera prst="orthographicFront"/>
+      <a:lightRig rig="threePt" dir="t"/>
+    </dgm:scene3d>
+    <dgm:sp3d/>
+    <dgm:txPr/>
+    <dgm:style>
+      <a:lnRef idx="2">
+        <a:scrgbClr r="0" g="0" b="0"/>
+      </a:lnRef>
+      <a:fillRef idx="1">
+        <a:scrgbClr r="0" g="0" b="0"/>
+      </a:fillRef>
+      <a:effectRef idx="0">
+        <a:scrgbClr r="0" g="0" b="0"/>
+      </a:effectRef>
+      <a:fontRef idx="minor">
+        <a:schemeClr val="lt1"/>
+      </a:fontRef>
+    </dgm:style>
+  </dgm:styleLbl>
+  <dgm:styleLbl name="parChTrans2D3">
+    <dgm:scene3d>
+      <a:camera prst="orthographicFront"/>
+      <a:lightRig rig="threePt" dir="t"/>
+    </dgm:scene3d>
+    <dgm:sp3d/>
+    <dgm:txPr/>
+    <dgm:style>
+      <a:lnRef idx="2">
+        <a:scrgbClr r="0" g="0" b="0"/>
+      </a:lnRef>
+      <a:fillRef idx="1">
+        <a:scrgbClr r="0" g="0" b="0"/>
+      </a:fillRef>
+      <a:effectRef idx="0">
+        <a:scrgbClr r="0" g="0" b="0"/>
+      </a:effectRef>
+      <a:fontRef idx="minor">
+        <a:schemeClr val="lt1"/>
+      </a:fontRef>
+    </dgm:style>
+  </dgm:styleLbl>
+  <dgm:styleLbl name="parChTrans2D4">
+    <dgm:scene3d>
+      <a:camera prst="orthographicFront"/>
+      <a:lightRig rig="threePt" dir="t"/>
+    </dgm:scene3d>
+    <dgm:sp3d/>
+    <dgm:txPr/>
+    <dgm:style>
+      <a:lnRef idx="2">
+        <a:scrgbClr r="0" g="0" b="0"/>
+      </a:lnRef>
+      <a:fillRef idx="1">
+        <a:scrgbClr r="0" g="0" b="0"/>
+      </a:fillRef>
+      <a:effectRef idx="0">
+        <a:scrgbClr r="0" g="0" b="0"/>
+      </a:effectRef>
+      <a:fontRef idx="minor">
+        <a:schemeClr val="lt1"/>
+      </a:fontRef>
+    </dgm:style>
+  </dgm:styleLbl>
+  <dgm:styleLbl name="parChTrans1D1">
+    <dgm:scene3d>
+      <a:camera prst="orthographicFront"/>
+      <a:lightRig rig="threePt" dir="t"/>
+    </dgm:scene3d>
+    <dgm:sp3d/>
+    <dgm:txPr/>
+    <dgm:style>
+      <a:lnRef idx="2">
+        <a:scrgbClr r="0" g="0" b="0"/>
+      </a:lnRef>
+      <a:fillRef idx="0">
+        <a:scrgbClr r="0" g="0" b="0"/>
+      </a:fillRef>
+      <a:effectRef idx="0">
+        <a:scrgbClr r="0" g="0" b="0"/>
+      </a:effectRef>
+      <a:fontRef idx="minor"/>
+    </dgm:style>
+  </dgm:styleLbl>
+  <dgm:styleLbl name="parChTrans1D2">
+    <dgm:scene3d>
+      <a:camera prst="orthographicFront"/>
+      <a:lightRig rig="threePt" dir="t"/>
+    </dgm:scene3d>
+    <dgm:sp3d/>
+    <dgm:txPr/>
+    <dgm:style>
+      <a:lnRef idx="2">
+        <a:scrgbClr r="0" g="0" b="0"/>
+      </a:lnRef>
+      <a:fillRef idx="0">
+        <a:scrgbClr r="0" g="0" b="0"/>
+      </a:fillRef>
+      <a:effectRef idx="0">
+        <a:scrgbClr r="0" g="0" b="0"/>
+      </a:effectRef>
+      <a:fontRef idx="minor"/>
+    </dgm:style>
+  </dgm:styleLbl>
+  <dgm:styleLbl name="parChTrans1D3">
+    <dgm:scene3d>
+      <a:camera prst="orthographicFront"/>
+      <a:lightRig rig="threePt" dir="t"/>
+    </dgm:scene3d>
+    <dgm:sp3d/>
+    <dgm:txPr/>
+    <dgm:style>
+      <a:lnRef idx="2">
+        <a:scrgbClr r="0" g="0" b="0"/>
+      </a:lnRef>
+      <a:fillRef idx="0">
+        <a:scrgbClr r="0" g="0" b="0"/>
+      </a:fillRef>
+      <a:effectRef idx="0">
+        <a:scrgbClr r="0" g="0" b="0"/>
+      </a:effectRef>
+      <a:fontRef idx="minor"/>
+    </dgm:style>
+  </dgm:styleLbl>
+  <dgm:styleLbl name="parChTrans1D4">
+    <dgm:scene3d>
+      <a:camera prst="orthographicFront"/>
+      <a:lightRig rig="threePt" dir="t"/>
+    </dgm:scene3d>
+    <dgm:sp3d/>
+    <dgm:txPr/>
+    <dgm:style>
+      <a:lnRef idx="2">
+        <a:scrgbClr r="0" g="0" b="0"/>
+      </a:lnRef>
+      <a:fillRef idx="0">
+        <a:scrgbClr r="0" g="0" b="0"/>
+      </a:fillRef>
+      <a:effectRef idx="0">
+        <a:scrgbClr r="0" g="0" b="0"/>
+      </a:effectRef>
+      <a:fontRef idx="minor"/>
+    </dgm:style>
+  </dgm:styleLbl>
+  <dgm:styleLbl name="fgAcc1">
+    <dgm:scene3d>
+      <a:camera prst="orthographicFront"/>
+      <a:lightRig rig="threePt" dir="t"/>
+    </dgm:scene3d>
+    <dgm:sp3d/>
+    <dgm:txPr/>
+    <dgm:style>
+      <a:lnRef idx="2">
+        <a:scrgbClr r="0" g="0" b="0"/>
+      </a:lnRef>
+      <a:fillRef idx="1">
+        <a:scrgbClr r="0" g="0" b="0"/>
+      </a:fillRef>
+      <a:effectRef idx="0">
+        <a:scrgbClr r="0" g="0" b="0"/>
+      </a:effectRef>
+      <a:fontRef idx="minor"/>
+    </dgm:style>
+  </dgm:styleLbl>
+  <dgm:styleLbl name="conFgAcc1">
+    <dgm:scene3d>
+      <a:camera prst="orthographicFront"/>
+      <a:lightRig rig="threePt" dir="t"/>
+    </dgm:scene3d>
+    <dgm:sp3d/>
+    <dgm:txPr/>
+    <dgm:style>
+      <a:lnRef idx="2">
+        <a:scrgbClr r="0" g="0" b="0"/>
+      </a:lnRef>
+      <a:fillRef idx="1">
+        <a:scrgbClr r="0" g="0" b="0"/>
+      </a:fillRef>
+      <a:effectRef idx="0">
+        <a:scrgbClr r="0" g="0" b="0"/>
+      </a:effectRef>
+      <a:fontRef idx="minor"/>
+    </dgm:style>
+  </dgm:styleLbl>
+  <dgm:styleLbl name="alignAcc1">
+    <dgm:scene3d>
+      <a:camera prst="orthographicFront"/>
+      <a:lightRig rig="threePt" dir="t"/>
+    </dgm:scene3d>
+    <dgm:sp3d/>
+    <dgm:txPr/>
+    <dgm:style>
+      <a:lnRef idx="2">
+        <a:scrgbClr r="0" g="0" b="0"/>
+      </a:lnRef>
+      <a:fillRef idx="1">
+        <a:scrgbClr r="0" g="0" b="0"/>
+      </a:fillRef>
+      <a:effectRef idx="0">
+        <a:scrgbClr r="0" g="0" b="0"/>
+      </a:effectRef>
+      <a:fontRef idx="minor"/>
+    </dgm:style>
+  </dgm:styleLbl>
+  <dgm:styleLbl name="trAlignAcc1">
+    <dgm:scene3d>
+      <a:camera prst="orthographicFront"/>
+      <a:lightRig rig="threePt" dir="t"/>
+    </dgm:scene3d>
+    <dgm:sp3d/>
+    <dgm:txPr/>
+    <dgm:style>
+      <a:lnRef idx="1">
+        <a:scrgbClr r="0" g="0" b="0"/>
+      </a:lnRef>
+      <a:fillRef idx="1">
+        <a:scrgbClr r="0" g="0" b="0"/>
+      </a:fillRef>
+      <a:effectRef idx="0">
+        <a:scrgbClr r="0" g="0" b="0"/>
+      </a:effectRef>
+      <a:fontRef idx="minor"/>
+    </dgm:style>
+  </dgm:styleLbl>
+  <dgm:styleLbl name="bgAcc1">
+    <dgm:scene3d>
+      <a:camera prst="orthographicFront"/>
+      <a:lightRig rig="threePt" dir="t"/>
+    </dgm:scene3d>
+    <dgm:sp3d/>
+    <dgm:txPr/>
+    <dgm:style>
+      <a:lnRef idx="2">
+        <a:scrgbClr r="0" g="0" b="0"/>
+      </a:lnRef>
+      <a:fillRef idx="1">
+        <a:scrgbClr r="0" g="0" b="0"/>
+      </a:fillRef>
+      <a:effectRef idx="0">
+        <a:scrgbClr r="0" g="0" b="0"/>
+      </a:effectRef>
+      <a:fontRef idx="minor"/>
+    </dgm:style>
+  </dgm:styleLbl>
+  <dgm:styleLbl name="solidFgAcc1">
+    <dgm:scene3d>
+      <a:camera prst="orthographicFront"/>
+      <a:lightRig rig="threePt" dir="t"/>
+    </dgm:scene3d>
+    <dgm:sp3d/>
+    <dgm:txPr/>
+    <dgm:style>
+      <a:lnRef idx="2">
+        <a:scrgbClr r="0" g="0" b="0"/>
+      </a:lnRef>
+      <a:fillRef idx="1">
+        <a:scrgbClr r="0" g="0" b="0"/>
+      </a:fillRef>
+      <a:effectRef idx="0">
+        <a:scrgbClr r="0" g="0" b="0"/>
+      </a:effectRef>
+      <a:fontRef idx="minor"/>
+    </dgm:style>
+  </dgm:styleLbl>
+  <dgm:styleLbl name="solidAlignAcc1">
+    <dgm:scene3d>
+      <a:camera prst="orthographicFront"/>
+      <a:lightRig rig="threePt" dir="t"/>
+    </dgm:scene3d>
+    <dgm:sp3d/>
+    <dgm:txPr/>
+    <dgm:style>
+      <a:lnRef idx="2">
+        <a:scrgbClr r="0" g="0" b="0"/>
+      </a:lnRef>
+      <a:fillRef idx="1">
+        <a:scrgbClr r="0" g="0" b="0"/>
+      </a:fillRef>
+      <a:effectRef idx="0">
+        <a:scrgbClr r="0" g="0" b="0"/>
+      </a:effectRef>
+      <a:fontRef idx="minor"/>
+    </dgm:style>
+  </dgm:styleLbl>
+  <dgm:styleLbl name="solidBgAcc1">
+    <dgm:scene3d>
+      <a:camera prst="orthographicFront"/>
+      <a:lightRig rig="threePt" dir="t"/>
+    </dgm:scene3d>
+    <dgm:sp3d/>
+    <dgm:txPr/>
+    <dgm:style>
+      <a:lnRef idx="2">
+        <a:scrgbClr r="0" g="0" b="0"/>
+      </a:lnRef>
+      <a:fillRef idx="1">
+        <a:scrgbClr r="0" g="0" b="0"/>
+      </a:fillRef>
+      <a:effectRef idx="0">
+        <a:scrgbClr r="0" g="0" b="0"/>
+      </a:effectRef>
+      <a:fontRef idx="minor"/>
+    </dgm:style>
+  </dgm:styleLbl>
+  <dgm:styleLbl name="fgAccFollowNode1">
+    <dgm:scene3d>
+      <a:camera prst="orthographicFront"/>
+      <a:lightRig rig="threePt" dir="t"/>
+    </dgm:scene3d>
+    <dgm:sp3d/>
+    <dgm:txPr/>
+    <dgm:style>
+      <a:lnRef idx="2">
+        <a:scrgbClr r="0" g="0" b="0"/>
+      </a:lnRef>
+      <a:fillRef idx="1">
+        <a:scrgbClr r="0" g="0" b="0"/>
+      </a:fillRef>
+      <a:effectRef idx="0">
+        <a:scrgbClr r="0" g="0" b="0"/>
+      </a:effectRef>
+      <a:fontRef idx="minor"/>
+    </dgm:style>
+  </dgm:styleLbl>
+  <dgm:styleLbl name="alignAccFollowNode1">
+    <dgm:scene3d>
+      <a:camera prst="orthographicFront"/>
+      <a:lightRig rig="threePt" dir="t"/>
+    </dgm:scene3d>
+    <dgm:sp3d/>
+    <dgm:txPr/>
+    <dgm:style>
+      <a:lnRef idx="2">
+        <a:scrgbClr r="0" g="0" b="0"/>
+      </a:lnRef>
+      <a:fillRef idx="1">
+        <a:scrgbClr r="0" g="0" b="0"/>
+      </a:fillRef>
+      <a:effectRef idx="0">
+        <a:scrgbClr r="0" g="0" b="0"/>
+      </a:effectRef>
+      <a:fontRef idx="minor"/>
+    </dgm:style>
+  </dgm:styleLbl>
+  <dgm:styleLbl name="bgAccFollowNode1">
+    <dgm:scene3d>
+      <a:camera prst="orthographicFront"/>
+      <a:lightRig rig="threePt" dir="t"/>
+    </dgm:scene3d>
+    <dgm:sp3d/>
+    <dgm:txPr/>
+    <dgm:style>
+      <a:lnRef idx="2">
+        <a:scrgbClr r="0" g="0" b="0"/>
+      </a:lnRef>
+      <a:fillRef idx="1">
+        <a:scrgbClr r="0" g="0" b="0"/>
+      </a:fillRef>
+      <a:effectRef idx="0">
+        <a:scrgbClr r="0" g="0" b="0"/>
+      </a:effectRef>
+      <a:fontRef idx="minor"/>
+    </dgm:style>
+  </dgm:styleLbl>
+  <dgm:styleLbl name="fgAcc0">
+    <dgm:scene3d>
+      <a:camera prst="orthographicFront"/>
+      <a:lightRig rig="threePt" dir="t"/>
+    </dgm:scene3d>
+    <dgm:sp3d/>
+    <dgm:txPr/>
+    <dgm:style>
+      <a:lnRef idx="2">
+        <a:scrgbClr r="0" g="0" b="0"/>
+      </a:lnRef>
+      <a:fillRef idx="1">
+        <a:scrgbClr r="0" g="0" b="0"/>
+      </a:fillRef>
+      <a:effectRef idx="0">
+        <a:scrgbClr r="0" g="0" b="0"/>
+      </a:effectRef>
+      <a:fontRef idx="minor"/>
+    </dgm:style>
+  </dgm:styleLbl>
+  <dgm:styleLbl name="fgAcc2">
+    <dgm:scene3d>
+      <a:camera prst="orthographicFront"/>
+      <a:lightRig rig="threePt" dir="t"/>
+    </dgm:scene3d>
+    <dgm:sp3d/>
+    <dgm:txPr/>
+    <dgm:style>
+      <a:lnRef idx="2">
+        <a:scrgbClr r="0" g="0" b="0"/>
+      </a:lnRef>
+      <a:fillRef idx="1">
+        <a:scrgbClr r="0" g="0" b="0"/>
+      </a:fillRef>
+      <a:effectRef idx="0">
+        <a:scrgbClr r="0" g="0" b="0"/>
+      </a:effectRef>
+      <a:fontRef idx="minor"/>
+    </dgm:style>
+  </dgm:styleLbl>
+  <dgm:styleLbl name="fgAcc3">
+    <dgm:scene3d>
+      <a:camera prst="orthographicFront"/>
+      <a:lightRig rig="threePt" dir="t"/>
+    </dgm:scene3d>
+    <dgm:sp3d/>
+    <dgm:txPr/>
+    <dgm:style>
+      <a:lnRef idx="2">
+        <a:scrgbClr r="0" g="0" b="0"/>
+      </a:lnRef>
+      <a:fillRef idx="1">
+        <a:scrgbClr r="0" g="0" b="0"/>
+      </a:fillRef>
+      <a:effectRef idx="0">
+        <a:scrgbClr r="0" g="0" b="0"/>
+      </a:effectRef>
+      <a:fontRef idx="minor"/>
+    </dgm:style>
+  </dgm:styleLbl>
+  <dgm:styleLbl name="fgAcc4">
+    <dgm:scene3d>
+      <a:camera prst="orthographicFront"/>
+      <a:lightRig rig="threePt" dir="t"/>
+    </dgm:scene3d>
+    <dgm:sp3d/>
+    <dgm:txPr/>
+    <dgm:style>
+      <a:lnRef idx="2">
+        <a:scrgbClr r="0" g="0" b="0"/>
+      </a:lnRef>
+      <a:fillRef idx="1">
+        <a:scrgbClr r="0" g="0" b="0"/>
+      </a:fillRef>
+      <a:effectRef idx="0">
+        <a:scrgbClr r="0" g="0" b="0"/>
+      </a:effectRef>
+      <a:fontRef idx="minor"/>
+    </dgm:style>
+  </dgm:styleLbl>
+  <dgm:styleLbl name="bgShp">
+    <dgm:scene3d>
+      <a:camera prst="orthographicFront"/>
+      <a:lightRig rig="threePt" dir="t"/>
+    </dgm:scene3d>
+    <dgm:sp3d/>
+    <dgm:txPr/>
+    <dgm:style>
+      <a:lnRef idx="0">
+        <a:scrgbClr r="0" g="0" b="0"/>
+      </a:lnRef>
+      <a:fillRef idx="1">
+        <a:scrgbClr r="0" g="0" b="0"/>
+      </a:fillRef>
+      <a:effectRef idx="0">
+        <a:scrgbClr r="0" g="0" b="0"/>
+      </a:effectRef>
+      <a:fontRef idx="minor"/>
+    </dgm:style>
+  </dgm:styleLbl>
+  <dgm:styleLbl name="dkBgShp">
+    <dgm:scene3d>
+      <a:camera prst="orthographicFront"/>
+      <a:lightRig rig="threePt" dir="t"/>
+    </dgm:scene3d>
+    <dgm:sp3d/>
+    <dgm:txPr/>
+    <dgm:style>
+      <a:lnRef idx="0">
+        <a:scrgbClr r="0" g="0" b="0"/>
+      </a:lnRef>
+      <a:fillRef idx="1">
+        <a:scrgbClr r="0" g="0" b="0"/>
+      </a:fillRef>
+      <a:effectRef idx="0">
+        <a:scrgbClr r="0" g="0" b="0"/>
+      </a:effectRef>
+      <a:fontRef idx="minor"/>
+    </dgm:style>
+  </dgm:styleLbl>
+  <dgm:styleLbl name="trBgShp">
+    <dgm:scene3d>
+      <a:camera prst="orthographicFront"/>
+      <a:lightRig rig="threePt" dir="t"/>
+    </dgm:scene3d>
+    <dgm:sp3d/>
+    <dgm:txPr/>
+    <dgm:style>
+      <a:lnRef idx="0">
+        <a:scrgbClr r="0" g="0" b="0"/>
+      </a:lnRef>
+      <a:fillRef idx="1">
+        <a:scrgbClr r="0" g="0" b="0"/>
+      </a:fillRef>
+      <a:effectRef idx="0">
+        <a:scrgbClr r="0" g="0" b="0"/>
+      </a:effectRef>
+      <a:fontRef idx="minor"/>
+    </dgm:style>
+  </dgm:styleLbl>
+  <dgm:styleLbl name="fgShp">
+    <dgm:scene3d>
+      <a:camera prst="orthographicFront"/>
+      <a:lightRig rig="threePt" dir="t"/>
+    </dgm:scene3d>
+    <dgm:sp3d/>
+    <dgm:txPr/>
+    <dgm:style>
+      <a:lnRef idx="2">
+        <a:scrgbClr r="0" g="0" b="0"/>
+      </a:lnRef>
+      <a:fillRef idx="1">
+        <a:scrgbClr r="0" g="0" b="0"/>
+      </a:fillRef>
+      <a:effectRef idx="0">
+        <a:scrgbClr r="0" g="0" b="0"/>
+      </a:effectRef>
+      <a:fontRef idx="minor"/>
+    </dgm:style>
+  </dgm:styleLbl>
+  <dgm:styleLbl name="revTx">
+    <dgm:scene3d>
+      <a:camera prst="orthographicFront"/>
+      <a:lightRig rig="threePt" dir="t"/>
+    </dgm:scene3d>
+    <dgm:sp3d/>
+    <dgm:txPr/>
+    <dgm:style>
+      <a:lnRef idx="0">
+        <a:scrgbClr r="0" g="0" b="0"/>
+      </a:lnRef>
+      <a:fillRef idx="0">
+        <a:scrgbClr r="0" g="0" b="0"/>
+      </a:fillRef>
+      <a:effectRef idx="0">
+        <a:scrgbClr r="0" g="0" b="0"/>
+      </a:effectRef>
+      <a:fontRef idx="minor"/>
+    </dgm:style>
+  </dgm:styleLbl>
+</dgm:styleDef>
+</file>
+
+<file path=ppt/notesMasters/notesMaster1.xml><?xml version="1.0" encoding="utf-8"?>
+<p:notesMaster xmlns:a="http://schemas.openxmlformats.org/drawingml/2006/main" xmlns:r="http://schemas.openxmlformats.org/officeDocument/2006/relationships" xmlns:p="http://schemas.openxmlformats.org/presentationml/2006/main">
+  <p:cSld>
+    <p:bg>
+      <p:bgRef idx="1001">
+        <a:schemeClr val="bg1"/>
+      </p:bgRef>
+    </p:bg>
+    <p:spTree>
+      <p:nvGrpSpPr>
+        <p:cNvPr id="1" name=""/>
+        <p:cNvGrpSpPr/>
+        <p:nvPr/>
+      </p:nvGrpSpPr>
+      <p:grpSpPr>
+        <a:xfrm>
+          <a:off x="0" y="0"/>
+          <a:ext cx="0" cy="0"/>
+          <a:chOff x="0" y="0"/>
+          <a:chExt cx="0" cy="0"/>
+        </a:xfrm>
+      </p:grpSpPr>
+      <p:sp>
+        <p:nvSpPr>
+          <p:cNvPr id="2" name="Header Placeholder 1"/>
+          <p:cNvSpPr>
+            <a:spLocks noGrp="1"/>
+          </p:cNvSpPr>
+          <p:nvPr>
+            <p:ph type="hdr" sz="quarter"/>
+          </p:nvPr>
+        </p:nvSpPr>
+        <p:spPr>
+          <a:xfrm>
+            <a:off x="0" y="0"/>
+            <a:ext cx="2971800" cy="458788"/>
+          </a:xfrm>
+          <a:prstGeom prst="rect">
+            <a:avLst/>
+          </a:prstGeom>
+        </p:spPr>
+        <p:txBody>
+          <a:bodyPr vert="horz" lIns="91440" tIns="45720" rIns="91440" bIns="45720" rtlCol="0"/>
+          <a:lstStyle>
+            <a:lvl1pPr algn="l">
+              <a:defRPr sz="1200"/>
+            </a:lvl1pPr>
+          </a:lstStyle>
+          <a:p>
+            <a:endParaRPr lang="en-US"/>
+          </a:p>
+        </p:txBody>
+      </p:sp>
+      <p:sp>
+        <p:nvSpPr>
+          <p:cNvPr id="3" name="Date Placeholder 2"/>
+          <p:cNvSpPr>
+            <a:spLocks noGrp="1"/>
+          </p:cNvSpPr>
+          <p:nvPr>
+            <p:ph type="dt" idx="1"/>
+          </p:nvPr>
+        </p:nvSpPr>
+        <p:spPr>
+          <a:xfrm>
+            <a:off x="3884613" y="0"/>
+            <a:ext cx="2971800" cy="458788"/>
+          </a:xfrm>
+          <a:prstGeom prst="rect">
+            <a:avLst/>
+          </a:prstGeom>
+        </p:spPr>
+        <p:txBody>
+          <a:bodyPr vert="horz" lIns="91440" tIns="45720" rIns="91440" bIns="45720" rtlCol="0"/>
+          <a:lstStyle>
+            <a:lvl1pPr algn="r">
+              <a:defRPr sz="1200"/>
+            </a:lvl1pPr>
+          </a:lstStyle>
+          <a:p>
+            <a:fld id="{5B0F8300-5ADF-476D-9D83-D0A9D89B3544}" type="datetimeFigureOut">
+              <a:rPr lang="en-US" smtClean="0"/>
+              <a:t>10/26/2022</a:t>
+            </a:fld>
+            <a:endParaRPr lang="en-US"/>
+          </a:p>
+        </p:txBody>
+      </p:sp>
+      <p:sp>
+        <p:nvSpPr>
+          <p:cNvPr id="4" name="Slide Image Placeholder 3"/>
+          <p:cNvSpPr>
+            <a:spLocks noGrp="1" noRot="1" noChangeAspect="1"/>
+          </p:cNvSpPr>
+          <p:nvPr>
+            <p:ph type="sldImg" idx="2"/>
+          </p:nvPr>
+        </p:nvSpPr>
+        <p:spPr>
+          <a:xfrm>
+            <a:off x="685800" y="1143000"/>
+            <a:ext cx="5486400" cy="3086100"/>
+          </a:xfrm>
+          <a:prstGeom prst="rect">
+            <a:avLst/>
+          </a:prstGeom>
+          <a:noFill/>
+          <a:ln w="12700">
+            <a:solidFill>
+              <a:prstClr val="black"/>
+            </a:solidFill>
+          </a:ln>
+        </p:spPr>
+        <p:txBody>
+          <a:bodyPr vert="horz" lIns="91440" tIns="45720" rIns="91440" bIns="45720" rtlCol="0" anchor="ctr"/>
+          <a:lstStyle/>
+          <a:p>
+            <a:endParaRPr lang="en-US"/>
+          </a:p>
+        </p:txBody>
+      </p:sp>
+      <p:sp>
+        <p:nvSpPr>
+          <p:cNvPr id="5" name="Notes Placeholder 4"/>
+          <p:cNvSpPr>
+            <a:spLocks noGrp="1"/>
+          </p:cNvSpPr>
+          <p:nvPr>
+            <p:ph type="body" sz="quarter" idx="3"/>
+          </p:nvPr>
+        </p:nvSpPr>
+        <p:spPr>
+          <a:xfrm>
+            <a:off x="685800" y="4400550"/>
+            <a:ext cx="5486400" cy="3600450"/>
+          </a:xfrm>
+          <a:prstGeom prst="rect">
+            <a:avLst/>
+          </a:prstGeom>
+        </p:spPr>
+        <p:txBody>
+          <a:bodyPr vert="horz" lIns="91440" tIns="45720" rIns="91440" bIns="45720" rtlCol="0"/>
+          <a:lstStyle/>
+          <a:p>
+            <a:pPr lvl="0"/>
+            <a:r>
+              <a:rPr lang="en-US"/>
+              <a:t>Click to edit Master text styles</a:t>
+            </a:r>
+          </a:p>
+          <a:p>
+            <a:pPr lvl="1"/>
+            <a:r>
+              <a:rPr lang="en-US"/>
+              <a:t>Second level</a:t>
+            </a:r>
+          </a:p>
+          <a:p>
+            <a:pPr lvl="2"/>
+            <a:r>
+              <a:rPr lang="en-US"/>
+              <a:t>Third level</a:t>
+            </a:r>
+          </a:p>
+          <a:p>
+            <a:pPr lvl="3"/>
+            <a:r>
+              <a:rPr lang="en-US"/>
+              <a:t>Fourth level</a:t>
+            </a:r>
+          </a:p>
+          <a:p>
+            <a:pPr lvl="4"/>
+            <a:r>
+              <a:rPr lang="en-US"/>
+              <a:t>Fifth level</a:t>
+            </a:r>
+          </a:p>
+        </p:txBody>
+      </p:sp>
+      <p:sp>
+        <p:nvSpPr>
+          <p:cNvPr id="6" name="Footer Placeholder 5"/>
+          <p:cNvSpPr>
+            <a:spLocks noGrp="1"/>
+          </p:cNvSpPr>
+          <p:nvPr>
+            <p:ph type="ftr" sz="quarter" idx="4"/>
+          </p:nvPr>
+        </p:nvSpPr>
+        <p:spPr>
+          <a:xfrm>
+            <a:off x="0" y="8685213"/>
+            <a:ext cx="2971800" cy="458787"/>
+          </a:xfrm>
+          <a:prstGeom prst="rect">
+            <a:avLst/>
+          </a:prstGeom>
+        </p:spPr>
+        <p:txBody>
+          <a:bodyPr vert="horz" lIns="91440" tIns="45720" rIns="91440" bIns="45720" rtlCol="0" anchor="b"/>
+          <a:lstStyle>
+            <a:lvl1pPr algn="l">
+              <a:defRPr sz="1200"/>
+            </a:lvl1pPr>
+          </a:lstStyle>
+          <a:p>
+            <a:endParaRPr lang="en-US"/>
+          </a:p>
+        </p:txBody>
+      </p:sp>
+      <p:sp>
+        <p:nvSpPr>
+          <p:cNvPr id="7" name="Slide Number Placeholder 6"/>
+          <p:cNvSpPr>
+            <a:spLocks noGrp="1"/>
+          </p:cNvSpPr>
+          <p:nvPr>
+            <p:ph type="sldNum" sz="quarter" idx="5"/>
+          </p:nvPr>
+        </p:nvSpPr>
+        <p:spPr>
+          <a:xfrm>
+            <a:off x="3884613" y="8685213"/>
+            <a:ext cx="2971800" cy="458787"/>
+          </a:xfrm>
+          <a:prstGeom prst="rect">
+            <a:avLst/>
+          </a:prstGeom>
+        </p:spPr>
+        <p:txBody>
+          <a:bodyPr vert="horz" lIns="91440" tIns="45720" rIns="91440" bIns="45720" rtlCol="0" anchor="b"/>
+          <a:lstStyle>
+            <a:lvl1pPr algn="r">
+              <a:defRPr sz="1200"/>
+            </a:lvl1pPr>
+          </a:lstStyle>
+          <a:p>
+            <a:fld id="{15963412-E8AA-48DC-A6BD-BB36BBF92CD6}" type="slidenum">
+              <a:rPr lang="en-US" smtClean="0"/>
+              <a:t>‹#›</a:t>
+            </a:fld>
+            <a:endParaRPr lang="en-US"/>
+          </a:p>
+        </p:txBody>
+      </p:sp>
+    </p:spTree>
+    <p:extLst>
+      <p:ext uri="{BB962C8B-B14F-4D97-AF65-F5344CB8AC3E}">
+        <p14:creationId xmlns:p14="http://schemas.microsoft.com/office/powerpoint/2010/main" val="3237434167"/>
+      </p:ext>
+    </p:extLst>
+  </p:cSld>
+  <p:clrMap bg1="lt1" tx1="dk1" bg2="lt2" tx2="dk2" accent1="accent1" accent2="accent2" accent3="accent3" accent4="accent4" accent5="accent5" accent6="accent6" hlink="hlink" folHlink="folHlink"/>
+  <p:notesStyle>
+    <a:lvl1pPr marL="0" algn="l" defTabSz="914400" rtl="0" eaLnBrk="1" latinLnBrk="0" hangingPunct="1">
+      <a:defRPr sz="1200" kern="1200">
+        <a:solidFill>
+          <a:schemeClr val="tx1"/>
+        </a:solidFill>
+        <a:latin typeface="+mn-lt"/>
+        <a:ea typeface="+mn-ea"/>
+        <a:cs typeface="+mn-cs"/>
+      </a:defRPr>
+    </a:lvl1pPr>
+    <a:lvl2pPr marL="457200" algn="l" defTabSz="914400" rtl="0" eaLnBrk="1" latinLnBrk="0" hangingPunct="1">
+      <a:defRPr sz="1200" kern="1200">
+        <a:solidFill>
+          <a:schemeClr val="tx1"/>
+        </a:solidFill>
+        <a:latin typeface="+mn-lt"/>
+        <a:ea typeface="+mn-ea"/>
+        <a:cs typeface="+mn-cs"/>
+      </a:defRPr>
+    </a:lvl2pPr>
+    <a:lvl3pPr marL="914400" algn="l" defTabSz="914400" rtl="0" eaLnBrk="1" latinLnBrk="0" hangingPunct="1">
+      <a:defRPr sz="1200" kern="1200">
+        <a:solidFill>
+          <a:schemeClr val="tx1"/>
+        </a:solidFill>
+        <a:latin typeface="+mn-lt"/>
+        <a:ea typeface="+mn-ea"/>
+        <a:cs typeface="+mn-cs"/>
+      </a:defRPr>
+    </a:lvl3pPr>
+    <a:lvl4pPr marL="1371600" algn="l" defTabSz="914400" rtl="0" eaLnBrk="1" latinLnBrk="0" hangingPunct="1">
+      <a:defRPr sz="1200" kern="1200">
+        <a:solidFill>
+          <a:schemeClr val="tx1"/>
+        </a:solidFill>
+        <a:latin typeface="+mn-lt"/>
+        <a:ea typeface="+mn-ea"/>
+        <a:cs typeface="+mn-cs"/>
+      </a:defRPr>
+    </a:lvl4pPr>
+    <a:lvl5pPr marL="1828800" algn="l" defTabSz="914400" rtl="0" eaLnBrk="1" latinLnBrk="0" hangingPunct="1">
+      <a:defRPr sz="1200" kern="1200">
+        <a:solidFill>
+          <a:schemeClr val="tx1"/>
+        </a:solidFill>
+        <a:latin typeface="+mn-lt"/>
+        <a:ea typeface="+mn-ea"/>
+        <a:cs typeface="+mn-cs"/>
+      </a:defRPr>
+    </a:lvl5pPr>
+    <a:lvl6pPr marL="2286000" algn="l" defTabSz="914400" rtl="0" eaLnBrk="1" latinLnBrk="0" hangingPunct="1">
+      <a:defRPr sz="1200" kern="1200">
+        <a:solidFill>
+          <a:schemeClr val="tx1"/>
+        </a:solidFill>
+        <a:latin typeface="+mn-lt"/>
+        <a:ea typeface="+mn-ea"/>
+        <a:cs typeface="+mn-cs"/>
+      </a:defRPr>
+    </a:lvl6pPr>
+    <a:lvl7pPr marL="2743200" algn="l" defTabSz="914400" rtl="0" eaLnBrk="1" latinLnBrk="0" hangingPunct="1">
+      <a:defRPr sz="1200" kern="1200">
+        <a:solidFill>
+          <a:schemeClr val="tx1"/>
+        </a:solidFill>
+        <a:latin typeface="+mn-lt"/>
+        <a:ea typeface="+mn-ea"/>
+        <a:cs typeface="+mn-cs"/>
+      </a:defRPr>
+    </a:lvl7pPr>
+    <a:lvl8pPr marL="3200400" algn="l" defTabSz="914400" rtl="0" eaLnBrk="1" latinLnBrk="0" hangingPunct="1">
+      <a:defRPr sz="1200" kern="1200">
+        <a:solidFill>
+          <a:schemeClr val="tx1"/>
+        </a:solidFill>
+        <a:latin typeface="+mn-lt"/>
+        <a:ea typeface="+mn-ea"/>
+        <a:cs typeface="+mn-cs"/>
+      </a:defRPr>
+    </a:lvl8pPr>
+    <a:lvl9pPr marL="3657600" algn="l" defTabSz="914400" rtl="0" eaLnBrk="1" latinLnBrk="0" hangingPunct="1">
+      <a:defRPr sz="1200" kern="1200">
+        <a:solidFill>
+          <a:schemeClr val="tx1"/>
+        </a:solidFill>
+        <a:latin typeface="+mn-lt"/>
+        <a:ea typeface="+mn-ea"/>
+        <a:cs typeface="+mn-cs"/>
+      </a:defRPr>
+    </a:lvl9pPr>
+  </p:notesStyle>
+</p:notesMaster>
+</file>
+
 <file path=ppt/slideLayouts/slideLayout1.xml><?xml version="1.0" encoding="utf-8"?>
 <p:sldLayout xmlns:a="http://schemas.openxmlformats.org/drawingml/2006/main" xmlns:r="http://schemas.openxmlformats.org/officeDocument/2006/relationships" xmlns:p="http://schemas.openxmlformats.org/presentationml/2006/main" type="title" preserve="1">
   <p:cSld name="Title Slide">
@@ -259,7 +4358,7 @@
           <a:p>
             <a:fld id="{00A575C4-B465-4BE3-9035-C3BD64146F6E}" type="datetimeFigureOut">
               <a:rPr lang="en-US" smtClean="0"/>
-              <a:t>10/24/2022</a:t>
+              <a:t>10/26/2022</a:t>
             </a:fld>
             <a:endParaRPr lang="en-US"/>
           </a:p>
@@ -457,7 +4556,7 @@
           <a:p>
             <a:fld id="{00A575C4-B465-4BE3-9035-C3BD64146F6E}" type="datetimeFigureOut">
               <a:rPr lang="en-US" smtClean="0"/>
-              <a:t>10/24/2022</a:t>
+              <a:t>10/26/2022</a:t>
             </a:fld>
             <a:endParaRPr lang="en-US"/>
           </a:p>
@@ -665,7 +4764,7 @@
           <a:p>
             <a:fld id="{00A575C4-B465-4BE3-9035-C3BD64146F6E}" type="datetimeFigureOut">
               <a:rPr lang="en-US" smtClean="0"/>
-              <a:t>10/24/2022</a:t>
+              <a:t>10/26/2022</a:t>
             </a:fld>
             <a:endParaRPr lang="en-US"/>
           </a:p>
@@ -863,7 +4962,7 @@
           <a:p>
             <a:fld id="{00A575C4-B465-4BE3-9035-C3BD64146F6E}" type="datetimeFigureOut">
               <a:rPr lang="en-US" smtClean="0"/>
-              <a:t>10/24/2022</a:t>
+              <a:t>10/26/2022</a:t>
             </a:fld>
             <a:endParaRPr lang="en-US"/>
           </a:p>
@@ -1138,7 +5237,7 @@
           <a:p>
             <a:fld id="{00A575C4-B465-4BE3-9035-C3BD64146F6E}" type="datetimeFigureOut">
               <a:rPr lang="en-US" smtClean="0"/>
-              <a:t>10/24/2022</a:t>
+              <a:t>10/26/2022</a:t>
             </a:fld>
             <a:endParaRPr lang="en-US"/>
           </a:p>
@@ -1403,7 +5502,7 @@
           <a:p>
             <a:fld id="{00A575C4-B465-4BE3-9035-C3BD64146F6E}" type="datetimeFigureOut">
               <a:rPr lang="en-US" smtClean="0"/>
-              <a:t>10/24/2022</a:t>
+              <a:t>10/26/2022</a:t>
             </a:fld>
             <a:endParaRPr lang="en-US"/>
           </a:p>
@@ -1815,7 +5914,7 @@
           <a:p>
             <a:fld id="{00A575C4-B465-4BE3-9035-C3BD64146F6E}" type="datetimeFigureOut">
               <a:rPr lang="en-US" smtClean="0"/>
-              <a:t>10/24/2022</a:t>
+              <a:t>10/26/2022</a:t>
             </a:fld>
             <a:endParaRPr lang="en-US"/>
           </a:p>
@@ -1956,7 +6055,7 @@
           <a:p>
             <a:fld id="{00A575C4-B465-4BE3-9035-C3BD64146F6E}" type="datetimeFigureOut">
               <a:rPr lang="en-US" smtClean="0"/>
-              <a:t>10/24/2022</a:t>
+              <a:t>10/26/2022</a:t>
             </a:fld>
             <a:endParaRPr lang="en-US"/>
           </a:p>
@@ -2069,7 +6168,7 @@
           <a:p>
             <a:fld id="{00A575C4-B465-4BE3-9035-C3BD64146F6E}" type="datetimeFigureOut">
               <a:rPr lang="en-US" smtClean="0"/>
-              <a:t>10/24/2022</a:t>
+              <a:t>10/26/2022</a:t>
             </a:fld>
             <a:endParaRPr lang="en-US"/>
           </a:p>
@@ -2380,7 +6479,7 @@
           <a:p>
             <a:fld id="{00A575C4-B465-4BE3-9035-C3BD64146F6E}" type="datetimeFigureOut">
               <a:rPr lang="en-US" smtClean="0"/>
-              <a:t>10/24/2022</a:t>
+              <a:t>10/26/2022</a:t>
             </a:fld>
             <a:endParaRPr lang="en-US"/>
           </a:p>
@@ -2668,7 +6767,7 @@
           <a:p>
             <a:fld id="{00A575C4-B465-4BE3-9035-C3BD64146F6E}" type="datetimeFigureOut">
               <a:rPr lang="en-US" smtClean="0"/>
-              <a:t>10/24/2022</a:t>
+              <a:t>10/26/2022</a:t>
             </a:fld>
             <a:endParaRPr lang="en-US"/>
           </a:p>
@@ -2909,7 +7008,7 @@
           <a:p>
             <a:fld id="{00A575C4-B465-4BE3-9035-C3BD64146F6E}" type="datetimeFigureOut">
               <a:rPr lang="en-US" smtClean="0"/>
-              <a:t>10/24/2022</a:t>
+              <a:t>10/26/2022</a:t>
             </a:fld>
             <a:endParaRPr lang="en-US"/>
           </a:p>
@@ -3328,10 +7427,10 @@
       </p:grpSpPr>
       <p:grpSp>
         <p:nvGrpSpPr>
-          <p:cNvPr id="3" name="Group 2">
+          <p:cNvPr id="9" name="Group 8">
             <a:extLst>
               <a:ext uri="{FF2B5EF4-FFF2-40B4-BE49-F238E27FC236}">
-                <a16:creationId xmlns:a16="http://schemas.microsoft.com/office/drawing/2014/main" id="{D38A8E0D-423D-3410-48E5-4FE288DB2848}"/>
+                <a16:creationId xmlns:a16="http://schemas.microsoft.com/office/drawing/2014/main" id="{3B453A38-ED75-3F48-19DD-B67B5747648D}"/>
               </a:ext>
             </a:extLst>
           </p:cNvPr>
@@ -3340,18 +7439,18 @@
         </p:nvGrpSpPr>
         <p:grpSpPr>
           <a:xfrm>
-            <a:off x="431322" y="664234"/>
-            <a:ext cx="10567356" cy="4972408"/>
-            <a:chOff x="431322" y="664234"/>
-            <a:chExt cx="10567356" cy="4972408"/>
+            <a:off x="0" y="448140"/>
+            <a:ext cx="12192000" cy="5706087"/>
+            <a:chOff x="0" y="448140"/>
+            <a:chExt cx="12192000" cy="5706087"/>
           </a:xfrm>
         </p:grpSpPr>
         <p:grpSp>
           <p:nvGrpSpPr>
-            <p:cNvPr id="16" name="Group 15">
+            <p:cNvPr id="3" name="Group 2">
               <a:extLst>
                 <a:ext uri="{FF2B5EF4-FFF2-40B4-BE49-F238E27FC236}">
-                  <a16:creationId xmlns:a16="http://schemas.microsoft.com/office/drawing/2014/main" id="{59AF8A17-7BD8-CC91-9359-D5467519833D}"/>
+                  <a16:creationId xmlns:a16="http://schemas.microsoft.com/office/drawing/2014/main" id="{D38A8E0D-423D-3410-48E5-4FE288DB2848}"/>
                 </a:ext>
               </a:extLst>
             </p:cNvPr>
@@ -3360,508 +7459,380 @@
           </p:nvGrpSpPr>
           <p:grpSpPr>
             <a:xfrm>
-              <a:off x="431322" y="664234"/>
+              <a:off x="474454" y="1181819"/>
               <a:ext cx="10567356" cy="4972408"/>
               <a:chOff x="431322" y="664234"/>
               <a:chExt cx="10567356" cy="4972408"/>
             </a:xfrm>
           </p:grpSpPr>
-          <p:cxnSp>
-            <p:nvCxnSpPr>
-              <p:cNvPr id="5" name="Straight Arrow Connector 4">
+          <p:grpSp>
+            <p:nvGrpSpPr>
+              <p:cNvPr id="16" name="Group 15">
                 <a:extLst>
                   <a:ext uri="{FF2B5EF4-FFF2-40B4-BE49-F238E27FC236}">
-                    <a16:creationId xmlns:a16="http://schemas.microsoft.com/office/drawing/2014/main" id="{E3BA2195-6AE4-768C-684F-7404D1C1EF4C}"/>
+                    <a16:creationId xmlns:a16="http://schemas.microsoft.com/office/drawing/2014/main" id="{59AF8A17-7BD8-CC91-9359-D5467519833D}"/>
                   </a:ext>
                 </a:extLst>
               </p:cNvPr>
-              <p:cNvCxnSpPr>
-                <a:cxnSpLocks/>
-              </p:cNvCxnSpPr>
+              <p:cNvGrpSpPr/>
               <p:nvPr/>
-            </p:nvCxnSpPr>
-            <p:spPr>
+            </p:nvGrpSpPr>
+            <p:grpSpPr>
               <a:xfrm>
-                <a:off x="5788325" y="1224951"/>
-                <a:ext cx="0" cy="3933645"/>
+                <a:off x="431322" y="664234"/>
+                <a:ext cx="10567356" cy="4972408"/>
+                <a:chOff x="431322" y="664234"/>
+                <a:chExt cx="10567356" cy="4972408"/>
               </a:xfrm>
-              <a:prstGeom prst="straightConnector1">
-                <a:avLst/>
-              </a:prstGeom>
-              <a:ln>
-                <a:headEnd type="triangle"/>
-                <a:tailEnd type="triangle"/>
-              </a:ln>
-            </p:spPr>
-            <p:style>
-              <a:lnRef idx="1">
-                <a:schemeClr val="accent1"/>
-              </a:lnRef>
-              <a:fillRef idx="0">
-                <a:schemeClr val="accent1"/>
-              </a:fillRef>
-              <a:effectRef idx="0">
-                <a:schemeClr val="accent1"/>
-              </a:effectRef>
-              <a:fontRef idx="minor">
-                <a:schemeClr val="tx1"/>
-              </a:fontRef>
-            </p:style>
-          </p:cxnSp>
-          <p:cxnSp>
-            <p:nvCxnSpPr>
-              <p:cNvPr id="7" name="Straight Arrow Connector 6">
-                <a:extLst>
-                  <a:ext uri="{FF2B5EF4-FFF2-40B4-BE49-F238E27FC236}">
-                    <a16:creationId xmlns:a16="http://schemas.microsoft.com/office/drawing/2014/main" id="{BED6EBF6-020D-381A-912C-EDF47C3A297A}"/>
-                  </a:ext>
-                </a:extLst>
-              </p:cNvPr>
-              <p:cNvCxnSpPr>
-                <a:cxnSpLocks/>
-              </p:cNvCxnSpPr>
-              <p:nvPr/>
-            </p:nvCxnSpPr>
-            <p:spPr>
-              <a:xfrm>
-                <a:off x="2493034" y="3183147"/>
-                <a:ext cx="6418053" cy="0"/>
-              </a:xfrm>
-              <a:prstGeom prst="straightConnector1">
-                <a:avLst/>
-              </a:prstGeom>
-              <a:ln>
-                <a:headEnd type="triangle"/>
-                <a:tailEnd type="triangle"/>
-              </a:ln>
-            </p:spPr>
-            <p:style>
-              <a:lnRef idx="1">
-                <a:schemeClr val="accent1"/>
-              </a:lnRef>
-              <a:fillRef idx="0">
-                <a:schemeClr val="accent1"/>
-              </a:fillRef>
-              <a:effectRef idx="0">
-                <a:schemeClr val="accent1"/>
-              </a:effectRef>
-              <a:fontRef idx="minor">
-                <a:schemeClr val="tx1"/>
-              </a:fontRef>
-            </p:style>
-          </p:cxnSp>
-          <p:sp>
-            <p:nvSpPr>
-              <p:cNvPr id="12" name="Rectangle 11">
-                <a:extLst>
-                  <a:ext uri="{FF2B5EF4-FFF2-40B4-BE49-F238E27FC236}">
-                    <a16:creationId xmlns:a16="http://schemas.microsoft.com/office/drawing/2014/main" id="{46B1A9A1-D9C9-C0B5-95B2-99EFF214EA67}"/>
-                  </a:ext>
-                </a:extLst>
-              </p:cNvPr>
-              <p:cNvSpPr/>
-              <p:nvPr/>
-            </p:nvSpPr>
-            <p:spPr>
-              <a:xfrm>
-                <a:off x="431322" y="2872596"/>
-                <a:ext cx="1940934" cy="556404"/>
-              </a:xfrm>
-              <a:prstGeom prst="rect">
-                <a:avLst/>
-              </a:prstGeom>
-              <a:solidFill>
-                <a:schemeClr val="accent5">
-                  <a:lumMod val="40000"/>
-                  <a:lumOff val="60000"/>
-                </a:schemeClr>
-              </a:solidFill>
-            </p:spPr>
-            <p:style>
-              <a:lnRef idx="2">
-                <a:schemeClr val="accent1">
-                  <a:shade val="50000"/>
-                </a:schemeClr>
-              </a:lnRef>
-              <a:fillRef idx="1">
-                <a:schemeClr val="accent1"/>
-              </a:fillRef>
-              <a:effectRef idx="0">
-                <a:schemeClr val="accent1"/>
-              </a:effectRef>
-              <a:fontRef idx="minor">
-                <a:schemeClr val="lt1"/>
-              </a:fontRef>
-            </p:style>
-            <p:txBody>
-              <a:bodyPr rtlCol="0" anchor="ctr"/>
-              <a:lstStyle/>
-              <a:p>
-                <a:pPr algn="ctr"/>
-                <a:r>
-                  <a:rPr lang="en-IN" dirty="0">
+            </p:grpSpPr>
+            <p:cxnSp>
+              <p:nvCxnSpPr>
+                <p:cNvPr id="5" name="Straight Arrow Connector 4">
+                  <a:extLst>
+                    <a:ext uri="{FF2B5EF4-FFF2-40B4-BE49-F238E27FC236}">
+                      <a16:creationId xmlns:a16="http://schemas.microsoft.com/office/drawing/2014/main" id="{E3BA2195-6AE4-768C-684F-7404D1C1EF4C}"/>
+                    </a:ext>
+                  </a:extLst>
+                </p:cNvPr>
+                <p:cNvCxnSpPr>
+                  <a:cxnSpLocks/>
+                </p:cNvCxnSpPr>
+                <p:nvPr/>
+              </p:nvCxnSpPr>
+              <p:spPr>
+                <a:xfrm>
+                  <a:off x="5788325" y="1224951"/>
+                  <a:ext cx="0" cy="3933645"/>
+                </a:xfrm>
+                <a:prstGeom prst="straightConnector1">
+                  <a:avLst/>
+                </a:prstGeom>
+                <a:ln>
+                  <a:headEnd type="triangle"/>
+                  <a:tailEnd type="triangle"/>
+                </a:ln>
+              </p:spPr>
+              <p:style>
+                <a:lnRef idx="1">
+                  <a:schemeClr val="accent1"/>
+                </a:lnRef>
+                <a:fillRef idx="0">
+                  <a:schemeClr val="accent1"/>
+                </a:fillRef>
+                <a:effectRef idx="0">
+                  <a:schemeClr val="accent1"/>
+                </a:effectRef>
+                <a:fontRef idx="minor">
+                  <a:schemeClr val="tx1"/>
+                </a:fontRef>
+              </p:style>
+            </p:cxnSp>
+            <p:cxnSp>
+              <p:nvCxnSpPr>
+                <p:cNvPr id="7" name="Straight Arrow Connector 6">
+                  <a:extLst>
+                    <a:ext uri="{FF2B5EF4-FFF2-40B4-BE49-F238E27FC236}">
+                      <a16:creationId xmlns:a16="http://schemas.microsoft.com/office/drawing/2014/main" id="{BED6EBF6-020D-381A-912C-EDF47C3A297A}"/>
+                    </a:ext>
+                  </a:extLst>
+                </p:cNvPr>
+                <p:cNvCxnSpPr>
+                  <a:cxnSpLocks/>
+                </p:cNvCxnSpPr>
+                <p:nvPr/>
+              </p:nvCxnSpPr>
+              <p:spPr>
+                <a:xfrm>
+                  <a:off x="2493034" y="3183147"/>
+                  <a:ext cx="6418053" cy="0"/>
+                </a:xfrm>
+                <a:prstGeom prst="straightConnector1">
+                  <a:avLst/>
+                </a:prstGeom>
+                <a:ln>
+                  <a:headEnd type="triangle"/>
+                  <a:tailEnd type="triangle"/>
+                </a:ln>
+              </p:spPr>
+              <p:style>
+                <a:lnRef idx="1">
+                  <a:schemeClr val="accent1"/>
+                </a:lnRef>
+                <a:fillRef idx="0">
+                  <a:schemeClr val="accent1"/>
+                </a:fillRef>
+                <a:effectRef idx="0">
+                  <a:schemeClr val="accent1"/>
+                </a:effectRef>
+                <a:fontRef idx="minor">
+                  <a:schemeClr val="tx1"/>
+                </a:fontRef>
+              </p:style>
+            </p:cxnSp>
+            <p:sp>
+              <p:nvSpPr>
+                <p:cNvPr id="12" name="Rectangle 11">
+                  <a:extLst>
+                    <a:ext uri="{FF2B5EF4-FFF2-40B4-BE49-F238E27FC236}">
+                      <a16:creationId xmlns:a16="http://schemas.microsoft.com/office/drawing/2014/main" id="{46B1A9A1-D9C9-C0B5-95B2-99EFF214EA67}"/>
+                    </a:ext>
+                  </a:extLst>
+                </p:cNvPr>
+                <p:cNvSpPr/>
+                <p:nvPr/>
+              </p:nvSpPr>
+              <p:spPr>
+                <a:xfrm>
+                  <a:off x="431322" y="2872596"/>
+                  <a:ext cx="1940934" cy="556404"/>
+                </a:xfrm>
+                <a:prstGeom prst="rect">
+                  <a:avLst/>
+                </a:prstGeom>
+                <a:solidFill>
+                  <a:schemeClr val="accent5">
+                    <a:lumMod val="40000"/>
+                    <a:lumOff val="60000"/>
+                  </a:schemeClr>
+                </a:solidFill>
+              </p:spPr>
+              <p:style>
+                <a:lnRef idx="2">
+                  <a:schemeClr val="accent1">
+                    <a:shade val="50000"/>
+                  </a:schemeClr>
+                </a:lnRef>
+                <a:fillRef idx="1">
+                  <a:schemeClr val="accent1"/>
+                </a:fillRef>
+                <a:effectRef idx="0">
+                  <a:schemeClr val="accent1"/>
+                </a:effectRef>
+                <a:fontRef idx="minor">
+                  <a:schemeClr val="lt1"/>
+                </a:fontRef>
+              </p:style>
+              <p:txBody>
+                <a:bodyPr rtlCol="0" anchor="ctr"/>
+                <a:lstStyle/>
+                <a:p>
+                  <a:pPr algn="ctr"/>
+                  <a:r>
+                    <a:rPr lang="en-IN" dirty="0">
+                      <a:solidFill>
+                        <a:schemeClr val="tx1"/>
+                      </a:solidFill>
+                    </a:rPr>
+                    <a:t>Engineering</a:t>
+                  </a:r>
+                </a:p>
+                <a:p>
+                  <a:pPr algn="ctr"/>
+                  <a:r>
+                    <a:rPr lang="en-IN" dirty="0">
+                      <a:solidFill>
+                        <a:schemeClr val="tx1"/>
+                      </a:solidFill>
+                    </a:rPr>
+                    <a:t>Focussed</a:t>
+                  </a:r>
+                  <a:endParaRPr lang="en-US" dirty="0">
                     <a:solidFill>
                       <a:schemeClr val="tx1"/>
                     </a:solidFill>
-                  </a:rPr>
-                  <a:t>Engineering</a:t>
-                </a:r>
-              </a:p>
-              <a:p>
-                <a:pPr algn="ctr"/>
-                <a:r>
-                  <a:rPr lang="en-IN" dirty="0">
+                  </a:endParaRPr>
+                </a:p>
+              </p:txBody>
+            </p:sp>
+            <p:sp>
+              <p:nvSpPr>
+                <p:cNvPr id="13" name="Rectangle 12">
+                  <a:extLst>
+                    <a:ext uri="{FF2B5EF4-FFF2-40B4-BE49-F238E27FC236}">
+                      <a16:creationId xmlns:a16="http://schemas.microsoft.com/office/drawing/2014/main" id="{8C555F77-A0F1-4197-AB21-FD1DE71B586A}"/>
+                    </a:ext>
+                  </a:extLst>
+                </p:cNvPr>
+                <p:cNvSpPr/>
+                <p:nvPr/>
+              </p:nvSpPr>
+              <p:spPr>
+                <a:xfrm>
+                  <a:off x="9204395" y="2872596"/>
+                  <a:ext cx="1794283" cy="556400"/>
+                </a:xfrm>
+                <a:prstGeom prst="rect">
+                  <a:avLst/>
+                </a:prstGeom>
+                <a:solidFill>
+                  <a:schemeClr val="accent5">
+                    <a:lumMod val="40000"/>
+                    <a:lumOff val="60000"/>
+                  </a:schemeClr>
+                </a:solidFill>
+              </p:spPr>
+              <p:style>
+                <a:lnRef idx="2">
+                  <a:schemeClr val="accent1">
+                    <a:shade val="50000"/>
+                  </a:schemeClr>
+                </a:lnRef>
+                <a:fillRef idx="1">
+                  <a:schemeClr val="accent1"/>
+                </a:fillRef>
+                <a:effectRef idx="0">
+                  <a:schemeClr val="accent1"/>
+                </a:effectRef>
+                <a:fontRef idx="minor">
+                  <a:schemeClr val="lt1"/>
+                </a:fontRef>
+              </p:style>
+              <p:txBody>
+                <a:bodyPr rtlCol="0" anchor="ctr"/>
+                <a:lstStyle/>
+                <a:p>
+                  <a:pPr algn="ctr"/>
+                  <a:r>
+                    <a:rPr lang="en-IN" dirty="0">
+                      <a:solidFill>
+                        <a:schemeClr val="tx1"/>
+                      </a:solidFill>
+                    </a:rPr>
+                    <a:t>Business Focussed</a:t>
+                  </a:r>
+                  <a:endParaRPr lang="en-US" dirty="0">
                     <a:solidFill>
                       <a:schemeClr val="tx1"/>
                     </a:solidFill>
-                  </a:rPr>
-                  <a:t>Focussed</a:t>
-                </a:r>
-                <a:endParaRPr lang="en-US" dirty="0">
-                  <a:solidFill>
-                    <a:schemeClr val="tx1"/>
-                  </a:solidFill>
-                </a:endParaRPr>
-              </a:p>
-            </p:txBody>
-          </p:sp>
-          <p:sp>
-            <p:nvSpPr>
-              <p:cNvPr id="13" name="Rectangle 12">
+                  </a:endParaRPr>
+                </a:p>
+              </p:txBody>
+            </p:sp>
+            <p:sp>
+              <p:nvSpPr>
+                <p:cNvPr id="14" name="Rectangle 13">
+                  <a:extLst>
+                    <a:ext uri="{FF2B5EF4-FFF2-40B4-BE49-F238E27FC236}">
+                      <a16:creationId xmlns:a16="http://schemas.microsoft.com/office/drawing/2014/main" id="{1C47ABA2-7BD6-7699-CEBD-A01988CC67C0}"/>
+                    </a:ext>
+                  </a:extLst>
+                </p:cNvPr>
+                <p:cNvSpPr/>
+                <p:nvPr/>
+              </p:nvSpPr>
+              <p:spPr>
+                <a:xfrm>
+                  <a:off x="4899804" y="5275772"/>
+                  <a:ext cx="1777042" cy="360870"/>
+                </a:xfrm>
+                <a:prstGeom prst="rect">
+                  <a:avLst/>
+                </a:prstGeom>
+                <a:solidFill>
+                  <a:schemeClr val="accent5">
+                    <a:lumMod val="40000"/>
+                    <a:lumOff val="60000"/>
+                  </a:schemeClr>
+                </a:solidFill>
+              </p:spPr>
+              <p:style>
+                <a:lnRef idx="2">
+                  <a:schemeClr val="accent1">
+                    <a:shade val="50000"/>
+                  </a:schemeClr>
+                </a:lnRef>
+                <a:fillRef idx="1">
+                  <a:schemeClr val="accent1"/>
+                </a:fillRef>
+                <a:effectRef idx="0">
+                  <a:schemeClr val="accent1"/>
+                </a:effectRef>
+                <a:fontRef idx="minor">
+                  <a:schemeClr val="lt1"/>
+                </a:fontRef>
+              </p:style>
+              <p:txBody>
+                <a:bodyPr rtlCol="0" anchor="ctr"/>
+                <a:lstStyle/>
+                <a:p>
+                  <a:pPr algn="ctr"/>
+                  <a:r>
+                    <a:rPr lang="en-IN" dirty="0">
+                      <a:solidFill>
+                        <a:schemeClr val="tx1"/>
+                      </a:solidFill>
+                    </a:rPr>
+                    <a:t>Low Abstraction</a:t>
+                  </a:r>
+                </a:p>
+              </p:txBody>
+            </p:sp>
+            <p:sp>
+              <p:nvSpPr>
+                <p:cNvPr id="15" name="Rectangle 14">
+                  <a:extLst>
+                    <a:ext uri="{FF2B5EF4-FFF2-40B4-BE49-F238E27FC236}">
+                      <a16:creationId xmlns:a16="http://schemas.microsoft.com/office/drawing/2014/main" id="{30C10E15-EB2A-8D77-5C9C-C8CF90065C38}"/>
+                    </a:ext>
+                  </a:extLst>
+                </p:cNvPr>
+                <p:cNvSpPr/>
+                <p:nvPr/>
+              </p:nvSpPr>
+              <p:spPr>
+                <a:xfrm>
+                  <a:off x="4899804" y="664234"/>
+                  <a:ext cx="1777042" cy="443541"/>
+                </a:xfrm>
+                <a:prstGeom prst="rect">
+                  <a:avLst/>
+                </a:prstGeom>
+                <a:solidFill>
+                  <a:schemeClr val="accent5">
+                    <a:lumMod val="40000"/>
+                    <a:lumOff val="60000"/>
+                  </a:schemeClr>
+                </a:solidFill>
+              </p:spPr>
+              <p:style>
+                <a:lnRef idx="2">
+                  <a:schemeClr val="accent1">
+                    <a:shade val="50000"/>
+                  </a:schemeClr>
+                </a:lnRef>
+                <a:fillRef idx="1">
+                  <a:schemeClr val="accent1"/>
+                </a:fillRef>
+                <a:effectRef idx="0">
+                  <a:schemeClr val="accent1"/>
+                </a:effectRef>
+                <a:fontRef idx="minor">
+                  <a:schemeClr val="lt1"/>
+                </a:fontRef>
+              </p:style>
+              <p:txBody>
+                <a:bodyPr rtlCol="0" anchor="ctr"/>
+                <a:lstStyle/>
+                <a:p>
+                  <a:pPr algn="ctr"/>
+                  <a:r>
+                    <a:rPr lang="en-IN" dirty="0">
+                      <a:solidFill>
+                        <a:schemeClr val="tx1"/>
+                      </a:solidFill>
+                    </a:rPr>
+                    <a:t>High Abstraction</a:t>
+                  </a:r>
+                </a:p>
+              </p:txBody>
+            </p:sp>
+          </p:grpSp>
+          <p:grpSp>
+            <p:nvGrpSpPr>
+              <p:cNvPr id="2" name="Group 1">
                 <a:extLst>
                   <a:ext uri="{FF2B5EF4-FFF2-40B4-BE49-F238E27FC236}">
-                    <a16:creationId xmlns:a16="http://schemas.microsoft.com/office/drawing/2014/main" id="{8C555F77-A0F1-4197-AB21-FD1DE71B586A}"/>
-                  </a:ext>
-                </a:extLst>
-              </p:cNvPr>
-              <p:cNvSpPr/>
-              <p:nvPr/>
-            </p:nvSpPr>
-            <p:spPr>
-              <a:xfrm>
-                <a:off x="9204395" y="2872596"/>
-                <a:ext cx="1794283" cy="556400"/>
-              </a:xfrm>
-              <a:prstGeom prst="rect">
-                <a:avLst/>
-              </a:prstGeom>
-              <a:solidFill>
-                <a:schemeClr val="accent5">
-                  <a:lumMod val="40000"/>
-                  <a:lumOff val="60000"/>
-                </a:schemeClr>
-              </a:solidFill>
-            </p:spPr>
-            <p:style>
-              <a:lnRef idx="2">
-                <a:schemeClr val="accent1">
-                  <a:shade val="50000"/>
-                </a:schemeClr>
-              </a:lnRef>
-              <a:fillRef idx="1">
-                <a:schemeClr val="accent1"/>
-              </a:fillRef>
-              <a:effectRef idx="0">
-                <a:schemeClr val="accent1"/>
-              </a:effectRef>
-              <a:fontRef idx="minor">
-                <a:schemeClr val="lt1"/>
-              </a:fontRef>
-            </p:style>
-            <p:txBody>
-              <a:bodyPr rtlCol="0" anchor="ctr"/>
-              <a:lstStyle/>
-              <a:p>
-                <a:pPr algn="ctr"/>
-                <a:r>
-                  <a:rPr lang="en-IN" dirty="0">
-                    <a:solidFill>
-                      <a:schemeClr val="tx1"/>
-                    </a:solidFill>
-                  </a:rPr>
-                  <a:t>Business Focussed</a:t>
-                </a:r>
-                <a:endParaRPr lang="en-US" dirty="0">
-                  <a:solidFill>
-                    <a:schemeClr val="tx1"/>
-                  </a:solidFill>
-                </a:endParaRPr>
-              </a:p>
-            </p:txBody>
-          </p:sp>
-          <p:sp>
-            <p:nvSpPr>
-              <p:cNvPr id="14" name="Rectangle 13">
-                <a:extLst>
-                  <a:ext uri="{FF2B5EF4-FFF2-40B4-BE49-F238E27FC236}">
-                    <a16:creationId xmlns:a16="http://schemas.microsoft.com/office/drawing/2014/main" id="{1C47ABA2-7BD6-7699-CEBD-A01988CC67C0}"/>
-                  </a:ext>
-                </a:extLst>
-              </p:cNvPr>
-              <p:cNvSpPr/>
-              <p:nvPr/>
-            </p:nvSpPr>
-            <p:spPr>
-              <a:xfrm>
-                <a:off x="4899804" y="5275772"/>
-                <a:ext cx="1777042" cy="360870"/>
-              </a:xfrm>
-              <a:prstGeom prst="rect">
-                <a:avLst/>
-              </a:prstGeom>
-              <a:solidFill>
-                <a:schemeClr val="accent5">
-                  <a:lumMod val="40000"/>
-                  <a:lumOff val="60000"/>
-                </a:schemeClr>
-              </a:solidFill>
-            </p:spPr>
-            <p:style>
-              <a:lnRef idx="2">
-                <a:schemeClr val="accent1">
-                  <a:shade val="50000"/>
-                </a:schemeClr>
-              </a:lnRef>
-              <a:fillRef idx="1">
-                <a:schemeClr val="accent1"/>
-              </a:fillRef>
-              <a:effectRef idx="0">
-                <a:schemeClr val="accent1"/>
-              </a:effectRef>
-              <a:fontRef idx="minor">
-                <a:schemeClr val="lt1"/>
-              </a:fontRef>
-            </p:style>
-            <p:txBody>
-              <a:bodyPr rtlCol="0" anchor="ctr"/>
-              <a:lstStyle/>
-              <a:p>
-                <a:pPr algn="ctr"/>
-                <a:r>
-                  <a:rPr lang="en-IN" dirty="0">
-                    <a:solidFill>
-                      <a:schemeClr val="tx1"/>
-                    </a:solidFill>
-                  </a:rPr>
-                  <a:t>Low Abstraction</a:t>
-                </a:r>
-              </a:p>
-            </p:txBody>
-          </p:sp>
-          <p:sp>
-            <p:nvSpPr>
-              <p:cNvPr id="15" name="Rectangle 14">
-                <a:extLst>
-                  <a:ext uri="{FF2B5EF4-FFF2-40B4-BE49-F238E27FC236}">
-                    <a16:creationId xmlns:a16="http://schemas.microsoft.com/office/drawing/2014/main" id="{30C10E15-EB2A-8D77-5C9C-C8CF90065C38}"/>
-                  </a:ext>
-                </a:extLst>
-              </p:cNvPr>
-              <p:cNvSpPr/>
-              <p:nvPr/>
-            </p:nvSpPr>
-            <p:spPr>
-              <a:xfrm>
-                <a:off x="4899804" y="664234"/>
-                <a:ext cx="1777042" cy="443541"/>
-              </a:xfrm>
-              <a:prstGeom prst="rect">
-                <a:avLst/>
-              </a:prstGeom>
-              <a:solidFill>
-                <a:schemeClr val="accent5">
-                  <a:lumMod val="40000"/>
-                  <a:lumOff val="60000"/>
-                </a:schemeClr>
-              </a:solidFill>
-            </p:spPr>
-            <p:style>
-              <a:lnRef idx="2">
-                <a:schemeClr val="accent1">
-                  <a:shade val="50000"/>
-                </a:schemeClr>
-              </a:lnRef>
-              <a:fillRef idx="1">
-                <a:schemeClr val="accent1"/>
-              </a:fillRef>
-              <a:effectRef idx="0">
-                <a:schemeClr val="accent1"/>
-              </a:effectRef>
-              <a:fontRef idx="minor">
-                <a:schemeClr val="lt1"/>
-              </a:fontRef>
-            </p:style>
-            <p:txBody>
-              <a:bodyPr rtlCol="0" anchor="ctr"/>
-              <a:lstStyle/>
-              <a:p>
-                <a:pPr algn="ctr"/>
-                <a:r>
-                  <a:rPr lang="en-IN" dirty="0">
-                    <a:solidFill>
-                      <a:schemeClr val="tx1"/>
-                    </a:solidFill>
-                  </a:rPr>
-                  <a:t>High Abstraction</a:t>
-                </a:r>
-              </a:p>
-            </p:txBody>
-          </p:sp>
-        </p:grpSp>
-        <p:grpSp>
-          <p:nvGrpSpPr>
-            <p:cNvPr id="2" name="Group 1">
-              <a:extLst>
-                <a:ext uri="{FF2B5EF4-FFF2-40B4-BE49-F238E27FC236}">
-                  <a16:creationId xmlns:a16="http://schemas.microsoft.com/office/drawing/2014/main" id="{D3555925-4EE4-D003-C241-A3E593B74939}"/>
-                </a:ext>
-              </a:extLst>
-            </p:cNvPr>
-            <p:cNvGrpSpPr/>
-            <p:nvPr/>
-          </p:nvGrpSpPr>
-          <p:grpSpPr>
-            <a:xfrm>
-              <a:off x="1647646" y="1207699"/>
-              <a:ext cx="7936291" cy="4050821"/>
-              <a:chOff x="1647646" y="1207699"/>
-              <a:chExt cx="7936291" cy="4050821"/>
-            </a:xfrm>
-          </p:grpSpPr>
-          <p:sp>
-            <p:nvSpPr>
-              <p:cNvPr id="19" name="Rectangle: Rounded Corners 18">
-                <a:extLst>
-                  <a:ext uri="{FF2B5EF4-FFF2-40B4-BE49-F238E27FC236}">
-                    <a16:creationId xmlns:a16="http://schemas.microsoft.com/office/drawing/2014/main" id="{9C526B55-6C8D-CBBF-224D-64D097A388A8}"/>
-                  </a:ext>
-                </a:extLst>
-              </p:cNvPr>
-              <p:cNvSpPr/>
-              <p:nvPr/>
-            </p:nvSpPr>
-            <p:spPr>
-              <a:xfrm>
-                <a:off x="1647646" y="4697811"/>
-                <a:ext cx="1690776" cy="560709"/>
-              </a:xfrm>
-              <a:prstGeom prst="roundRect">
-                <a:avLst/>
-              </a:prstGeom>
-              <a:solidFill>
-                <a:schemeClr val="accent2">
-                  <a:lumMod val="40000"/>
-                  <a:lumOff val="60000"/>
-                </a:schemeClr>
-              </a:solidFill>
-            </p:spPr>
-            <p:style>
-              <a:lnRef idx="2">
-                <a:schemeClr val="accent1">
-                  <a:shade val="50000"/>
-                </a:schemeClr>
-              </a:lnRef>
-              <a:fillRef idx="1">
-                <a:schemeClr val="accent1"/>
-              </a:fillRef>
-              <a:effectRef idx="0">
-                <a:schemeClr val="accent1"/>
-              </a:effectRef>
-              <a:fontRef idx="minor">
-                <a:schemeClr val="lt1"/>
-              </a:fontRef>
-            </p:style>
-            <p:txBody>
-              <a:bodyPr rtlCol="0" anchor="ctr"/>
-              <a:lstStyle/>
-              <a:p>
-                <a:pPr algn="ctr"/>
-                <a:r>
-                  <a:rPr lang="en-IN" dirty="0">
-                    <a:solidFill>
-                      <a:schemeClr val="tx1"/>
-                    </a:solidFill>
-                  </a:rPr>
-                  <a:t>Developer Platform/API</a:t>
-                </a:r>
-                <a:endParaRPr lang="en-US" dirty="0">
-                  <a:solidFill>
-                    <a:schemeClr val="tx1"/>
-                  </a:solidFill>
-                </a:endParaRPr>
-              </a:p>
-            </p:txBody>
-          </p:sp>
-          <p:sp>
-            <p:nvSpPr>
-              <p:cNvPr id="20" name="Rectangle: Rounded Corners 19">
-                <a:extLst>
-                  <a:ext uri="{FF2B5EF4-FFF2-40B4-BE49-F238E27FC236}">
-                    <a16:creationId xmlns:a16="http://schemas.microsoft.com/office/drawing/2014/main" id="{5E8040DE-E13C-DAAE-D150-D1503039FFE7}"/>
-                  </a:ext>
-                </a:extLst>
-              </p:cNvPr>
-              <p:cNvSpPr/>
-              <p:nvPr/>
-            </p:nvSpPr>
-            <p:spPr>
-              <a:xfrm>
-                <a:off x="7366959" y="4692888"/>
-                <a:ext cx="2216978" cy="560709"/>
-              </a:xfrm>
-              <a:prstGeom prst="roundRect">
-                <a:avLst/>
-              </a:prstGeom>
-              <a:solidFill>
-                <a:schemeClr val="accent2">
-                  <a:lumMod val="40000"/>
-                  <a:lumOff val="60000"/>
-                </a:schemeClr>
-              </a:solidFill>
-            </p:spPr>
-            <p:style>
-              <a:lnRef idx="2">
-                <a:schemeClr val="accent1">
-                  <a:shade val="50000"/>
-                </a:schemeClr>
-              </a:lnRef>
-              <a:fillRef idx="1">
-                <a:schemeClr val="accent1"/>
-              </a:fillRef>
-              <a:effectRef idx="0">
-                <a:schemeClr val="accent1"/>
-              </a:effectRef>
-              <a:fontRef idx="minor">
-                <a:schemeClr val="lt1"/>
-              </a:fontRef>
-            </p:style>
-            <p:txBody>
-              <a:bodyPr rtlCol="0" anchor="ctr"/>
-              <a:lstStyle/>
-              <a:p>
-                <a:pPr algn="ctr"/>
-                <a:r>
-                  <a:rPr lang="en-IN" dirty="0">
-                    <a:solidFill>
-                      <a:schemeClr val="tx1"/>
-                    </a:solidFill>
-                  </a:rPr>
-                  <a:t>Enterprise Software in Speciality Area</a:t>
-                </a:r>
-                <a:endParaRPr lang="en-US" dirty="0">
-                  <a:solidFill>
-                    <a:schemeClr val="tx1"/>
-                  </a:solidFill>
-                </a:endParaRPr>
-              </a:p>
-            </p:txBody>
-          </p:sp>
-          <p:grpSp>
-            <p:nvGrpSpPr>
-              <p:cNvPr id="31" name="Group 30">
-                <a:extLst>
-                  <a:ext uri="{FF2B5EF4-FFF2-40B4-BE49-F238E27FC236}">
-                    <a16:creationId xmlns:a16="http://schemas.microsoft.com/office/drawing/2014/main" id="{BAB02D80-F562-3DB7-A8D1-12557814D080}"/>
+                    <a16:creationId xmlns:a16="http://schemas.microsoft.com/office/drawing/2014/main" id="{D3555925-4EE4-D003-C241-A3E593B74939}"/>
                   </a:ext>
                 </a:extLst>
               </p:cNvPr>
@@ -3871,17 +7842,17 @@
             <p:grpSpPr>
               <a:xfrm>
                 <a:off x="1647646" y="1207699"/>
-                <a:ext cx="7832784" cy="591620"/>
+                <a:ext cx="7936291" cy="4050821"/>
                 <a:chOff x="1647646" y="1207699"/>
-                <a:chExt cx="7832784" cy="591620"/>
+                <a:chExt cx="7936291" cy="4050821"/>
               </a:xfrm>
             </p:grpSpPr>
             <p:sp>
               <p:nvSpPr>
-                <p:cNvPr id="18" name="Rectangle: Rounded Corners 17">
+                <p:cNvPr id="19" name="Rectangle: Rounded Corners 18">
                   <a:extLst>
                     <a:ext uri="{FF2B5EF4-FFF2-40B4-BE49-F238E27FC236}">
-                      <a16:creationId xmlns:a16="http://schemas.microsoft.com/office/drawing/2014/main" id="{54E7F14F-FDE4-7E6E-EBDC-04B65837E072}"/>
+                      <a16:creationId xmlns:a16="http://schemas.microsoft.com/office/drawing/2014/main" id="{9C526B55-6C8D-CBBF-224D-64D097A388A8}"/>
                     </a:ext>
                   </a:extLst>
                 </p:cNvPr>
@@ -3890,7 +7861,7 @@
               </p:nvSpPr>
               <p:spPr>
                 <a:xfrm>
-                  <a:off x="1647646" y="1207699"/>
+                  <a:off x="1647646" y="4697811"/>
                   <a:ext cx="1690776" cy="560709"/>
                 </a:xfrm>
                 <a:prstGeom prst="roundRect">
@@ -3930,23 +7901,7 @@
                         <a:schemeClr val="tx1"/>
                       </a:solidFill>
                     </a:rPr>
-                    <a:t>3</a:t>
-                  </a:r>
-                  <a:r>
-                    <a:rPr lang="en-IN" baseline="30000" dirty="0">
-                      <a:solidFill>
-                        <a:schemeClr val="tx1"/>
-                      </a:solidFill>
-                    </a:rPr>
-                    <a:t>rd</a:t>
-                  </a:r>
-                  <a:r>
-                    <a:rPr lang="en-IN" dirty="0">
-                      <a:solidFill>
-                        <a:schemeClr val="tx1"/>
-                      </a:solidFill>
-                    </a:rPr>
-                    <a:t> Party Developer PM</a:t>
+                    <a:t>Developer Platform/API</a:t>
                   </a:r>
                   <a:endParaRPr lang="en-US" dirty="0">
                     <a:solidFill>
@@ -3958,10 +7913,10 @@
             </p:sp>
             <p:sp>
               <p:nvSpPr>
-                <p:cNvPr id="28" name="Rectangle: Rounded Corners 27">
+                <p:cNvPr id="20" name="Rectangle: Rounded Corners 19">
                   <a:extLst>
                     <a:ext uri="{FF2B5EF4-FFF2-40B4-BE49-F238E27FC236}">
-                      <a16:creationId xmlns:a16="http://schemas.microsoft.com/office/drawing/2014/main" id="{70C6C5AC-060B-3B7F-94C7-B964538E1486}"/>
+                      <a16:creationId xmlns:a16="http://schemas.microsoft.com/office/drawing/2014/main" id="{5E8040DE-E13C-DAAE-D150-D1503039FFE7}"/>
                     </a:ext>
                   </a:extLst>
                 </p:cNvPr>
@@ -3970,8 +7925,8 @@
               </p:nvSpPr>
               <p:spPr>
                 <a:xfrm>
-                  <a:off x="7789654" y="1238610"/>
-                  <a:ext cx="1690776" cy="560709"/>
+                  <a:off x="7366959" y="4692888"/>
+                  <a:ext cx="2216978" cy="560709"/>
                 </a:xfrm>
                 <a:prstGeom prst="roundRect">
                   <a:avLst/>
@@ -4010,7 +7965,7 @@
                         <a:schemeClr val="tx1"/>
                       </a:solidFill>
                     </a:rPr>
-                    <a:t>Growth PM</a:t>
+                    <a:t>Enterprise Software in Speciality Area</a:t>
                   </a:r>
                   <a:endParaRPr lang="en-US" dirty="0">
                     <a:solidFill>
@@ -4020,8 +7975,214 @@
                 </a:p>
               </p:txBody>
             </p:sp>
+            <p:grpSp>
+              <p:nvGrpSpPr>
+                <p:cNvPr id="31" name="Group 30">
+                  <a:extLst>
+                    <a:ext uri="{FF2B5EF4-FFF2-40B4-BE49-F238E27FC236}">
+                      <a16:creationId xmlns:a16="http://schemas.microsoft.com/office/drawing/2014/main" id="{BAB02D80-F562-3DB7-A8D1-12557814D080}"/>
+                    </a:ext>
+                  </a:extLst>
+                </p:cNvPr>
+                <p:cNvGrpSpPr/>
+                <p:nvPr/>
+              </p:nvGrpSpPr>
+              <p:grpSpPr>
+                <a:xfrm>
+                  <a:off x="1647646" y="1207699"/>
+                  <a:ext cx="7832784" cy="591620"/>
+                  <a:chOff x="1647646" y="1207699"/>
+                  <a:chExt cx="7832784" cy="591620"/>
+                </a:xfrm>
+              </p:grpSpPr>
+              <p:sp>
+                <p:nvSpPr>
+                  <p:cNvPr id="18" name="Rectangle: Rounded Corners 17">
+                    <a:extLst>
+                      <a:ext uri="{FF2B5EF4-FFF2-40B4-BE49-F238E27FC236}">
+                        <a16:creationId xmlns:a16="http://schemas.microsoft.com/office/drawing/2014/main" id="{54E7F14F-FDE4-7E6E-EBDC-04B65837E072}"/>
+                      </a:ext>
+                    </a:extLst>
+                  </p:cNvPr>
+                  <p:cNvSpPr/>
+                  <p:nvPr/>
+                </p:nvSpPr>
+                <p:spPr>
+                  <a:xfrm>
+                    <a:off x="1647646" y="1207699"/>
+                    <a:ext cx="1690776" cy="560709"/>
+                  </a:xfrm>
+                  <a:prstGeom prst="roundRect">
+                    <a:avLst/>
+                  </a:prstGeom>
+                  <a:solidFill>
+                    <a:schemeClr val="accent2">
+                      <a:lumMod val="40000"/>
+                      <a:lumOff val="60000"/>
+                    </a:schemeClr>
+                  </a:solidFill>
+                </p:spPr>
+                <p:style>
+                  <a:lnRef idx="2">
+                    <a:schemeClr val="accent1">
+                      <a:shade val="50000"/>
+                    </a:schemeClr>
+                  </a:lnRef>
+                  <a:fillRef idx="1">
+                    <a:schemeClr val="accent1"/>
+                  </a:fillRef>
+                  <a:effectRef idx="0">
+                    <a:schemeClr val="accent1"/>
+                  </a:effectRef>
+                  <a:fontRef idx="minor">
+                    <a:schemeClr val="lt1"/>
+                  </a:fontRef>
+                </p:style>
+                <p:txBody>
+                  <a:bodyPr rtlCol="0" anchor="ctr"/>
+                  <a:lstStyle/>
+                  <a:p>
+                    <a:pPr algn="ctr"/>
+                    <a:r>
+                      <a:rPr lang="en-IN" dirty="0">
+                        <a:solidFill>
+                          <a:schemeClr val="tx1"/>
+                        </a:solidFill>
+                      </a:rPr>
+                      <a:t>3</a:t>
+                    </a:r>
+                    <a:r>
+                      <a:rPr lang="en-IN" baseline="30000" dirty="0">
+                        <a:solidFill>
+                          <a:schemeClr val="tx1"/>
+                        </a:solidFill>
+                      </a:rPr>
+                      <a:t>rd</a:t>
+                    </a:r>
+                    <a:r>
+                      <a:rPr lang="en-IN" dirty="0">
+                        <a:solidFill>
+                          <a:schemeClr val="tx1"/>
+                        </a:solidFill>
+                      </a:rPr>
+                      <a:t> Party Developer PM</a:t>
+                    </a:r>
+                    <a:endParaRPr lang="en-US" dirty="0">
+                      <a:solidFill>
+                        <a:schemeClr val="tx1"/>
+                      </a:solidFill>
+                    </a:endParaRPr>
+                  </a:p>
+                </p:txBody>
+              </p:sp>
+              <p:sp>
+                <p:nvSpPr>
+                  <p:cNvPr id="28" name="Rectangle: Rounded Corners 27">
+                    <a:extLst>
+                      <a:ext uri="{FF2B5EF4-FFF2-40B4-BE49-F238E27FC236}">
+                        <a16:creationId xmlns:a16="http://schemas.microsoft.com/office/drawing/2014/main" id="{70C6C5AC-060B-3B7F-94C7-B964538E1486}"/>
+                      </a:ext>
+                    </a:extLst>
+                  </p:cNvPr>
+                  <p:cNvSpPr/>
+                  <p:nvPr/>
+                </p:nvSpPr>
+                <p:spPr>
+                  <a:xfrm>
+                    <a:off x="7789654" y="1238610"/>
+                    <a:ext cx="1690776" cy="560709"/>
+                  </a:xfrm>
+                  <a:prstGeom prst="roundRect">
+                    <a:avLst/>
+                  </a:prstGeom>
+                  <a:solidFill>
+                    <a:schemeClr val="accent2">
+                      <a:lumMod val="40000"/>
+                      <a:lumOff val="60000"/>
+                    </a:schemeClr>
+                  </a:solidFill>
+                </p:spPr>
+                <p:style>
+                  <a:lnRef idx="2">
+                    <a:schemeClr val="accent1">
+                      <a:shade val="50000"/>
+                    </a:schemeClr>
+                  </a:lnRef>
+                  <a:fillRef idx="1">
+                    <a:schemeClr val="accent1"/>
+                  </a:fillRef>
+                  <a:effectRef idx="0">
+                    <a:schemeClr val="accent1"/>
+                  </a:effectRef>
+                  <a:fontRef idx="minor">
+                    <a:schemeClr val="lt1"/>
+                  </a:fontRef>
+                </p:style>
+                <p:txBody>
+                  <a:bodyPr rtlCol="0" anchor="ctr"/>
+                  <a:lstStyle/>
+                  <a:p>
+                    <a:pPr algn="ctr"/>
+                    <a:r>
+                      <a:rPr lang="en-IN" dirty="0">
+                        <a:solidFill>
+                          <a:schemeClr val="tx1"/>
+                        </a:solidFill>
+                      </a:rPr>
+                      <a:t>Growth PM</a:t>
+                    </a:r>
+                    <a:endParaRPr lang="en-US" dirty="0">
+                      <a:solidFill>
+                        <a:schemeClr val="tx1"/>
+                      </a:solidFill>
+                    </a:endParaRPr>
+                  </a:p>
+                </p:txBody>
+              </p:sp>
+            </p:grpSp>
           </p:grpSp>
         </p:grpSp>
+        <p:sp>
+          <p:nvSpPr>
+            <p:cNvPr id="8" name="TextBox 7">
+              <a:extLst>
+                <a:ext uri="{FF2B5EF4-FFF2-40B4-BE49-F238E27FC236}">
+                  <a16:creationId xmlns:a16="http://schemas.microsoft.com/office/drawing/2014/main" id="{6E7A93E2-BAE1-4514-4209-67347024FAB1}"/>
+                </a:ext>
+              </a:extLst>
+            </p:cNvPr>
+            <p:cNvSpPr txBox="1"/>
+            <p:nvPr/>
+          </p:nvSpPr>
+          <p:spPr>
+            <a:xfrm>
+              <a:off x="0" y="448140"/>
+              <a:ext cx="12192000" cy="461665"/>
+            </a:xfrm>
+            <a:prstGeom prst="rect">
+              <a:avLst/>
+            </a:prstGeom>
+            <a:solidFill>
+              <a:schemeClr val="bg2">
+                <a:lumMod val="90000"/>
+              </a:schemeClr>
+            </a:solidFill>
+          </p:spPr>
+          <p:txBody>
+            <a:bodyPr wrap="square" rtlCol="0">
+              <a:spAutoFit/>
+            </a:bodyPr>
+            <a:lstStyle/>
+            <a:p>
+              <a:pPr algn="ctr"/>
+              <a:r>
+                <a:rPr lang="en-IN" sz="2400" b="1" dirty="0"/>
+                <a:t>What kind of Product Manager are You?</a:t>
+              </a:r>
+              <a:endParaRPr lang="en-US" sz="2400" b="1" dirty="0"/>
+            </a:p>
+          </p:txBody>
+        </p:sp>
       </p:grpSp>
     </p:spTree>
     <p:extLst>
@@ -4033,6 +8194,1314 @@
   <p:clrMapOvr>
     <a:masterClrMapping/>
   </p:clrMapOvr>
+</p:sld>
+</file>
+
+<file path=ppt/slides/slide2.xml><?xml version="1.0" encoding="utf-8"?>
+<p:sld xmlns:a="http://schemas.openxmlformats.org/drawingml/2006/main" xmlns:r="http://schemas.openxmlformats.org/officeDocument/2006/relationships" xmlns:p="http://schemas.openxmlformats.org/presentationml/2006/main">
+  <p:cSld>
+    <p:spTree>
+      <p:nvGrpSpPr>
+        <p:cNvPr id="1" name=""/>
+        <p:cNvGrpSpPr/>
+        <p:nvPr/>
+      </p:nvGrpSpPr>
+      <p:grpSpPr>
+        <a:xfrm>
+          <a:off x="0" y="0"/>
+          <a:ext cx="0" cy="0"/>
+          <a:chOff x="0" y="0"/>
+          <a:chExt cx="0" cy="0"/>
+        </a:xfrm>
+      </p:grpSpPr>
+      <p:pic>
+        <p:nvPicPr>
+          <p:cNvPr id="9" name="Picture 8"/>
+          <p:cNvPicPr>
+            <a:picLocks noChangeAspect="1"/>
+          </p:cNvPicPr>
+          <p:nvPr/>
+        </p:nvPicPr>
+        <p:blipFill>
+          <a:blip r:embed="rId2">
+            <a:extLst>
+              <a:ext uri="{28A0092B-C50C-407E-A947-70E740481C1C}">
+                <a14:useLocalDpi xmlns:a14="http://schemas.microsoft.com/office/drawing/2010/main" val="0"/>
+              </a:ext>
+            </a:extLst>
+          </a:blip>
+          <a:stretch>
+            <a:fillRect/>
+          </a:stretch>
+        </p:blipFill>
+        <p:spPr>
+          <a:xfrm>
+            <a:off x="5418635" y="2202435"/>
+            <a:ext cx="228600" cy="228600"/>
+          </a:xfrm>
+          <a:prstGeom prst="rect">
+            <a:avLst/>
+          </a:prstGeom>
+        </p:spPr>
+      </p:pic>
+      <p:pic>
+        <p:nvPicPr>
+          <p:cNvPr id="18" name="Picture 17"/>
+          <p:cNvPicPr>
+            <a:picLocks noChangeAspect="1"/>
+          </p:cNvPicPr>
+          <p:nvPr/>
+        </p:nvPicPr>
+        <p:blipFill>
+          <a:blip r:embed="rId3">
+            <a:extLst>
+              <a:ext uri="{28A0092B-C50C-407E-A947-70E740481C1C}">
+                <a14:useLocalDpi xmlns:a14="http://schemas.microsoft.com/office/drawing/2010/main" val="0"/>
+              </a:ext>
+            </a:extLst>
+          </a:blip>
+          <a:stretch>
+            <a:fillRect/>
+          </a:stretch>
+        </p:blipFill>
+        <p:spPr>
+          <a:xfrm>
+            <a:off x="5432702" y="2957447"/>
+            <a:ext cx="228600" cy="228600"/>
+          </a:xfrm>
+          <a:prstGeom prst="rect">
+            <a:avLst/>
+          </a:prstGeom>
+        </p:spPr>
+      </p:pic>
+      <p:pic>
+        <p:nvPicPr>
+          <p:cNvPr id="19" name="Picture 18"/>
+          <p:cNvPicPr>
+            <a:picLocks noChangeAspect="1"/>
+          </p:cNvPicPr>
+          <p:nvPr/>
+        </p:nvPicPr>
+        <p:blipFill>
+          <a:blip r:embed="rId4">
+            <a:extLst>
+              <a:ext uri="{28A0092B-C50C-407E-A947-70E740481C1C}">
+                <a14:useLocalDpi xmlns:a14="http://schemas.microsoft.com/office/drawing/2010/main" val="0"/>
+              </a:ext>
+            </a:extLst>
+          </a:blip>
+          <a:stretch>
+            <a:fillRect/>
+          </a:stretch>
+        </p:blipFill>
+        <p:spPr>
+          <a:xfrm>
+            <a:off x="5406950" y="3800616"/>
+            <a:ext cx="228600" cy="228600"/>
+          </a:xfrm>
+          <a:prstGeom prst="rect">
+            <a:avLst/>
+          </a:prstGeom>
+        </p:spPr>
+      </p:pic>
+      <p:grpSp>
+        <p:nvGrpSpPr>
+          <p:cNvPr id="25" name="Group 24">
+            <a:extLst>
+              <a:ext uri="{FF2B5EF4-FFF2-40B4-BE49-F238E27FC236}">
+                <a16:creationId xmlns:a16="http://schemas.microsoft.com/office/drawing/2014/main" id="{5451F1E1-85B3-A34C-EFB2-8528C72BF5E0}"/>
+              </a:ext>
+            </a:extLst>
+          </p:cNvPr>
+          <p:cNvGrpSpPr/>
+          <p:nvPr/>
+        </p:nvGrpSpPr>
+        <p:grpSpPr>
+          <a:xfrm>
+            <a:off x="0" y="1388293"/>
+            <a:ext cx="12192000" cy="4425519"/>
+            <a:chOff x="0" y="1388293"/>
+            <a:chExt cx="12192000" cy="4425519"/>
+          </a:xfrm>
+        </p:grpSpPr>
+        <p:grpSp>
+          <p:nvGrpSpPr>
+            <p:cNvPr id="23" name="Group 22">
+              <a:extLst>
+                <a:ext uri="{FF2B5EF4-FFF2-40B4-BE49-F238E27FC236}">
+                  <a16:creationId xmlns:a16="http://schemas.microsoft.com/office/drawing/2014/main" id="{DD926830-DC7F-7E41-2D0F-9EB745F633A9}"/>
+                </a:ext>
+              </a:extLst>
+            </p:cNvPr>
+            <p:cNvGrpSpPr/>
+            <p:nvPr/>
+          </p:nvGrpSpPr>
+          <p:grpSpPr>
+            <a:xfrm>
+              <a:off x="1099456" y="1749812"/>
+              <a:ext cx="7936360" cy="4064000"/>
+              <a:chOff x="1099456" y="1749812"/>
+              <a:chExt cx="7936360" cy="4064000"/>
+            </a:xfrm>
+          </p:grpSpPr>
+          <p:grpSp>
+            <p:nvGrpSpPr>
+              <p:cNvPr id="20" name="Group 19">
+                <a:extLst>
+                  <a:ext uri="{FF2B5EF4-FFF2-40B4-BE49-F238E27FC236}">
+                    <a16:creationId xmlns:a16="http://schemas.microsoft.com/office/drawing/2014/main" id="{3D3CFA44-B48F-9BE2-7F05-B6477DEB3A18}"/>
+                  </a:ext>
+                </a:extLst>
+              </p:cNvPr>
+              <p:cNvGrpSpPr/>
+              <p:nvPr/>
+            </p:nvGrpSpPr>
+            <p:grpSpPr>
+              <a:xfrm>
+                <a:off x="1099456" y="1749812"/>
+                <a:ext cx="7936360" cy="4064000"/>
+                <a:chOff x="1099456" y="1749812"/>
+                <a:chExt cx="7936360" cy="4064000"/>
+              </a:xfrm>
+            </p:grpSpPr>
+            <p:grpSp>
+              <p:nvGrpSpPr>
+                <p:cNvPr id="2" name="Group 1">
+                  <a:extLst>
+                    <a:ext uri="{FF2B5EF4-FFF2-40B4-BE49-F238E27FC236}">
+                      <a16:creationId xmlns:a16="http://schemas.microsoft.com/office/drawing/2014/main" id="{BE5C3CCE-DB5A-7276-AA41-648CFC8B9BB9}"/>
+                    </a:ext>
+                  </a:extLst>
+                </p:cNvPr>
+                <p:cNvGrpSpPr/>
+                <p:nvPr/>
+              </p:nvGrpSpPr>
+              <p:grpSpPr>
+                <a:xfrm>
+                  <a:off x="1099456" y="1749812"/>
+                  <a:ext cx="7936360" cy="4064000"/>
+                  <a:chOff x="1099456" y="1749812"/>
+                  <a:chExt cx="7936360" cy="4064000"/>
+                </a:xfrm>
+              </p:grpSpPr>
+              <p:graphicFrame>
+                <p:nvGraphicFramePr>
+                  <p:cNvPr id="7" name="Diagram 6"/>
+                  <p:cNvGraphicFramePr/>
+                  <p:nvPr>
+                    <p:extLst>
+                      <p:ext uri="{D42A27DB-BD31-4B8C-83A1-F6EECF244321}">
+                        <p14:modId xmlns:p14="http://schemas.microsoft.com/office/powerpoint/2010/main" val="3085512139"/>
+                      </p:ext>
+                    </p:extLst>
+                  </p:nvPr>
+                </p:nvGraphicFramePr>
+                <p:xfrm>
+                  <a:off x="1099456" y="1749812"/>
+                  <a:ext cx="6096000" cy="4064000"/>
+                </p:xfrm>
+                <a:graphic>
+                  <a:graphicData uri="http://schemas.openxmlformats.org/drawingml/2006/diagram">
+                    <dgm:relIds xmlns:dgm="http://schemas.openxmlformats.org/drawingml/2006/diagram" xmlns:r="http://schemas.openxmlformats.org/officeDocument/2006/relationships" r:dm="rId5" r:lo="rId6" r:qs="rId7" r:cs="rId8"/>
+                  </a:graphicData>
+                </a:graphic>
+              </p:graphicFrame>
+              <p:sp>
+                <p:nvSpPr>
+                  <p:cNvPr id="8" name="Oval 7"/>
+                  <p:cNvSpPr/>
+                  <p:nvPr/>
+                </p:nvSpPr>
+                <p:spPr>
+                  <a:xfrm>
+                    <a:off x="5258843" y="2044260"/>
+                    <a:ext cx="548640" cy="548640"/>
+                  </a:xfrm>
+                  <a:prstGeom prst="ellipse">
+                    <a:avLst/>
+                  </a:prstGeom>
+                  <a:solidFill>
+                    <a:schemeClr val="accent2"/>
+                  </a:solidFill>
+                  <a:ln>
+                    <a:noFill/>
+                  </a:ln>
+                </p:spPr>
+                <p:style>
+                  <a:lnRef idx="2">
+                    <a:schemeClr val="accent1">
+                      <a:shade val="50000"/>
+                    </a:schemeClr>
+                  </a:lnRef>
+                  <a:fillRef idx="1">
+                    <a:schemeClr val="accent1"/>
+                  </a:fillRef>
+                  <a:effectRef idx="0">
+                    <a:schemeClr val="accent1"/>
+                  </a:effectRef>
+                  <a:fontRef idx="minor">
+                    <a:schemeClr val="lt1"/>
+                  </a:fontRef>
+                </p:style>
+                <p:txBody>
+                  <a:bodyPr rtlCol="0" anchor="ctr"/>
+                  <a:lstStyle/>
+                  <a:p>
+                    <a:pPr algn="ctr"/>
+                    <a:endParaRPr lang="en-US" sz="1350"/>
+                  </a:p>
+                </p:txBody>
+              </p:sp>
+              <p:sp>
+                <p:nvSpPr>
+                  <p:cNvPr id="11" name="Rectangle 7"/>
+                  <p:cNvSpPr>
+                    <a:spLocks noChangeArrowheads="1"/>
+                  </p:cNvSpPr>
+                  <p:nvPr/>
+                </p:nvSpPr>
+                <p:spPr bwMode="auto">
+                  <a:xfrm>
+                    <a:off x="5807026" y="1921104"/>
+                    <a:ext cx="3228790" cy="398058"/>
+                  </a:xfrm>
+                  <a:prstGeom prst="rect">
+                    <a:avLst/>
+                  </a:prstGeom>
+                  <a:noFill/>
+                  <a:ln>
+                    <a:noFill/>
+                  </a:ln>
+                  <a:extLst>
+                    <a:ext uri="{909E8E84-426E-40DD-AFC4-6F175D3DCCD1}">
+                      <a14:hiddenFill xmlns:a14="http://schemas.microsoft.com/office/drawing/2010/main">
+                        <a:solidFill>
+                          <a:srgbClr val="FFFFFF"/>
+                        </a:solidFill>
+                      </a14:hiddenFill>
+                    </a:ext>
+                    <a:ext uri="{91240B29-F687-4F45-9708-019B960494DF}">
+                      <a14:hiddenLine xmlns:a14="http://schemas.microsoft.com/office/drawing/2010/main" w="9525">
+                        <a:solidFill>
+                          <a:srgbClr val="000000"/>
+                        </a:solidFill>
+                        <a:miter lim="800000"/>
+                        <a:headEnd/>
+                        <a:tailEnd/>
+                      </a14:hiddenLine>
+                    </a:ext>
+                  </a:extLst>
+                </p:spPr>
+                <p:txBody>
+                  <a:bodyPr wrap="square">
+                    <a:spAutoFit/>
+                  </a:bodyPr>
+                  <a:lstStyle>
+                    <a:lvl1pPr>
+                      <a:defRPr sz="3600">
+                        <a:solidFill>
+                          <a:schemeClr val="tx1"/>
+                        </a:solidFill>
+                        <a:latin typeface="Calibri" panose="020F0502020204030204" pitchFamily="34" charset="0"/>
+                      </a:defRPr>
+                    </a:lvl1pPr>
+                    <a:lvl2pPr marL="742950" indent="-285750">
+                      <a:defRPr sz="3600">
+                        <a:solidFill>
+                          <a:schemeClr val="tx1"/>
+                        </a:solidFill>
+                        <a:latin typeface="Calibri" panose="020F0502020204030204" pitchFamily="34" charset="0"/>
+                      </a:defRPr>
+                    </a:lvl2pPr>
+                    <a:lvl3pPr marL="1143000" indent="-228600">
+                      <a:defRPr sz="3600">
+                        <a:solidFill>
+                          <a:schemeClr val="tx1"/>
+                        </a:solidFill>
+                        <a:latin typeface="Calibri" panose="020F0502020204030204" pitchFamily="34" charset="0"/>
+                      </a:defRPr>
+                    </a:lvl3pPr>
+                    <a:lvl4pPr marL="1600200" indent="-228600">
+                      <a:defRPr sz="3600">
+                        <a:solidFill>
+                          <a:schemeClr val="tx1"/>
+                        </a:solidFill>
+                        <a:latin typeface="Calibri" panose="020F0502020204030204" pitchFamily="34" charset="0"/>
+                      </a:defRPr>
+                    </a:lvl4pPr>
+                    <a:lvl5pPr marL="2057400" indent="-228600">
+                      <a:defRPr sz="3600">
+                        <a:solidFill>
+                          <a:schemeClr val="tx1"/>
+                        </a:solidFill>
+                        <a:latin typeface="Calibri" panose="020F0502020204030204" pitchFamily="34" charset="0"/>
+                      </a:defRPr>
+                    </a:lvl5pPr>
+                    <a:lvl6pPr marL="2514600" indent="-228600" defTabSz="1827213" fontAlgn="base">
+                      <a:spcBef>
+                        <a:spcPct val="0"/>
+                      </a:spcBef>
+                      <a:spcAft>
+                        <a:spcPct val="0"/>
+                      </a:spcAft>
+                      <a:defRPr sz="3600">
+                        <a:solidFill>
+                          <a:schemeClr val="tx1"/>
+                        </a:solidFill>
+                        <a:latin typeface="Calibri" panose="020F0502020204030204" pitchFamily="34" charset="0"/>
+                      </a:defRPr>
+                    </a:lvl6pPr>
+                    <a:lvl7pPr marL="2971800" indent="-228600" defTabSz="1827213" fontAlgn="base">
+                      <a:spcBef>
+                        <a:spcPct val="0"/>
+                      </a:spcBef>
+                      <a:spcAft>
+                        <a:spcPct val="0"/>
+                      </a:spcAft>
+                      <a:defRPr sz="3600">
+                        <a:solidFill>
+                          <a:schemeClr val="tx1"/>
+                        </a:solidFill>
+                        <a:latin typeface="Calibri" panose="020F0502020204030204" pitchFamily="34" charset="0"/>
+                      </a:defRPr>
+                    </a:lvl7pPr>
+                    <a:lvl8pPr marL="3429000" indent="-228600" defTabSz="1827213" fontAlgn="base">
+                      <a:spcBef>
+                        <a:spcPct val="0"/>
+                      </a:spcBef>
+                      <a:spcAft>
+                        <a:spcPct val="0"/>
+                      </a:spcAft>
+                      <a:defRPr sz="3600">
+                        <a:solidFill>
+                          <a:schemeClr val="tx1"/>
+                        </a:solidFill>
+                        <a:latin typeface="Calibri" panose="020F0502020204030204" pitchFamily="34" charset="0"/>
+                      </a:defRPr>
+                    </a:lvl8pPr>
+                    <a:lvl9pPr marL="3886200" indent="-228600" defTabSz="1827213" fontAlgn="base">
+                      <a:spcBef>
+                        <a:spcPct val="0"/>
+                      </a:spcBef>
+                      <a:spcAft>
+                        <a:spcPct val="0"/>
+                      </a:spcAft>
+                      <a:defRPr sz="3600">
+                        <a:solidFill>
+                          <a:schemeClr val="tx1"/>
+                        </a:solidFill>
+                        <a:latin typeface="Calibri" panose="020F0502020204030204" pitchFamily="34" charset="0"/>
+                      </a:defRPr>
+                    </a:lvl9pPr>
+                  </a:lstStyle>
+                  <a:p>
+                    <a:pPr algn="just" eaLnBrk="1" hangingPunct="1">
+                      <a:lnSpc>
+                        <a:spcPct val="150000"/>
+                      </a:lnSpc>
+                    </a:pPr>
+                    <a:r>
+                      <a:rPr lang="en-IN" sz="1500" b="1" dirty="0">
+                        <a:solidFill>
+                          <a:schemeClr val="tx1">
+                            <a:lumMod val="95000"/>
+                            <a:lumOff val="5000"/>
+                          </a:schemeClr>
+                        </a:solidFill>
+                        <a:latin typeface="Raleway" panose="020B0503030101060003" pitchFamily="34" charset="0"/>
+                      </a:rPr>
+                      <a:t>Core Infrastructure</a:t>
+                    </a:r>
+                    <a:endParaRPr lang="en-US" sz="1500" b="1" dirty="0">
+                      <a:solidFill>
+                        <a:schemeClr val="tx1">
+                          <a:lumMod val="95000"/>
+                          <a:lumOff val="5000"/>
+                        </a:schemeClr>
+                      </a:solidFill>
+                      <a:latin typeface="Raleway" panose="020B0503030101060003" pitchFamily="34" charset="0"/>
+                    </a:endParaRPr>
+                  </a:p>
+                </p:txBody>
+              </p:sp>
+              <p:sp>
+                <p:nvSpPr>
+                  <p:cNvPr id="12" name="Oval 11"/>
+                  <p:cNvSpPr/>
+                  <p:nvPr/>
+                </p:nvSpPr>
+                <p:spPr>
+                  <a:xfrm>
+                    <a:off x="5258843" y="2810655"/>
+                    <a:ext cx="548640" cy="548640"/>
+                  </a:xfrm>
+                  <a:prstGeom prst="ellipse">
+                    <a:avLst/>
+                  </a:prstGeom>
+                  <a:solidFill>
+                    <a:schemeClr val="accent4"/>
+                  </a:solidFill>
+                  <a:ln>
+                    <a:noFill/>
+                  </a:ln>
+                </p:spPr>
+                <p:style>
+                  <a:lnRef idx="2">
+                    <a:schemeClr val="accent1">
+                      <a:shade val="50000"/>
+                    </a:schemeClr>
+                  </a:lnRef>
+                  <a:fillRef idx="1">
+                    <a:schemeClr val="accent1"/>
+                  </a:fillRef>
+                  <a:effectRef idx="0">
+                    <a:schemeClr val="accent1"/>
+                  </a:effectRef>
+                  <a:fontRef idx="minor">
+                    <a:schemeClr val="lt1"/>
+                  </a:fontRef>
+                </p:style>
+                <p:txBody>
+                  <a:bodyPr rtlCol="0" anchor="ctr"/>
+                  <a:lstStyle/>
+                  <a:p>
+                    <a:pPr algn="ctr"/>
+                    <a:endParaRPr lang="en-US" sz="1350"/>
+                  </a:p>
+                </p:txBody>
+              </p:sp>
+              <p:sp>
+                <p:nvSpPr>
+                  <p:cNvPr id="14" name="Rectangle 7"/>
+                  <p:cNvSpPr>
+                    <a:spLocks noChangeArrowheads="1"/>
+                  </p:cNvSpPr>
+                  <p:nvPr/>
+                </p:nvSpPr>
+                <p:spPr bwMode="auto">
+                  <a:xfrm>
+                    <a:off x="5807026" y="2687499"/>
+                    <a:ext cx="3228790" cy="398058"/>
+                  </a:xfrm>
+                  <a:prstGeom prst="rect">
+                    <a:avLst/>
+                  </a:prstGeom>
+                  <a:noFill/>
+                  <a:ln>
+                    <a:noFill/>
+                  </a:ln>
+                  <a:extLst>
+                    <a:ext uri="{909E8E84-426E-40DD-AFC4-6F175D3DCCD1}">
+                      <a14:hiddenFill xmlns:a14="http://schemas.microsoft.com/office/drawing/2010/main">
+                        <a:solidFill>
+                          <a:srgbClr val="FFFFFF"/>
+                        </a:solidFill>
+                      </a14:hiddenFill>
+                    </a:ext>
+                    <a:ext uri="{91240B29-F687-4F45-9708-019B960494DF}">
+                      <a14:hiddenLine xmlns:a14="http://schemas.microsoft.com/office/drawing/2010/main" w="9525">
+                        <a:solidFill>
+                          <a:srgbClr val="000000"/>
+                        </a:solidFill>
+                        <a:miter lim="800000"/>
+                        <a:headEnd/>
+                        <a:tailEnd/>
+                      </a14:hiddenLine>
+                    </a:ext>
+                  </a:extLst>
+                </p:spPr>
+                <p:txBody>
+                  <a:bodyPr wrap="square">
+                    <a:spAutoFit/>
+                  </a:bodyPr>
+                  <a:lstStyle>
+                    <a:lvl1pPr>
+                      <a:defRPr sz="3600">
+                        <a:solidFill>
+                          <a:schemeClr val="tx1"/>
+                        </a:solidFill>
+                        <a:latin typeface="Calibri" panose="020F0502020204030204" pitchFamily="34" charset="0"/>
+                      </a:defRPr>
+                    </a:lvl1pPr>
+                    <a:lvl2pPr marL="742950" indent="-285750">
+                      <a:defRPr sz="3600">
+                        <a:solidFill>
+                          <a:schemeClr val="tx1"/>
+                        </a:solidFill>
+                        <a:latin typeface="Calibri" panose="020F0502020204030204" pitchFamily="34" charset="0"/>
+                      </a:defRPr>
+                    </a:lvl2pPr>
+                    <a:lvl3pPr marL="1143000" indent="-228600">
+                      <a:defRPr sz="3600">
+                        <a:solidFill>
+                          <a:schemeClr val="tx1"/>
+                        </a:solidFill>
+                        <a:latin typeface="Calibri" panose="020F0502020204030204" pitchFamily="34" charset="0"/>
+                      </a:defRPr>
+                    </a:lvl3pPr>
+                    <a:lvl4pPr marL="1600200" indent="-228600">
+                      <a:defRPr sz="3600">
+                        <a:solidFill>
+                          <a:schemeClr val="tx1"/>
+                        </a:solidFill>
+                        <a:latin typeface="Calibri" panose="020F0502020204030204" pitchFamily="34" charset="0"/>
+                      </a:defRPr>
+                    </a:lvl4pPr>
+                    <a:lvl5pPr marL="2057400" indent="-228600">
+                      <a:defRPr sz="3600">
+                        <a:solidFill>
+                          <a:schemeClr val="tx1"/>
+                        </a:solidFill>
+                        <a:latin typeface="Calibri" panose="020F0502020204030204" pitchFamily="34" charset="0"/>
+                      </a:defRPr>
+                    </a:lvl5pPr>
+                    <a:lvl6pPr marL="2514600" indent="-228600" defTabSz="1827213" fontAlgn="base">
+                      <a:spcBef>
+                        <a:spcPct val="0"/>
+                      </a:spcBef>
+                      <a:spcAft>
+                        <a:spcPct val="0"/>
+                      </a:spcAft>
+                      <a:defRPr sz="3600">
+                        <a:solidFill>
+                          <a:schemeClr val="tx1"/>
+                        </a:solidFill>
+                        <a:latin typeface="Calibri" panose="020F0502020204030204" pitchFamily="34" charset="0"/>
+                      </a:defRPr>
+                    </a:lvl6pPr>
+                    <a:lvl7pPr marL="2971800" indent="-228600" defTabSz="1827213" fontAlgn="base">
+                      <a:spcBef>
+                        <a:spcPct val="0"/>
+                      </a:spcBef>
+                      <a:spcAft>
+                        <a:spcPct val="0"/>
+                      </a:spcAft>
+                      <a:defRPr sz="3600">
+                        <a:solidFill>
+                          <a:schemeClr val="tx1"/>
+                        </a:solidFill>
+                        <a:latin typeface="Calibri" panose="020F0502020204030204" pitchFamily="34" charset="0"/>
+                      </a:defRPr>
+                    </a:lvl7pPr>
+                    <a:lvl8pPr marL="3429000" indent="-228600" defTabSz="1827213" fontAlgn="base">
+                      <a:spcBef>
+                        <a:spcPct val="0"/>
+                      </a:spcBef>
+                      <a:spcAft>
+                        <a:spcPct val="0"/>
+                      </a:spcAft>
+                      <a:defRPr sz="3600">
+                        <a:solidFill>
+                          <a:schemeClr val="tx1"/>
+                        </a:solidFill>
+                        <a:latin typeface="Calibri" panose="020F0502020204030204" pitchFamily="34" charset="0"/>
+                      </a:defRPr>
+                    </a:lvl8pPr>
+                    <a:lvl9pPr marL="3886200" indent="-228600" defTabSz="1827213" fontAlgn="base">
+                      <a:spcBef>
+                        <a:spcPct val="0"/>
+                      </a:spcBef>
+                      <a:spcAft>
+                        <a:spcPct val="0"/>
+                      </a:spcAft>
+                      <a:defRPr sz="3600">
+                        <a:solidFill>
+                          <a:schemeClr val="tx1"/>
+                        </a:solidFill>
+                        <a:latin typeface="Calibri" panose="020F0502020204030204" pitchFamily="34" charset="0"/>
+                      </a:defRPr>
+                    </a:lvl9pPr>
+                  </a:lstStyle>
+                  <a:p>
+                    <a:pPr algn="just" eaLnBrk="1" hangingPunct="1">
+                      <a:lnSpc>
+                        <a:spcPct val="150000"/>
+                      </a:lnSpc>
+                    </a:pPr>
+                    <a:r>
+                      <a:rPr lang="en-IN" sz="1500" b="1" dirty="0">
+                        <a:solidFill>
+                          <a:schemeClr val="tx1">
+                            <a:lumMod val="95000"/>
+                            <a:lumOff val="5000"/>
+                          </a:schemeClr>
+                        </a:solidFill>
+                        <a:latin typeface="Raleway" panose="020B0503030101060003" pitchFamily="34" charset="0"/>
+                      </a:rPr>
+                      <a:t>API/Services</a:t>
+                    </a:r>
+                    <a:endParaRPr lang="en-US" sz="1500" b="1" dirty="0">
+                      <a:solidFill>
+                        <a:schemeClr val="tx1">
+                          <a:lumMod val="95000"/>
+                          <a:lumOff val="5000"/>
+                        </a:schemeClr>
+                      </a:solidFill>
+                      <a:latin typeface="Raleway" panose="020B0503030101060003" pitchFamily="34" charset="0"/>
+                    </a:endParaRPr>
+                  </a:p>
+                </p:txBody>
+              </p:sp>
+              <p:sp>
+                <p:nvSpPr>
+                  <p:cNvPr id="15" name="Oval 14"/>
+                  <p:cNvSpPr/>
+                  <p:nvPr/>
+                </p:nvSpPr>
+                <p:spPr>
+                  <a:xfrm>
+                    <a:off x="5258843" y="3640596"/>
+                    <a:ext cx="548640" cy="548640"/>
+                  </a:xfrm>
+                  <a:prstGeom prst="ellipse">
+                    <a:avLst/>
+                  </a:prstGeom>
+                  <a:solidFill>
+                    <a:schemeClr val="accent5"/>
+                  </a:solidFill>
+                  <a:ln>
+                    <a:noFill/>
+                  </a:ln>
+                </p:spPr>
+                <p:style>
+                  <a:lnRef idx="2">
+                    <a:schemeClr val="accent1">
+                      <a:shade val="50000"/>
+                    </a:schemeClr>
+                  </a:lnRef>
+                  <a:fillRef idx="1">
+                    <a:schemeClr val="accent1"/>
+                  </a:fillRef>
+                  <a:effectRef idx="0">
+                    <a:schemeClr val="accent1"/>
+                  </a:effectRef>
+                  <a:fontRef idx="minor">
+                    <a:schemeClr val="lt1"/>
+                  </a:fontRef>
+                </p:style>
+                <p:txBody>
+                  <a:bodyPr rtlCol="0" anchor="ctr"/>
+                  <a:lstStyle/>
+                  <a:p>
+                    <a:pPr algn="ctr"/>
+                    <a:endParaRPr lang="en-US" sz="1350"/>
+                  </a:p>
+                </p:txBody>
+              </p:sp>
+              <p:sp>
+                <p:nvSpPr>
+                  <p:cNvPr id="17" name="Rectangle 7"/>
+                  <p:cNvSpPr>
+                    <a:spLocks noChangeArrowheads="1"/>
+                  </p:cNvSpPr>
+                  <p:nvPr/>
+                </p:nvSpPr>
+                <p:spPr bwMode="auto">
+                  <a:xfrm>
+                    <a:off x="5807026" y="3517440"/>
+                    <a:ext cx="3228790" cy="398058"/>
+                  </a:xfrm>
+                  <a:prstGeom prst="rect">
+                    <a:avLst/>
+                  </a:prstGeom>
+                  <a:noFill/>
+                  <a:ln>
+                    <a:noFill/>
+                  </a:ln>
+                  <a:extLst>
+                    <a:ext uri="{909E8E84-426E-40DD-AFC4-6F175D3DCCD1}">
+                      <a14:hiddenFill xmlns:a14="http://schemas.microsoft.com/office/drawing/2010/main">
+                        <a:solidFill>
+                          <a:srgbClr val="FFFFFF"/>
+                        </a:solidFill>
+                      </a14:hiddenFill>
+                    </a:ext>
+                    <a:ext uri="{91240B29-F687-4F45-9708-019B960494DF}">
+                      <a14:hiddenLine xmlns:a14="http://schemas.microsoft.com/office/drawing/2010/main" w="9525">
+                        <a:solidFill>
+                          <a:srgbClr val="000000"/>
+                        </a:solidFill>
+                        <a:miter lim="800000"/>
+                        <a:headEnd/>
+                        <a:tailEnd/>
+                      </a14:hiddenLine>
+                    </a:ext>
+                  </a:extLst>
+                </p:spPr>
+                <p:txBody>
+                  <a:bodyPr wrap="square">
+                    <a:spAutoFit/>
+                  </a:bodyPr>
+                  <a:lstStyle>
+                    <a:lvl1pPr>
+                      <a:defRPr sz="3600">
+                        <a:solidFill>
+                          <a:schemeClr val="tx1"/>
+                        </a:solidFill>
+                        <a:latin typeface="Calibri" panose="020F0502020204030204" pitchFamily="34" charset="0"/>
+                      </a:defRPr>
+                    </a:lvl1pPr>
+                    <a:lvl2pPr marL="742950" indent="-285750">
+                      <a:defRPr sz="3600">
+                        <a:solidFill>
+                          <a:schemeClr val="tx1"/>
+                        </a:solidFill>
+                        <a:latin typeface="Calibri" panose="020F0502020204030204" pitchFamily="34" charset="0"/>
+                      </a:defRPr>
+                    </a:lvl2pPr>
+                    <a:lvl3pPr marL="1143000" indent="-228600">
+                      <a:defRPr sz="3600">
+                        <a:solidFill>
+                          <a:schemeClr val="tx1"/>
+                        </a:solidFill>
+                        <a:latin typeface="Calibri" panose="020F0502020204030204" pitchFamily="34" charset="0"/>
+                      </a:defRPr>
+                    </a:lvl3pPr>
+                    <a:lvl4pPr marL="1600200" indent="-228600">
+                      <a:defRPr sz="3600">
+                        <a:solidFill>
+                          <a:schemeClr val="tx1"/>
+                        </a:solidFill>
+                        <a:latin typeface="Calibri" panose="020F0502020204030204" pitchFamily="34" charset="0"/>
+                      </a:defRPr>
+                    </a:lvl4pPr>
+                    <a:lvl5pPr marL="2057400" indent="-228600">
+                      <a:defRPr sz="3600">
+                        <a:solidFill>
+                          <a:schemeClr val="tx1"/>
+                        </a:solidFill>
+                        <a:latin typeface="Calibri" panose="020F0502020204030204" pitchFamily="34" charset="0"/>
+                      </a:defRPr>
+                    </a:lvl5pPr>
+                    <a:lvl6pPr marL="2514600" indent="-228600" defTabSz="1827213" fontAlgn="base">
+                      <a:spcBef>
+                        <a:spcPct val="0"/>
+                      </a:spcBef>
+                      <a:spcAft>
+                        <a:spcPct val="0"/>
+                      </a:spcAft>
+                      <a:defRPr sz="3600">
+                        <a:solidFill>
+                          <a:schemeClr val="tx1"/>
+                        </a:solidFill>
+                        <a:latin typeface="Calibri" panose="020F0502020204030204" pitchFamily="34" charset="0"/>
+                      </a:defRPr>
+                    </a:lvl6pPr>
+                    <a:lvl7pPr marL="2971800" indent="-228600" defTabSz="1827213" fontAlgn="base">
+                      <a:spcBef>
+                        <a:spcPct val="0"/>
+                      </a:spcBef>
+                      <a:spcAft>
+                        <a:spcPct val="0"/>
+                      </a:spcAft>
+                      <a:defRPr sz="3600">
+                        <a:solidFill>
+                          <a:schemeClr val="tx1"/>
+                        </a:solidFill>
+                        <a:latin typeface="Calibri" panose="020F0502020204030204" pitchFamily="34" charset="0"/>
+                      </a:defRPr>
+                    </a:lvl7pPr>
+                    <a:lvl8pPr marL="3429000" indent="-228600" defTabSz="1827213" fontAlgn="base">
+                      <a:spcBef>
+                        <a:spcPct val="0"/>
+                      </a:spcBef>
+                      <a:spcAft>
+                        <a:spcPct val="0"/>
+                      </a:spcAft>
+                      <a:defRPr sz="3600">
+                        <a:solidFill>
+                          <a:schemeClr val="tx1"/>
+                        </a:solidFill>
+                        <a:latin typeface="Calibri" panose="020F0502020204030204" pitchFamily="34" charset="0"/>
+                      </a:defRPr>
+                    </a:lvl8pPr>
+                    <a:lvl9pPr marL="3886200" indent="-228600" defTabSz="1827213" fontAlgn="base">
+                      <a:spcBef>
+                        <a:spcPct val="0"/>
+                      </a:spcBef>
+                      <a:spcAft>
+                        <a:spcPct val="0"/>
+                      </a:spcAft>
+                      <a:defRPr sz="3600">
+                        <a:solidFill>
+                          <a:schemeClr val="tx1"/>
+                        </a:solidFill>
+                        <a:latin typeface="Calibri" panose="020F0502020204030204" pitchFamily="34" charset="0"/>
+                      </a:defRPr>
+                    </a:lvl9pPr>
+                  </a:lstStyle>
+                  <a:p>
+                    <a:pPr algn="just" eaLnBrk="1" hangingPunct="1">
+                      <a:lnSpc>
+                        <a:spcPct val="150000"/>
+                      </a:lnSpc>
+                    </a:pPr>
+                    <a:r>
+                      <a:rPr lang="en-US" sz="1500" b="1" dirty="0">
+                        <a:solidFill>
+                          <a:schemeClr val="tx1">
+                            <a:lumMod val="95000"/>
+                            <a:lumOff val="5000"/>
+                          </a:schemeClr>
+                        </a:solidFill>
+                        <a:latin typeface="Raleway" panose="020B0503030101060003" pitchFamily="34" charset="0"/>
+                      </a:rPr>
+                      <a:t>View Layer/UI</a:t>
+                    </a:r>
+                  </a:p>
+                </p:txBody>
+              </p:sp>
+            </p:grpSp>
+            <p:pic>
+              <p:nvPicPr>
+                <p:cNvPr id="3" name="Picture 2">
+                  <a:extLst>
+                    <a:ext uri="{FF2B5EF4-FFF2-40B4-BE49-F238E27FC236}">
+                      <a16:creationId xmlns:a16="http://schemas.microsoft.com/office/drawing/2014/main" id="{BEA6B1DE-1444-6877-C559-DECA1C025939}"/>
+                    </a:ext>
+                  </a:extLst>
+                </p:cNvPr>
+                <p:cNvPicPr>
+                  <a:picLocks noChangeAspect="1"/>
+                </p:cNvPicPr>
+                <p:nvPr/>
+              </p:nvPicPr>
+              <p:blipFill>
+                <a:blip r:embed="rId2">
+                  <a:extLst>
+                    <a:ext uri="{28A0092B-C50C-407E-A947-70E740481C1C}">
+                      <a14:useLocalDpi xmlns:a14="http://schemas.microsoft.com/office/drawing/2010/main" val="0"/>
+                    </a:ext>
+                  </a:extLst>
+                </a:blip>
+                <a:stretch>
+                  <a:fillRect/>
+                </a:stretch>
+              </p:blipFill>
+              <p:spPr>
+                <a:xfrm>
+                  <a:off x="5418635" y="2202435"/>
+                  <a:ext cx="228600" cy="228600"/>
+                </a:xfrm>
+                <a:prstGeom prst="rect">
+                  <a:avLst/>
+                </a:prstGeom>
+              </p:spPr>
+            </p:pic>
+          </p:grpSp>
+          <p:pic>
+            <p:nvPicPr>
+              <p:cNvPr id="21" name="Picture 20">
+                <a:extLst>
+                  <a:ext uri="{FF2B5EF4-FFF2-40B4-BE49-F238E27FC236}">
+                    <a16:creationId xmlns:a16="http://schemas.microsoft.com/office/drawing/2014/main" id="{37DCC7DD-E9E6-BFF8-9F87-B323296A048D}"/>
+                  </a:ext>
+                </a:extLst>
+              </p:cNvPr>
+              <p:cNvPicPr>
+                <a:picLocks noChangeAspect="1"/>
+              </p:cNvPicPr>
+              <p:nvPr/>
+            </p:nvPicPr>
+            <p:blipFill>
+              <a:blip r:embed="rId3">
+                <a:extLst>
+                  <a:ext uri="{28A0092B-C50C-407E-A947-70E740481C1C}">
+                    <a14:useLocalDpi xmlns:a14="http://schemas.microsoft.com/office/drawing/2010/main" val="0"/>
+                  </a:ext>
+                </a:extLst>
+              </a:blip>
+              <a:stretch>
+                <a:fillRect/>
+              </a:stretch>
+            </p:blipFill>
+            <p:spPr>
+              <a:xfrm>
+                <a:off x="5432702" y="2936913"/>
+                <a:ext cx="228600" cy="228600"/>
+              </a:xfrm>
+              <a:prstGeom prst="rect">
+                <a:avLst/>
+              </a:prstGeom>
+            </p:spPr>
+          </p:pic>
+          <p:pic>
+            <p:nvPicPr>
+              <p:cNvPr id="22" name="Picture 21">
+                <a:extLst>
+                  <a:ext uri="{FF2B5EF4-FFF2-40B4-BE49-F238E27FC236}">
+                    <a16:creationId xmlns:a16="http://schemas.microsoft.com/office/drawing/2014/main" id="{15FDDD43-389E-EAE5-FEA4-A5A256667147}"/>
+                  </a:ext>
+                </a:extLst>
+              </p:cNvPr>
+              <p:cNvPicPr>
+                <a:picLocks noChangeAspect="1"/>
+              </p:cNvPicPr>
+              <p:nvPr/>
+            </p:nvPicPr>
+            <p:blipFill>
+              <a:blip r:embed="rId4">
+                <a:extLst>
+                  <a:ext uri="{28A0092B-C50C-407E-A947-70E740481C1C}">
+                    <a14:useLocalDpi xmlns:a14="http://schemas.microsoft.com/office/drawing/2010/main" val="0"/>
+                  </a:ext>
+                </a:extLst>
+              </a:blip>
+              <a:stretch>
+                <a:fillRect/>
+              </a:stretch>
+            </p:blipFill>
+            <p:spPr>
+              <a:xfrm>
+                <a:off x="5432702" y="3798915"/>
+                <a:ext cx="228600" cy="228600"/>
+              </a:xfrm>
+              <a:prstGeom prst="rect">
+                <a:avLst/>
+              </a:prstGeom>
+            </p:spPr>
+          </p:pic>
+        </p:grpSp>
+        <p:sp>
+          <p:nvSpPr>
+            <p:cNvPr id="24" name="TextBox 23">
+              <a:extLst>
+                <a:ext uri="{FF2B5EF4-FFF2-40B4-BE49-F238E27FC236}">
+                  <a16:creationId xmlns:a16="http://schemas.microsoft.com/office/drawing/2014/main" id="{F992B162-0126-6999-5E63-71807A4C90E5}"/>
+                </a:ext>
+              </a:extLst>
+            </p:cNvPr>
+            <p:cNvSpPr txBox="1"/>
+            <p:nvPr/>
+          </p:nvSpPr>
+          <p:spPr>
+            <a:xfrm>
+              <a:off x="0" y="1388293"/>
+              <a:ext cx="12192000" cy="461665"/>
+            </a:xfrm>
+            <a:prstGeom prst="rect">
+              <a:avLst/>
+            </a:prstGeom>
+            <a:solidFill>
+              <a:schemeClr val="bg2">
+                <a:lumMod val="90000"/>
+              </a:schemeClr>
+            </a:solidFill>
+          </p:spPr>
+          <p:txBody>
+            <a:bodyPr wrap="square" rtlCol="0">
+              <a:spAutoFit/>
+            </a:bodyPr>
+            <a:lstStyle/>
+            <a:p>
+              <a:pPr algn="ctr"/>
+              <a:r>
+                <a:rPr lang="en-IN" sz="2400" b="1" dirty="0"/>
+                <a:t>Architecture to Business Type</a:t>
+              </a:r>
+              <a:endParaRPr lang="en-US" sz="2400" b="1" dirty="0"/>
+            </a:p>
+          </p:txBody>
+        </p:sp>
+      </p:grpSp>
+    </p:spTree>
+    <p:extLst>
+      <p:ext uri="{BB962C8B-B14F-4D97-AF65-F5344CB8AC3E}">
+        <p14:creationId xmlns:p14="http://schemas.microsoft.com/office/powerpoint/2010/main" val="2187847916"/>
+      </p:ext>
+    </p:extLst>
+  </p:cSld>
+  <p:clrMapOvr>
+    <a:masterClrMapping/>
+  </p:clrMapOvr>
+  <p:timing>
+    <p:tnLst>
+      <p:par>
+        <p:cTn id="1" dur="indefinite" restart="never" nodeType="tmRoot">
+          <p:childTnLst>
+            <p:seq concurrent="1" nextAc="seek">
+              <p:cTn id="2" dur="indefinite" nodeType="mainSeq">
+                <p:childTnLst>
+                  <p:par>
+                    <p:cTn id="3" fill="hold">
+                      <p:stCondLst>
+                        <p:cond delay="indefinite"/>
+                        <p:cond evt="onBegin" delay="0">
+                          <p:tn val="2"/>
+                        </p:cond>
+                      </p:stCondLst>
+                      <p:childTnLst>
+                        <p:par>
+                          <p:cTn id="4" fill="hold">
+                            <p:stCondLst>
+                              <p:cond delay="0"/>
+                            </p:stCondLst>
+                            <p:childTnLst>
+                              <p:par>
+                                <p:cTn id="5" presetID="2" presetClass="entr" presetSubtype="4" fill="hold" nodeType="afterEffect">
+                                  <p:stCondLst>
+                                    <p:cond delay="0"/>
+                                  </p:stCondLst>
+                                  <p:childTnLst>
+                                    <p:set>
+                                      <p:cBhvr>
+                                        <p:cTn id="6" dur="1" fill="hold">
+                                          <p:stCondLst>
+                                            <p:cond delay="0"/>
+                                          </p:stCondLst>
+                                        </p:cTn>
+                                        <p:tgtEl>
+                                          <p:spTgt spid="9"/>
+                                        </p:tgtEl>
+                                        <p:attrNameLst>
+                                          <p:attrName>style.visibility</p:attrName>
+                                        </p:attrNameLst>
+                                      </p:cBhvr>
+                                      <p:to>
+                                        <p:strVal val="visible"/>
+                                      </p:to>
+                                    </p:set>
+                                    <p:anim calcmode="lin" valueType="num">
+                                      <p:cBhvr additive="base">
+                                        <p:cTn id="7" dur="500" fill="hold"/>
+                                        <p:tgtEl>
+                                          <p:spTgt spid="9"/>
+                                        </p:tgtEl>
+                                        <p:attrNameLst>
+                                          <p:attrName>ppt_x</p:attrName>
+                                        </p:attrNameLst>
+                                      </p:cBhvr>
+                                      <p:tavLst>
+                                        <p:tav tm="0">
+                                          <p:val>
+                                            <p:strVal val="#ppt_x"/>
+                                          </p:val>
+                                        </p:tav>
+                                        <p:tav tm="100000">
+                                          <p:val>
+                                            <p:strVal val="#ppt_x"/>
+                                          </p:val>
+                                        </p:tav>
+                                      </p:tavLst>
+                                    </p:anim>
+                                    <p:anim calcmode="lin" valueType="num">
+                                      <p:cBhvr additive="base">
+                                        <p:cTn id="8" dur="500" fill="hold"/>
+                                        <p:tgtEl>
+                                          <p:spTgt spid="9"/>
+                                        </p:tgtEl>
+                                        <p:attrNameLst>
+                                          <p:attrName>ppt_y</p:attrName>
+                                        </p:attrNameLst>
+                                      </p:cBhvr>
+                                      <p:tavLst>
+                                        <p:tav tm="0">
+                                          <p:val>
+                                            <p:strVal val="1+#ppt_h/2"/>
+                                          </p:val>
+                                        </p:tav>
+                                        <p:tav tm="100000">
+                                          <p:val>
+                                            <p:strVal val="#ppt_y"/>
+                                          </p:val>
+                                        </p:tav>
+                                      </p:tavLst>
+                                    </p:anim>
+                                  </p:childTnLst>
+                                </p:cTn>
+                              </p:par>
+                            </p:childTnLst>
+                          </p:cTn>
+                        </p:par>
+                        <p:par>
+                          <p:cTn id="9" fill="hold">
+                            <p:stCondLst>
+                              <p:cond delay="500"/>
+                            </p:stCondLst>
+                            <p:childTnLst>
+                              <p:par>
+                                <p:cTn id="10" presetID="2" presetClass="entr" presetSubtype="4" fill="hold" nodeType="afterEffect">
+                                  <p:stCondLst>
+                                    <p:cond delay="0"/>
+                                  </p:stCondLst>
+                                  <p:childTnLst>
+                                    <p:set>
+                                      <p:cBhvr>
+                                        <p:cTn id="11" dur="1" fill="hold">
+                                          <p:stCondLst>
+                                            <p:cond delay="0"/>
+                                          </p:stCondLst>
+                                        </p:cTn>
+                                        <p:tgtEl>
+                                          <p:spTgt spid="18"/>
+                                        </p:tgtEl>
+                                        <p:attrNameLst>
+                                          <p:attrName>style.visibility</p:attrName>
+                                        </p:attrNameLst>
+                                      </p:cBhvr>
+                                      <p:to>
+                                        <p:strVal val="visible"/>
+                                      </p:to>
+                                    </p:set>
+                                    <p:anim calcmode="lin" valueType="num">
+                                      <p:cBhvr additive="base">
+                                        <p:cTn id="12" dur="500" fill="hold"/>
+                                        <p:tgtEl>
+                                          <p:spTgt spid="18"/>
+                                        </p:tgtEl>
+                                        <p:attrNameLst>
+                                          <p:attrName>ppt_x</p:attrName>
+                                        </p:attrNameLst>
+                                      </p:cBhvr>
+                                      <p:tavLst>
+                                        <p:tav tm="0">
+                                          <p:val>
+                                            <p:strVal val="#ppt_x"/>
+                                          </p:val>
+                                        </p:tav>
+                                        <p:tav tm="100000">
+                                          <p:val>
+                                            <p:strVal val="#ppt_x"/>
+                                          </p:val>
+                                        </p:tav>
+                                      </p:tavLst>
+                                    </p:anim>
+                                    <p:anim calcmode="lin" valueType="num">
+                                      <p:cBhvr additive="base">
+                                        <p:cTn id="13" dur="500" fill="hold"/>
+                                        <p:tgtEl>
+                                          <p:spTgt spid="18"/>
+                                        </p:tgtEl>
+                                        <p:attrNameLst>
+                                          <p:attrName>ppt_y</p:attrName>
+                                        </p:attrNameLst>
+                                      </p:cBhvr>
+                                      <p:tavLst>
+                                        <p:tav tm="0">
+                                          <p:val>
+                                            <p:strVal val="1+#ppt_h/2"/>
+                                          </p:val>
+                                        </p:tav>
+                                        <p:tav tm="100000">
+                                          <p:val>
+                                            <p:strVal val="#ppt_y"/>
+                                          </p:val>
+                                        </p:tav>
+                                      </p:tavLst>
+                                    </p:anim>
+                                  </p:childTnLst>
+                                </p:cTn>
+                              </p:par>
+                            </p:childTnLst>
+                          </p:cTn>
+                        </p:par>
+                        <p:par>
+                          <p:cTn id="14" fill="hold">
+                            <p:stCondLst>
+                              <p:cond delay="1000"/>
+                            </p:stCondLst>
+                            <p:childTnLst>
+                              <p:par>
+                                <p:cTn id="15" presetID="2" presetClass="entr" presetSubtype="4" fill="hold" nodeType="afterEffect">
+                                  <p:stCondLst>
+                                    <p:cond delay="0"/>
+                                  </p:stCondLst>
+                                  <p:childTnLst>
+                                    <p:set>
+                                      <p:cBhvr>
+                                        <p:cTn id="16" dur="1" fill="hold">
+                                          <p:stCondLst>
+                                            <p:cond delay="0"/>
+                                          </p:stCondLst>
+                                        </p:cTn>
+                                        <p:tgtEl>
+                                          <p:spTgt spid="19"/>
+                                        </p:tgtEl>
+                                        <p:attrNameLst>
+                                          <p:attrName>style.visibility</p:attrName>
+                                        </p:attrNameLst>
+                                      </p:cBhvr>
+                                      <p:to>
+                                        <p:strVal val="visible"/>
+                                      </p:to>
+                                    </p:set>
+                                    <p:anim calcmode="lin" valueType="num">
+                                      <p:cBhvr additive="base">
+                                        <p:cTn id="17" dur="500" fill="hold"/>
+                                        <p:tgtEl>
+                                          <p:spTgt spid="19"/>
+                                        </p:tgtEl>
+                                        <p:attrNameLst>
+                                          <p:attrName>ppt_x</p:attrName>
+                                        </p:attrNameLst>
+                                      </p:cBhvr>
+                                      <p:tavLst>
+                                        <p:tav tm="0">
+                                          <p:val>
+                                            <p:strVal val="#ppt_x"/>
+                                          </p:val>
+                                        </p:tav>
+                                        <p:tav tm="100000">
+                                          <p:val>
+                                            <p:strVal val="#ppt_x"/>
+                                          </p:val>
+                                        </p:tav>
+                                      </p:tavLst>
+                                    </p:anim>
+                                    <p:anim calcmode="lin" valueType="num">
+                                      <p:cBhvr additive="base">
+                                        <p:cTn id="18" dur="500" fill="hold"/>
+                                        <p:tgtEl>
+                                          <p:spTgt spid="19"/>
+                                        </p:tgtEl>
+                                        <p:attrNameLst>
+                                          <p:attrName>ppt_y</p:attrName>
+                                        </p:attrNameLst>
+                                      </p:cBhvr>
+                                      <p:tavLst>
+                                        <p:tav tm="0">
+                                          <p:val>
+                                            <p:strVal val="1+#ppt_h/2"/>
+                                          </p:val>
+                                        </p:tav>
+                                        <p:tav tm="100000">
+                                          <p:val>
+                                            <p:strVal val="#ppt_y"/>
+                                          </p:val>
+                                        </p:tav>
+                                      </p:tavLst>
+                                    </p:anim>
+                                  </p:childTnLst>
+                                </p:cTn>
+                              </p:par>
+                            </p:childTnLst>
+                          </p:cTn>
+                        </p:par>
+                      </p:childTnLst>
+                    </p:cTn>
+                  </p:par>
+                </p:childTnLst>
+              </p:cTn>
+              <p:prevCondLst>
+                <p:cond evt="onPrev" delay="0">
+                  <p:tgtEl>
+                    <p:sldTgt/>
+                  </p:tgtEl>
+                </p:cond>
+              </p:prevCondLst>
+              <p:nextCondLst>
+                <p:cond evt="onNext" delay="0">
+                  <p:tgtEl>
+                    <p:sldTgt/>
+                  </p:tgtEl>
+                </p:cond>
+              </p:nextCondLst>
+            </p:seq>
+          </p:childTnLst>
+        </p:cTn>
+      </p:par>
+    </p:tnLst>
+  </p:timing>
 </p:sld>
 </file>
 
@@ -4329,4 +9798,299 @@
     </a:ext>
   </a:extLst>
 </a:theme>
+</file>
+
+<file path=ppt/theme/theme2.xml><?xml version="1.0" encoding="utf-8"?>
+<a:theme xmlns:a="http://schemas.openxmlformats.org/drawingml/2006/main" name="Office Theme">
+  <a:themeElements>
+    <a:clrScheme name="Office">
+      <a:dk1>
+        <a:sysClr val="windowText" lastClr="000000"/>
+      </a:dk1>
+      <a:lt1>
+        <a:sysClr val="window" lastClr="FFFFFF"/>
+      </a:lt1>
+      <a:dk2>
+        <a:srgbClr val="44546A"/>
+      </a:dk2>
+      <a:lt2>
+        <a:srgbClr val="E7E6E6"/>
+      </a:lt2>
+      <a:accent1>
+        <a:srgbClr val="4472C4"/>
+      </a:accent1>
+      <a:accent2>
+        <a:srgbClr val="ED7D31"/>
+      </a:accent2>
+      <a:accent3>
+        <a:srgbClr val="A5A5A5"/>
+      </a:accent3>
+      <a:accent4>
+        <a:srgbClr val="FFC000"/>
+      </a:accent4>
+      <a:accent5>
+        <a:srgbClr val="5B9BD5"/>
+      </a:accent5>
+      <a:accent6>
+        <a:srgbClr val="70AD47"/>
+      </a:accent6>
+      <a:hlink>
+        <a:srgbClr val="0563C1"/>
+      </a:hlink>
+      <a:folHlink>
+        <a:srgbClr val="954F72"/>
+      </a:folHlink>
+    </a:clrScheme>
+    <a:fontScheme name="Office">
+      <a:majorFont>
+        <a:latin typeface="Calibri Light" panose="020F0302020204030204"/>
+        <a:ea typeface=""/>
+        <a:cs typeface=""/>
+        <a:font script="Jpan" typeface="游ゴシック Light"/>
+        <a:font script="Hang" typeface="맑은 고딕"/>
+        <a:font script="Hans" typeface="等线 Light"/>
+        <a:font script="Hant" typeface="新細明體"/>
+        <a:font script="Arab" typeface="Times New Roman"/>
+        <a:font script="Hebr" typeface="Times New Roman"/>
+        <a:font script="Thai" typeface="Angsana New"/>
+        <a:font script="Ethi" typeface="Nyala"/>
+        <a:font script="Beng" typeface="Vrinda"/>
+        <a:font script="Gujr" typeface="Shruti"/>
+        <a:font script="Khmr" typeface="MoolBoran"/>
+        <a:font script="Knda" typeface="Tunga"/>
+        <a:font script="Guru" typeface="Raavi"/>
+        <a:font script="Cans" typeface="Euphemia"/>
+        <a:font script="Cher" typeface="Plantagenet Cherokee"/>
+        <a:font script="Yiii" typeface="Microsoft Yi Baiti"/>
+        <a:font script="Tibt" typeface="Microsoft Himalaya"/>
+        <a:font script="Thaa" typeface="MV Boli"/>
+        <a:font script="Deva" typeface="Mangal"/>
+        <a:font script="Telu" typeface="Gautami"/>
+        <a:font script="Taml" typeface="Latha"/>
+        <a:font script="Syrc" typeface="Estrangelo Edessa"/>
+        <a:font script="Orya" typeface="Kalinga"/>
+        <a:font script="Mlym" typeface="Kartika"/>
+        <a:font script="Laoo" typeface="DokChampa"/>
+        <a:font script="Sinh" typeface="Iskoola Pota"/>
+        <a:font script="Mong" typeface="Mongolian Baiti"/>
+        <a:font script="Viet" typeface="Times New Roman"/>
+        <a:font script="Uigh" typeface="Microsoft Uighur"/>
+        <a:font script="Geor" typeface="Sylfaen"/>
+        <a:font script="Armn" typeface="Arial"/>
+        <a:font script="Bugi" typeface="Leelawadee UI"/>
+        <a:font script="Bopo" typeface="Microsoft JhengHei"/>
+        <a:font script="Java" typeface="Javanese Text"/>
+        <a:font script="Lisu" typeface="Segoe UI"/>
+        <a:font script="Mymr" typeface="Myanmar Text"/>
+        <a:font script="Nkoo" typeface="Ebrima"/>
+        <a:font script="Olck" typeface="Nirmala UI"/>
+        <a:font script="Osma" typeface="Ebrima"/>
+        <a:font script="Phag" typeface="Phagspa"/>
+        <a:font script="Syrn" typeface="Estrangelo Edessa"/>
+        <a:font script="Syrj" typeface="Estrangelo Edessa"/>
+        <a:font script="Syre" typeface="Estrangelo Edessa"/>
+        <a:font script="Sora" typeface="Nirmala UI"/>
+        <a:font script="Tale" typeface="Microsoft Tai Le"/>
+        <a:font script="Talu" typeface="Microsoft New Tai Lue"/>
+        <a:font script="Tfng" typeface="Ebrima"/>
+      </a:majorFont>
+      <a:minorFont>
+        <a:latin typeface="Calibri" panose="020F0502020204030204"/>
+        <a:ea typeface=""/>
+        <a:cs typeface=""/>
+        <a:font script="Jpan" typeface="游ゴシック"/>
+        <a:font script="Hang" typeface="맑은 고딕"/>
+        <a:font script="Hans" typeface="等线"/>
+        <a:font script="Hant" typeface="新細明體"/>
+        <a:font script="Arab" typeface="Arial"/>
+        <a:font script="Hebr" typeface="Arial"/>
+        <a:font script="Thai" typeface="Cordia New"/>
+        <a:font script="Ethi" typeface="Nyala"/>
+        <a:font script="Beng" typeface="Vrinda"/>
+        <a:font script="Gujr" typeface="Shruti"/>
+        <a:font script="Khmr" typeface="DaunPenh"/>
+        <a:font script="Knda" typeface="Tunga"/>
+        <a:font script="Guru" typeface="Raavi"/>
+        <a:font script="Cans" typeface="Euphemia"/>
+        <a:font script="Cher" typeface="Plantagenet Cherokee"/>
+        <a:font script="Yiii" typeface="Microsoft Yi Baiti"/>
+        <a:font script="Tibt" typeface="Microsoft Himalaya"/>
+        <a:font script="Thaa" typeface="MV Boli"/>
+        <a:font script="Deva" typeface="Mangal"/>
+        <a:font script="Telu" typeface="Gautami"/>
+        <a:font script="Taml" typeface="Latha"/>
+        <a:font script="Syrc" typeface="Estrangelo Edessa"/>
+        <a:font script="Orya" typeface="Kalinga"/>
+        <a:font script="Mlym" typeface="Kartika"/>
+        <a:font script="Laoo" typeface="DokChampa"/>
+        <a:font script="Sinh" typeface="Iskoola Pota"/>
+        <a:font script="Mong" typeface="Mongolian Baiti"/>
+        <a:font script="Viet" typeface="Arial"/>
+        <a:font script="Uigh" typeface="Microsoft Uighur"/>
+        <a:font script="Geor" typeface="Sylfaen"/>
+        <a:font script="Armn" typeface="Arial"/>
+        <a:font script="Bugi" typeface="Leelawadee UI"/>
+        <a:font script="Bopo" typeface="Microsoft JhengHei"/>
+        <a:font script="Java" typeface="Javanese Text"/>
+        <a:font script="Lisu" typeface="Segoe UI"/>
+        <a:font script="Mymr" typeface="Myanmar Text"/>
+        <a:font script="Nkoo" typeface="Ebrima"/>
+        <a:font script="Olck" typeface="Nirmala UI"/>
+        <a:font script="Osma" typeface="Ebrima"/>
+        <a:font script="Phag" typeface="Phagspa"/>
+        <a:font script="Syrn" typeface="Estrangelo Edessa"/>
+        <a:font script="Syrj" typeface="Estrangelo Edessa"/>
+        <a:font script="Syre" typeface="Estrangelo Edessa"/>
+        <a:font script="Sora" typeface="Nirmala UI"/>
+        <a:font script="Tale" typeface="Microsoft Tai Le"/>
+        <a:font script="Talu" typeface="Microsoft New Tai Lue"/>
+        <a:font script="Tfng" typeface="Ebrima"/>
+      </a:minorFont>
+    </a:fontScheme>
+    <a:fmtScheme name="Office">
+      <a:fillStyleLst>
+        <a:solidFill>
+          <a:schemeClr val="phClr"/>
+        </a:solidFill>
+        <a:gradFill rotWithShape="1">
+          <a:gsLst>
+            <a:gs pos="0">
+              <a:schemeClr val="phClr">
+                <a:lumMod val="110000"/>
+                <a:satMod val="105000"/>
+                <a:tint val="67000"/>
+              </a:schemeClr>
+            </a:gs>
+            <a:gs pos="50000">
+              <a:schemeClr val="phClr">
+                <a:lumMod val="105000"/>
+                <a:satMod val="103000"/>
+                <a:tint val="73000"/>
+              </a:schemeClr>
+            </a:gs>
+            <a:gs pos="100000">
+              <a:schemeClr val="phClr">
+                <a:lumMod val="105000"/>
+                <a:satMod val="109000"/>
+                <a:tint val="81000"/>
+              </a:schemeClr>
+            </a:gs>
+          </a:gsLst>
+          <a:lin ang="5400000" scaled="0"/>
+        </a:gradFill>
+        <a:gradFill rotWithShape="1">
+          <a:gsLst>
+            <a:gs pos="0">
+              <a:schemeClr val="phClr">
+                <a:satMod val="103000"/>
+                <a:lumMod val="102000"/>
+                <a:tint val="94000"/>
+              </a:schemeClr>
+            </a:gs>
+            <a:gs pos="50000">
+              <a:schemeClr val="phClr">
+                <a:satMod val="110000"/>
+                <a:lumMod val="100000"/>
+                <a:shade val="100000"/>
+              </a:schemeClr>
+            </a:gs>
+            <a:gs pos="100000">
+              <a:schemeClr val="phClr">
+                <a:lumMod val="99000"/>
+                <a:satMod val="120000"/>
+                <a:shade val="78000"/>
+              </a:schemeClr>
+            </a:gs>
+          </a:gsLst>
+          <a:lin ang="5400000" scaled="0"/>
+        </a:gradFill>
+      </a:fillStyleLst>
+      <a:lnStyleLst>
+        <a:ln w="6350" cap="flat" cmpd="sng" algn="ctr">
+          <a:solidFill>
+            <a:schemeClr val="phClr"/>
+          </a:solidFill>
+          <a:prstDash val="solid"/>
+          <a:miter lim="800000"/>
+        </a:ln>
+        <a:ln w="12700" cap="flat" cmpd="sng" algn="ctr">
+          <a:solidFill>
+            <a:schemeClr val="phClr"/>
+          </a:solidFill>
+          <a:prstDash val="solid"/>
+          <a:miter lim="800000"/>
+        </a:ln>
+        <a:ln w="19050" cap="flat" cmpd="sng" algn="ctr">
+          <a:solidFill>
+            <a:schemeClr val="phClr"/>
+          </a:solidFill>
+          <a:prstDash val="solid"/>
+          <a:miter lim="800000"/>
+        </a:ln>
+      </a:lnStyleLst>
+      <a:effectStyleLst>
+        <a:effectStyle>
+          <a:effectLst/>
+        </a:effectStyle>
+        <a:effectStyle>
+          <a:effectLst/>
+        </a:effectStyle>
+        <a:effectStyle>
+          <a:effectLst>
+            <a:outerShdw blurRad="57150" dist="19050" dir="5400000" algn="ctr" rotWithShape="0">
+              <a:srgbClr val="000000">
+                <a:alpha val="63000"/>
+              </a:srgbClr>
+            </a:outerShdw>
+          </a:effectLst>
+        </a:effectStyle>
+      </a:effectStyleLst>
+      <a:bgFillStyleLst>
+        <a:solidFill>
+          <a:schemeClr val="phClr"/>
+        </a:solidFill>
+        <a:solidFill>
+          <a:schemeClr val="phClr">
+            <a:tint val="95000"/>
+            <a:satMod val="170000"/>
+          </a:schemeClr>
+        </a:solidFill>
+        <a:gradFill rotWithShape="1">
+          <a:gsLst>
+            <a:gs pos="0">
+              <a:schemeClr val="phClr">
+                <a:tint val="93000"/>
+                <a:satMod val="150000"/>
+                <a:shade val="98000"/>
+                <a:lumMod val="102000"/>
+              </a:schemeClr>
+            </a:gs>
+            <a:gs pos="50000">
+              <a:schemeClr val="phClr">
+                <a:tint val="98000"/>
+                <a:satMod val="130000"/>
+                <a:shade val="90000"/>
+                <a:lumMod val="103000"/>
+              </a:schemeClr>
+            </a:gs>
+            <a:gs pos="100000">
+              <a:schemeClr val="phClr">
+                <a:shade val="63000"/>
+                <a:satMod val="120000"/>
+              </a:schemeClr>
+            </a:gs>
+          </a:gsLst>
+          <a:lin ang="5400000" scaled="0"/>
+        </a:gradFill>
+      </a:bgFillStyleLst>
+    </a:fmtScheme>
+  </a:themeElements>
+  <a:objectDefaults/>
+  <a:extraClrSchemeLst/>
+  <a:extLst>
+    <a:ext uri="{05A4C25C-085E-4340-85A3-A5531E510DB2}">
+      <thm15:themeFamily xmlns:thm15="http://schemas.microsoft.com/office/thememl/2012/main" name="Office Theme" id="{62F939B6-93AF-4DB8-9C6B-D6C7DFDC589F}" vid="{4A3C46E8-61CC-4603-A589-7422A47A8E4A}"/>
+    </a:ext>
+  </a:extLst>
+</a:theme>
 </file>